--- a/magnets/slides.pptx
+++ b/magnets/slides.pptx
@@ -5,10 +5,10 @@
     <p:sldMasterId id="2147483648" r:id="rId1"/>
   </p:sldMasterIdLst>
   <p:notesMasterIdLst>
-    <p:notesMasterId r:id="rId38"/>
+    <p:notesMasterId r:id="rId39"/>
   </p:notesMasterIdLst>
   <p:handoutMasterIdLst>
-    <p:handoutMasterId r:id="rId39"/>
+    <p:handoutMasterId r:id="rId40"/>
   </p:handoutMasterIdLst>
   <p:sldIdLst>
     <p:sldId id="261" r:id="rId2"/>
@@ -39,58 +39,59 @@
     <p:sldId id="283" r:id="rId27"/>
     <p:sldId id="284" r:id="rId28"/>
     <p:sldId id="285" r:id="rId29"/>
-    <p:sldId id="286" r:id="rId30"/>
-    <p:sldId id="295" r:id="rId31"/>
-    <p:sldId id="287" r:id="rId32"/>
-    <p:sldId id="288" r:id="rId33"/>
-    <p:sldId id="289" r:id="rId34"/>
-    <p:sldId id="290" r:id="rId35"/>
-    <p:sldId id="291" r:id="rId36"/>
-    <p:sldId id="292" r:id="rId37"/>
+    <p:sldId id="296" r:id="rId30"/>
+    <p:sldId id="297" r:id="rId31"/>
+    <p:sldId id="295" r:id="rId32"/>
+    <p:sldId id="287" r:id="rId33"/>
+    <p:sldId id="288" r:id="rId34"/>
+    <p:sldId id="289" r:id="rId35"/>
+    <p:sldId id="290" r:id="rId36"/>
+    <p:sldId id="291" r:id="rId37"/>
+    <p:sldId id="292" r:id="rId38"/>
   </p:sldIdLst>
   <p:sldSz cx="9144000" cy="5143500" type="screen16x9"/>
   <p:notesSz cx="6858000" cy="9144000"/>
   <p:embeddedFontLst>
     <p:embeddedFont>
       <p:font typeface="APL333" panose="020B0700000202000203" pitchFamily="34" charset="0"/>
-      <p:regular r:id="rId40"/>
+      <p:regular r:id="rId41"/>
     </p:embeddedFont>
     <p:embeddedFont>
       <p:font typeface="APL385 Unicode" panose="020B0709000202000203" pitchFamily="49" charset="0"/>
-      <p:regular r:id="rId41"/>
+      <p:regular r:id="rId42"/>
     </p:embeddedFont>
     <p:embeddedFont>
       <p:font typeface="APL386 Unicode" panose="020B0709000202000203" pitchFamily="50" charset="0"/>
-      <p:regular r:id="rId42"/>
+      <p:regular r:id="rId43"/>
     </p:embeddedFont>
     <p:embeddedFont>
-      <p:font typeface="Atkinson Hyperlegible" pitchFamily="50" charset="0"/>
-      <p:regular r:id="rId43"/>
-      <p:bold r:id="rId44"/>
-      <p:italic r:id="rId45"/>
-      <p:boldItalic r:id="rId46"/>
+      <p:font typeface="Atkinson Hyperlegible" pitchFamily="2" charset="0"/>
+      <p:regular r:id="rId44"/>
+      <p:bold r:id="rId45"/>
+      <p:italic r:id="rId46"/>
+      <p:boldItalic r:id="rId47"/>
     </p:embeddedFont>
     <p:embeddedFont>
       <p:font typeface="Calibri" panose="020F0502020204030204" pitchFamily="34" charset="0"/>
-      <p:regular r:id="rId41"/>
-      <p:bold r:id="rId41"/>
-      <p:italic r:id="rId41"/>
-      <p:boldItalic r:id="rId41"/>
+      <p:regular r:id="rId42"/>
+      <p:bold r:id="rId42"/>
+      <p:italic r:id="rId42"/>
+      <p:boldItalic r:id="rId42"/>
     </p:embeddedFont>
     <p:embeddedFont>
       <p:font typeface="Cambria Math" panose="02040503050406030204" pitchFamily="18" charset="0"/>
-      <p:regular r:id="rId47"/>
+      <p:regular r:id="rId48"/>
     </p:embeddedFont>
     <p:embeddedFont>
       <p:font typeface="Sarabun" panose="00000500000000000000" pitchFamily="2" charset="-34"/>
-      <p:regular r:id="rId48"/>
-      <p:bold r:id="rId49"/>
-      <p:italic r:id="rId50"/>
-      <p:boldItalic r:id="rId51"/>
+      <p:regular r:id="rId49"/>
+      <p:bold r:id="rId50"/>
+      <p:italic r:id="rId51"/>
+      <p:boldItalic r:id="rId52"/>
     </p:embeddedFont>
     <p:embeddedFont>
       <p:font typeface="Wingdings 2" panose="05020102010507070707" pitchFamily="18" charset="2"/>
-      <p:regular r:id="rId41"/>
+      <p:regular r:id="rId42"/>
     </p:embeddedFont>
   </p:embeddedFontLst>
   <p:defaultTextStyle>
@@ -307,7 +308,7 @@
               <a:rPr lang="en-GB" smtClean="0">
                 <a:latin typeface="Sarabun" panose="00000500000000000000" pitchFamily="2" charset="-34"/>
               </a:rPr>
-              <a:t>03/03/2022</a:t>
+              <a:t>04/03/2022</a:t>
             </a:fld>
             <a:endParaRPr lang="en-GB" dirty="0">
               <a:latin typeface="Sarabun" panose="00000500000000000000" pitchFamily="2" charset="-34"/>
@@ -485,7 +486,7 @@
             <a:fld id="{CDEAEF8A-5BB8-41C8-B8C2-160617C17EF4}" type="datetimeFigureOut">
               <a:rPr lang="en-GB" smtClean="0"/>
               <a:pPr/>
-              <a:t>03/03/2022</a:t>
+              <a:t>04/03/2022</a:t>
             </a:fld>
             <a:endParaRPr lang="en-GB" dirty="0"/>
           </a:p>
@@ -11643,8 +11644,8 @@
           </a:p>
         </p:txBody>
       </p:sp>
-      <mc:AlternateContent xmlns:mc="http://schemas.openxmlformats.org/markup-compatibility/2006">
-        <mc:Choice xmlns:a14="http://schemas.microsoft.com/office/drawing/2010/main" Requires="a14">
+      <mc:AlternateContent xmlns:mc="http://schemas.openxmlformats.org/markup-compatibility/2006" xmlns:a14="http://schemas.microsoft.com/office/drawing/2010/main">
+        <mc:Choice Requires="a14">
           <p:sp>
             <p:nvSpPr>
               <p:cNvPr id="3" name="Content Placeholder 2">
@@ -11802,7 +11803,7 @@
             </p:txBody>
           </p:sp>
         </mc:Choice>
-        <mc:Fallback>
+        <mc:Fallback xmlns="">
           <p:sp>
             <p:nvSpPr>
               <p:cNvPr id="3" name="Content Placeholder 2">
@@ -12088,8 +12089,8 @@
           </a:p>
         </p:txBody>
       </p:sp>
-      <mc:AlternateContent xmlns:mc="http://schemas.openxmlformats.org/markup-compatibility/2006">
-        <mc:Choice xmlns:a14="http://schemas.microsoft.com/office/drawing/2010/main" Requires="a14">
+      <mc:AlternateContent xmlns:mc="http://schemas.openxmlformats.org/markup-compatibility/2006" xmlns:a14="http://schemas.microsoft.com/office/drawing/2010/main">
+        <mc:Choice Requires="a14">
           <p:sp>
             <p:nvSpPr>
               <p:cNvPr id="3" name="Content Placeholder 2">
@@ -12305,7 +12306,7 @@
             </p:txBody>
           </p:sp>
         </mc:Choice>
-        <mc:Fallback>
+        <mc:Fallback xmlns="">
           <p:sp>
             <p:nvSpPr>
               <p:cNvPr id="3" name="Content Placeholder 2">
@@ -13972,31 +13973,6 @@
       </p:grpSpPr>
       <p:sp>
         <p:nvSpPr>
-          <p:cNvPr id="2" name="Content Placeholder 1">
-            <a:extLst>
-              <a:ext uri="{FF2B5EF4-FFF2-40B4-BE49-F238E27FC236}">
-                <a16:creationId xmlns:a16="http://schemas.microsoft.com/office/drawing/2014/main" id="{892ABD65-919E-4814-B733-CFE634B47929}"/>
-              </a:ext>
-            </a:extLst>
-          </p:cNvPr>
-          <p:cNvSpPr>
-            <a:spLocks noGrp="1"/>
-          </p:cNvSpPr>
-          <p:nvPr>
-            <p:ph idx="10"/>
-          </p:nvPr>
-        </p:nvSpPr>
-        <p:spPr/>
-        <p:txBody>
-          <a:bodyPr/>
-          <a:lstStyle/>
-          <a:p>
-            <a:endParaRPr lang="en-GB"/>
-          </a:p>
-        </p:txBody>
-      </p:sp>
-      <p:sp>
-        <p:nvSpPr>
           <p:cNvPr id="3" name="Content Placeholder 2">
             <a:extLst>
               <a:ext uri="{FF2B5EF4-FFF2-40B4-BE49-F238E27FC236}">
@@ -14011,42 +13987,70 @@
             <p:ph idx="1"/>
           </p:nvPr>
         </p:nvSpPr>
-        <p:spPr/>
+        <p:spPr>
+          <a:xfrm>
+            <a:off x="323527" y="1264925"/>
+            <a:ext cx="8588125" cy="3242040"/>
+          </a:xfrm>
+        </p:spPr>
         <p:txBody>
-          <a:bodyPr/>
+          <a:bodyPr>
+            <a:normAutofit/>
+          </a:bodyPr>
           <a:lstStyle/>
           <a:p>
             <a:pPr marL="0" indent="0">
               <a:buNone/>
             </a:pPr>
             <a:r>
-              <a:rPr lang="en-GB" dirty="0"/>
-              <a:t>Choose one of the approaches we discussed and implement it to be easy to adjust for as many of the rule changes as you can</a:t>
+              <a:rPr lang="en-GB" sz="1800" dirty="0"/>
+              <a:t>For each of the approaches we have looked at, modify your code to allow the system to be changed:</a:t>
+            </a:r>
+          </a:p>
+          <a:p>
+            <a:r>
+              <a:rPr lang="en-GB" sz="1800" dirty="0"/>
+              <a:t>Interaction constant</a:t>
+            </a:r>
+          </a:p>
+          <a:p>
+            <a:r>
+              <a:rPr lang="en-GB" sz="1800" dirty="0"/>
+              <a:t>Constant external field</a:t>
+            </a:r>
+          </a:p>
+          <a:p>
+            <a:r>
+              <a:rPr lang="en-GB" sz="1800" dirty="0"/>
+              <a:t>Modifiable neighbourhood</a:t>
             </a:r>
           </a:p>
           <a:p>
             <a:pPr marL="0" indent="0">
               <a:buNone/>
             </a:pPr>
-            <a:endParaRPr lang="en-GB" dirty="0"/>
-          </a:p>
-          <a:p>
-            <a:r>
-              <a:rPr lang="en-GB" dirty="0"/>
-              <a:t>Production quality code</a:t>
-            </a:r>
-          </a:p>
-          <a:p>
-            <a:r>
-              <a:rPr lang="en-GB" dirty="0"/>
-              <a:t>Sensible variable names</a:t>
-            </a:r>
-          </a:p>
-          <a:p>
-            <a:r>
-              <a:rPr lang="en-GB" dirty="0"/>
-              <a:t>Comments</a:t>
-            </a:r>
+            <a:endParaRPr lang="en-GB" sz="1800" dirty="0"/>
+          </a:p>
+          <a:p>
+            <a:pPr marL="0" indent="0">
+              <a:buNone/>
+            </a:pPr>
+            <a:r>
+              <a:rPr lang="en-GB" sz="1800" dirty="0"/>
+              <a:t>Which approaches do you find easy to understand? Which are easiest to change?</a:t>
+            </a:r>
+          </a:p>
+          <a:p>
+            <a:pPr marL="0" indent="0">
+              <a:buNone/>
+            </a:pPr>
+            <a:endParaRPr lang="en-GB" sz="1800" dirty="0"/>
+          </a:p>
+          <a:p>
+            <a:pPr marL="0" indent="0">
+              <a:buNone/>
+            </a:pPr>
+            <a:endParaRPr lang="en-GB" sz="1800" dirty="0"/>
           </a:p>
         </p:txBody>
       </p:sp>
@@ -14106,7 +14110,7 @@
     </p:spTree>
     <p:extLst>
       <p:ext uri="{BB962C8B-B14F-4D97-AF65-F5344CB8AC3E}">
-        <p14:creationId xmlns:p14="http://schemas.microsoft.com/office/powerpoint/2010/main" val="3522580269"/>
+        <p14:creationId xmlns:p14="http://schemas.microsoft.com/office/powerpoint/2010/main" val="3821174937"/>
       </p:ext>
     </p:extLst>
   </p:cSld>
@@ -14625,6 +14629,187 @@
       </p:grpSpPr>
       <p:sp>
         <p:nvSpPr>
+          <p:cNvPr id="3" name="Content Placeholder 2">
+            <a:extLst>
+              <a:ext uri="{FF2B5EF4-FFF2-40B4-BE49-F238E27FC236}">
+                <a16:creationId xmlns:a16="http://schemas.microsoft.com/office/drawing/2014/main" id="{01A80D9B-88A4-49D2-B952-98D1708D315C}"/>
+              </a:ext>
+            </a:extLst>
+          </p:cNvPr>
+          <p:cNvSpPr>
+            <a:spLocks noGrp="1"/>
+          </p:cNvSpPr>
+          <p:nvPr>
+            <p:ph idx="1"/>
+          </p:nvPr>
+        </p:nvSpPr>
+        <p:spPr>
+          <a:xfrm>
+            <a:off x="323527" y="1264925"/>
+            <a:ext cx="8588125" cy="3242040"/>
+          </a:xfrm>
+        </p:spPr>
+        <p:txBody>
+          <a:bodyPr>
+            <a:normAutofit lnSpcReduction="10000"/>
+          </a:bodyPr>
+          <a:lstStyle/>
+          <a:p>
+            <a:pPr marL="0" indent="0">
+              <a:buNone/>
+            </a:pPr>
+            <a:r>
+              <a:rPr lang="en-GB" sz="1800" dirty="0"/>
+              <a:t>Consider:</a:t>
+            </a:r>
+          </a:p>
+          <a:p>
+            <a:r>
+              <a:rPr lang="en-GB" sz="1800" dirty="0"/>
+              <a:t>A static neighbourhood (similar to the problem description, Boolean)</a:t>
+            </a:r>
+          </a:p>
+          <a:p>
+            <a:r>
+              <a:rPr lang="en-GB" sz="1800" dirty="0"/>
+              <a:t>A function of position and/or distance relative the "this spin"</a:t>
+            </a:r>
+          </a:p>
+          <a:p>
+            <a:r>
+              <a:rPr lang="en-GB" sz="1800" dirty="0"/>
+              <a:t>How will you represent the neighbourhood influence?</a:t>
+            </a:r>
+          </a:p>
+          <a:p>
+            <a:endParaRPr lang="en-GB" sz="1800" dirty="0"/>
+          </a:p>
+          <a:p>
+            <a:pPr marL="0" indent="0">
+              <a:buNone/>
+            </a:pPr>
+            <a:r>
+              <a:rPr lang="en-GB" sz="1800" dirty="0"/>
+              <a:t>Try to write:</a:t>
+            </a:r>
+          </a:p>
+          <a:p>
+            <a:r>
+              <a:rPr lang="en-GB" sz="1800" dirty="0"/>
+              <a:t>Production quality code</a:t>
+            </a:r>
+          </a:p>
+          <a:p>
+            <a:r>
+              <a:rPr lang="en-GB" sz="1800" dirty="0"/>
+              <a:t>Sensible variable names</a:t>
+            </a:r>
+          </a:p>
+          <a:p>
+            <a:r>
+              <a:rPr lang="en-GB" sz="1800" dirty="0"/>
+              <a:t>Comments</a:t>
+            </a:r>
+          </a:p>
+          <a:p>
+            <a:pPr marL="0" indent="0">
+              <a:buNone/>
+            </a:pPr>
+            <a:endParaRPr lang="en-GB" sz="1800" dirty="0"/>
+          </a:p>
+          <a:p>
+            <a:pPr marL="0" indent="0">
+              <a:buNone/>
+            </a:pPr>
+            <a:endParaRPr lang="en-GB" sz="1800" dirty="0"/>
+          </a:p>
+        </p:txBody>
+      </p:sp>
+      <p:sp>
+        <p:nvSpPr>
+          <p:cNvPr id="4" name="Content Placeholder 3">
+            <a:extLst>
+              <a:ext uri="{FF2B5EF4-FFF2-40B4-BE49-F238E27FC236}">
+                <a16:creationId xmlns:a16="http://schemas.microsoft.com/office/drawing/2014/main" id="{F7F37986-44BB-4691-AC31-143DE6E2402C}"/>
+              </a:ext>
+            </a:extLst>
+          </p:cNvPr>
+          <p:cNvSpPr>
+            <a:spLocks noGrp="1"/>
+          </p:cNvSpPr>
+          <p:nvPr>
+            <p:ph sz="quarter" idx="12"/>
+          </p:nvPr>
+        </p:nvSpPr>
+        <p:spPr/>
+        <p:txBody>
+          <a:bodyPr/>
+          <a:lstStyle/>
+          <a:p>
+            <a:endParaRPr lang="en-GB"/>
+          </a:p>
+        </p:txBody>
+      </p:sp>
+      <p:sp>
+        <p:nvSpPr>
+          <p:cNvPr id="5" name="Title 4">
+            <a:extLst>
+              <a:ext uri="{FF2B5EF4-FFF2-40B4-BE49-F238E27FC236}">
+                <a16:creationId xmlns:a16="http://schemas.microsoft.com/office/drawing/2014/main" id="{75B21E9B-BEA1-4DDC-B659-87561B40965F}"/>
+              </a:ext>
+            </a:extLst>
+          </p:cNvPr>
+          <p:cNvSpPr>
+            <a:spLocks noGrp="1"/>
+          </p:cNvSpPr>
+          <p:nvPr>
+            <p:ph type="title"/>
+          </p:nvPr>
+        </p:nvSpPr>
+        <p:spPr/>
+        <p:txBody>
+          <a:bodyPr/>
+          <a:lstStyle/>
+          <a:p>
+            <a:r>
+              <a:rPr lang="en-GB" dirty="0"/>
+              <a:t>Exercise: Neighbourhood</a:t>
+            </a:r>
+          </a:p>
+        </p:txBody>
+      </p:sp>
+    </p:spTree>
+    <p:extLst>
+      <p:ext uri="{BB962C8B-B14F-4D97-AF65-F5344CB8AC3E}">
+        <p14:creationId xmlns:p14="http://schemas.microsoft.com/office/powerpoint/2010/main" val="171603933"/>
+      </p:ext>
+    </p:extLst>
+  </p:cSld>
+  <p:clrMapOvr>
+    <a:masterClrMapping/>
+  </p:clrMapOvr>
+</p:sld>
+</file>
+
+<file path=ppt/slides/slide31.xml><?xml version="1.0" encoding="utf-8"?>
+<p:sld xmlns:a="http://schemas.openxmlformats.org/drawingml/2006/main" xmlns:r="http://schemas.openxmlformats.org/officeDocument/2006/relationships" xmlns:p="http://schemas.openxmlformats.org/presentationml/2006/main">
+  <p:cSld>
+    <p:spTree>
+      <p:nvGrpSpPr>
+        <p:cNvPr id="1" name=""/>
+        <p:cNvGrpSpPr/>
+        <p:nvPr/>
+      </p:nvGrpSpPr>
+      <p:grpSpPr>
+        <a:xfrm>
+          <a:off x="0" y="0"/>
+          <a:ext cx="0" cy="0"/>
+          <a:chOff x="0" y="0"/>
+          <a:chExt cx="0" cy="0"/>
+        </a:xfrm>
+      </p:grpSpPr>
+      <p:sp>
+        <p:nvSpPr>
           <p:cNvPr id="2" name="Content Placeholder 1">
             <a:extLst>
               <a:ext uri="{FF2B5EF4-FFF2-40B4-BE49-F238E27FC236}">
@@ -14742,7 +14927,7 @@
 </p:sld>
 </file>
 
-<file path=ppt/slides/slide31.xml><?xml version="1.0" encoding="utf-8"?>
+<file path=ppt/slides/slide32.xml><?xml version="1.0" encoding="utf-8"?>
 <p:sld xmlns:a="http://schemas.openxmlformats.org/drawingml/2006/main" xmlns:r="http://schemas.openxmlformats.org/officeDocument/2006/relationships" xmlns:p="http://schemas.openxmlformats.org/presentationml/2006/main">
   <p:cSld>
     <p:spTree>
@@ -15575,7 +15760,7 @@
 </p:sld>
 </file>
 
-<file path=ppt/slides/slide32.xml><?xml version="1.0" encoding="utf-8"?>
+<file path=ppt/slides/slide33.xml><?xml version="1.0" encoding="utf-8"?>
 <p:sld xmlns:a="http://schemas.openxmlformats.org/drawingml/2006/main" xmlns:r="http://schemas.openxmlformats.org/officeDocument/2006/relationships" xmlns:p="http://schemas.openxmlformats.org/presentationml/2006/main">
   <p:cSld>
     <p:spTree>
@@ -15793,7 +15978,7 @@
 </p:sld>
 </file>
 
-<file path=ppt/slides/slide33.xml><?xml version="1.0" encoding="utf-8"?>
+<file path=ppt/slides/slide34.xml><?xml version="1.0" encoding="utf-8"?>
 <p:sld xmlns:a="http://schemas.openxmlformats.org/drawingml/2006/main" xmlns:r="http://schemas.openxmlformats.org/officeDocument/2006/relationships" xmlns:p="http://schemas.openxmlformats.org/presentationml/2006/main">
   <p:cSld>
     <p:spTree>
@@ -15978,7 +16163,7 @@
 </p:sld>
 </file>
 
-<file path=ppt/slides/slide34.xml><?xml version="1.0" encoding="utf-8"?>
+<file path=ppt/slides/slide35.xml><?xml version="1.0" encoding="utf-8"?>
 <p:sld xmlns:a="http://schemas.openxmlformats.org/drawingml/2006/main" xmlns:r="http://schemas.openxmlformats.org/officeDocument/2006/relationships" xmlns:p="http://schemas.openxmlformats.org/presentationml/2006/main">
   <p:cSld>
     <p:spTree>
@@ -16333,7 +16518,7 @@
 </p:sld>
 </file>
 
-<file path=ppt/slides/slide35.xml><?xml version="1.0" encoding="utf-8"?>
+<file path=ppt/slides/slide36.xml><?xml version="1.0" encoding="utf-8"?>
 <p:sld xmlns:a="http://schemas.openxmlformats.org/drawingml/2006/main" xmlns:r="http://schemas.openxmlformats.org/officeDocument/2006/relationships" xmlns:p="http://schemas.openxmlformats.org/presentationml/2006/main">
   <p:cSld>
     <p:spTree>
@@ -16544,7 +16729,7 @@
 </p:sld>
 </file>
 
-<file path=ppt/slides/slide36.xml><?xml version="1.0" encoding="utf-8"?>
+<file path=ppt/slides/slide37.xml><?xml version="1.0" encoding="utf-8"?>
 <p:sld xmlns:a="http://schemas.openxmlformats.org/drawingml/2006/main" xmlns:r="http://schemas.openxmlformats.org/officeDocument/2006/relationships" xmlns:p="http://schemas.openxmlformats.org/presentationml/2006/main">
   <p:cSld>
     <p:spTree>
@@ -20454,8 +20639,8 @@
           <a:chExt cx="0" cy="0"/>
         </a:xfrm>
       </p:grpSpPr>
-      <mc:AlternateContent xmlns:mc="http://schemas.openxmlformats.org/markup-compatibility/2006">
-        <mc:Choice xmlns:a14="http://schemas.microsoft.com/office/drawing/2010/main" Requires="a14">
+      <mc:AlternateContent xmlns:mc="http://schemas.openxmlformats.org/markup-compatibility/2006" xmlns:a14="http://schemas.microsoft.com/office/drawing/2010/main">
+        <mc:Choice Requires="a14">
           <p:sp>
             <p:nvSpPr>
               <p:cNvPr id="3" name="Content Placeholder 2">
@@ -20884,7 +21069,7 @@
             </p:txBody>
           </p:sp>
         </mc:Choice>
-        <mc:Fallback>
+        <mc:Fallback xmlns="">
           <p:sp>
             <p:nvSpPr>
               <p:cNvPr id="3" name="Content Placeholder 2">
@@ -21006,8 +21191,8 @@
           </a:p>
         </p:txBody>
       </p:sp>
-      <mc:AlternateContent xmlns:mc="http://schemas.openxmlformats.org/markup-compatibility/2006">
-        <mc:Choice xmlns:a14="http://schemas.microsoft.com/office/drawing/2010/main" Requires="a14">
+      <mc:AlternateContent xmlns:mc="http://schemas.openxmlformats.org/markup-compatibility/2006" xmlns:a14="http://schemas.microsoft.com/office/drawing/2010/main">
+        <mc:Choice Requires="a14">
           <p:sp>
             <p:nvSpPr>
               <p:cNvPr id="10" name="TextBox 9">
@@ -21173,7 +21358,7 @@
             </p:txBody>
           </p:sp>
         </mc:Choice>
-        <mc:Fallback>
+        <mc:Fallback xmlns="">
           <p:sp>
             <p:nvSpPr>
               <p:cNvPr id="10" name="TextBox 9">

--- a/magnets/slides.pptx
+++ b/magnets/slides.pptx
@@ -5,10 +5,10 @@
     <p:sldMasterId id="2147483648" r:id="rId1"/>
   </p:sldMasterIdLst>
   <p:notesMasterIdLst>
-    <p:notesMasterId r:id="rId39"/>
+    <p:notesMasterId r:id="rId58"/>
   </p:notesMasterIdLst>
   <p:handoutMasterIdLst>
-    <p:handoutMasterId r:id="rId40"/>
+    <p:handoutMasterId r:id="rId59"/>
   </p:handoutMasterIdLst>
   <p:sldIdLst>
     <p:sldId id="261" r:id="rId2"/>
@@ -42,56 +42,75 @@
     <p:sldId id="296" r:id="rId30"/>
     <p:sldId id="297" r:id="rId31"/>
     <p:sldId id="295" r:id="rId32"/>
-    <p:sldId id="287" r:id="rId33"/>
-    <p:sldId id="288" r:id="rId34"/>
-    <p:sldId id="289" r:id="rId35"/>
-    <p:sldId id="290" r:id="rId36"/>
-    <p:sldId id="291" r:id="rId37"/>
-    <p:sldId id="292" r:id="rId38"/>
+    <p:sldId id="310" r:id="rId33"/>
+    <p:sldId id="287" r:id="rId34"/>
+    <p:sldId id="288" r:id="rId35"/>
+    <p:sldId id="289" r:id="rId36"/>
+    <p:sldId id="290" r:id="rId37"/>
+    <p:sldId id="291" r:id="rId38"/>
+    <p:sldId id="292" r:id="rId39"/>
+    <p:sldId id="308" r:id="rId40"/>
+    <p:sldId id="311" r:id="rId41"/>
+    <p:sldId id="312" r:id="rId42"/>
+    <p:sldId id="313" r:id="rId43"/>
+    <p:sldId id="314" r:id="rId44"/>
+    <p:sldId id="315" r:id="rId45"/>
+    <p:sldId id="298" r:id="rId46"/>
+    <p:sldId id="299" r:id="rId47"/>
+    <p:sldId id="300" r:id="rId48"/>
+    <p:sldId id="301" r:id="rId49"/>
+    <p:sldId id="260" r:id="rId50"/>
+    <p:sldId id="302" r:id="rId51"/>
+    <p:sldId id="303" r:id="rId52"/>
+    <p:sldId id="304" r:id="rId53"/>
+    <p:sldId id="305" r:id="rId54"/>
+    <p:sldId id="306" r:id="rId55"/>
+    <p:sldId id="307" r:id="rId56"/>
+    <p:sldId id="316" r:id="rId57"/>
   </p:sldIdLst>
   <p:sldSz cx="9144000" cy="5143500" type="screen16x9"/>
   <p:notesSz cx="6858000" cy="9144000"/>
   <p:embeddedFontLst>
     <p:embeddedFont>
       <p:font typeface="APL333" panose="020B0700000202000203" pitchFamily="34" charset="0"/>
-      <p:regular r:id="rId41"/>
+      <p:regular r:id="rId60"/>
     </p:embeddedFont>
     <p:embeddedFont>
       <p:font typeface="APL385 Unicode" panose="020B0709000202000203" pitchFamily="49" charset="0"/>
-      <p:regular r:id="rId42"/>
+      <p:regular r:id="rId61"/>
     </p:embeddedFont>
     <p:embeddedFont>
       <p:font typeface="APL386 Unicode" panose="020B0709000202000203" pitchFamily="50" charset="0"/>
-      <p:regular r:id="rId43"/>
+      <p:regular r:id="rId62"/>
     </p:embeddedFont>
     <p:embeddedFont>
-      <p:font typeface="Atkinson Hyperlegible" pitchFamily="2" charset="0"/>
-      <p:regular r:id="rId44"/>
-      <p:bold r:id="rId45"/>
-      <p:italic r:id="rId46"/>
-      <p:boldItalic r:id="rId47"/>
+      <p:font typeface="Atkinson Hyperlegible" pitchFamily="50" charset="0"/>
+      <p:regular r:id="rId63"/>
+      <p:bold r:id="rId64"/>
+      <p:italic r:id="rId65"/>
+      <p:boldItalic r:id="rId66"/>
     </p:embeddedFont>
     <p:embeddedFont>
       <p:font typeface="Calibri" panose="020F0502020204030204" pitchFamily="34" charset="0"/>
-      <p:regular r:id="rId42"/>
-      <p:bold r:id="rId42"/>
-      <p:italic r:id="rId42"/>
-      <p:boldItalic r:id="rId42"/>
+      <p:regular r:id="rId61"/>
+      <p:bold r:id="rId61"/>
+      <p:italic r:id="rId61"/>
+      <p:boldItalic r:id="rId61"/>
     </p:embeddedFont>
     <p:embeddedFont>
       <p:font typeface="Cambria Math" panose="02040503050406030204" pitchFamily="18" charset="0"/>
-      <p:regular r:id="rId48"/>
+      <p:regular r:id="rId67"/>
     </p:embeddedFont>
     <p:embeddedFont>
       <p:font typeface="Sarabun" panose="00000500000000000000" pitchFamily="2" charset="-34"/>
-      <p:regular r:id="rId49"/>
-      <p:bold r:id="rId50"/>
-      <p:italic r:id="rId51"/>
-      <p:boldItalic r:id="rId52"/>
+      <p:regular r:id="rId68"/>
+      <p:bold r:id="rId69"/>
+      <p:italic r:id="rId70"/>
+      <p:boldItalic r:id="rId71"/>
     </p:embeddedFont>
     <p:embeddedFont>
       <p:font typeface="Wingdings 2" panose="05020102010507070707" pitchFamily="18" charset="2"/>
-      <p:regular r:id="rId42"/>
+      <p:regular r:id="rId61"/>
     </p:embeddedFont>
   </p:embeddedFontLst>
   <p:defaultTextStyle>
@@ -222,6 +241,3266 @@
 </p:presentation>
 </file>
 
+<file path=ppt/charts/chart1.xml><?xml version="1.0" encoding="utf-8"?>
+<c:chartSpace xmlns:c="http://schemas.openxmlformats.org/drawingml/2006/chart" xmlns:a="http://schemas.openxmlformats.org/drawingml/2006/main" xmlns:r="http://schemas.openxmlformats.org/officeDocument/2006/relationships" xmlns:c16r2="http://schemas.microsoft.com/office/drawing/2015/06/chart">
+  <c:date1904 val="0"/>
+  <c:lang val="en-US"/>
+  <c:roundedCorners val="0"/>
+  <mc:AlternateContent xmlns:mc="http://schemas.openxmlformats.org/markup-compatibility/2006">
+    <mc:Choice xmlns:c14="http://schemas.microsoft.com/office/drawing/2007/8/2/chart" Requires="c14">
+      <c14:style val="102"/>
+    </mc:Choice>
+    <mc:Fallback>
+      <c:style val="2"/>
+    </mc:Fallback>
+  </mc:AlternateContent>
+  <c:chart>
+    <c:autoTitleDeleted val="1"/>
+    <c:plotArea>
+      <c:layout/>
+      <c:areaChart>
+        <c:grouping val="standard"/>
+        <c:varyColors val="0"/>
+        <c:ser>
+          <c:idx val="0"/>
+          <c:order val="0"/>
+          <c:tx>
+            <c:strRef>
+              <c:f>Sheet1!$B$1</c:f>
+              <c:strCache>
+                <c:ptCount val="1"/>
+                <c:pt idx="0">
+                  <c:v>Series 1</c:v>
+                </c:pt>
+              </c:strCache>
+            </c:strRef>
+          </c:tx>
+          <c:spPr>
+            <a:solidFill>
+              <a:schemeClr val="accent1"/>
+            </a:solidFill>
+            <a:ln>
+              <a:noFill/>
+            </a:ln>
+            <a:effectLst/>
+          </c:spPr>
+          <c:cat>
+            <c:numRef>
+              <c:f>Sheet1!$A$2:$A$6</c:f>
+              <c:numCache>
+                <c:formatCode>0.00</c:formatCode>
+                <c:ptCount val="5"/>
+                <c:pt idx="0">
+                  <c:v>1</c:v>
+                </c:pt>
+                <c:pt idx="1">
+                  <c:v>2</c:v>
+                </c:pt>
+                <c:pt idx="2">
+                  <c:v>3</c:v>
+                </c:pt>
+                <c:pt idx="3">
+                  <c:v>4</c:v>
+                </c:pt>
+                <c:pt idx="4">
+                  <c:v>5</c:v>
+                </c:pt>
+              </c:numCache>
+            </c:numRef>
+          </c:cat>
+          <c:val>
+            <c:numRef>
+              <c:f>Sheet1!$B$2:$B$6</c:f>
+              <c:numCache>
+                <c:formatCode>General</c:formatCode>
+                <c:ptCount val="5"/>
+                <c:pt idx="0">
+                  <c:v>5</c:v>
+                </c:pt>
+                <c:pt idx="1">
+                  <c:v>2.5</c:v>
+                </c:pt>
+                <c:pt idx="2">
+                  <c:v>1.6666666666666667</c:v>
+                </c:pt>
+                <c:pt idx="3">
+                  <c:v>1.25</c:v>
+                </c:pt>
+                <c:pt idx="4">
+                  <c:v>1</c:v>
+                </c:pt>
+              </c:numCache>
+            </c:numRef>
+          </c:val>
+          <c:extLst>
+            <c:ext xmlns:c16="http://schemas.microsoft.com/office/drawing/2014/chart" uri="{C3380CC4-5D6E-409C-BE32-E72D297353CC}">
+              <c16:uniqueId val="{00000000-6F93-4224-AD61-8BDBEB428272}"/>
+            </c:ext>
+          </c:extLst>
+        </c:ser>
+        <c:ser>
+          <c:idx val="1"/>
+          <c:order val="1"/>
+          <c:tx>
+            <c:strRef>
+              <c:f>Sheet1!$C$1</c:f>
+              <c:strCache>
+                <c:ptCount val="1"/>
+                <c:pt idx="0">
+                  <c:v>Column1</c:v>
+                </c:pt>
+              </c:strCache>
+            </c:strRef>
+          </c:tx>
+          <c:spPr>
+            <a:solidFill>
+              <a:schemeClr val="accent2"/>
+            </a:solidFill>
+            <a:ln>
+              <a:noFill/>
+            </a:ln>
+            <a:effectLst/>
+          </c:spPr>
+          <c:cat>
+            <c:numRef>
+              <c:f>Sheet1!$A$2:$A$6</c:f>
+              <c:numCache>
+                <c:formatCode>0.00</c:formatCode>
+                <c:ptCount val="5"/>
+                <c:pt idx="0">
+                  <c:v>1</c:v>
+                </c:pt>
+                <c:pt idx="1">
+                  <c:v>2</c:v>
+                </c:pt>
+                <c:pt idx="2">
+                  <c:v>3</c:v>
+                </c:pt>
+                <c:pt idx="3">
+                  <c:v>4</c:v>
+                </c:pt>
+                <c:pt idx="4">
+                  <c:v>5</c:v>
+                </c:pt>
+              </c:numCache>
+            </c:numRef>
+          </c:cat>
+          <c:val>
+            <c:numRef>
+              <c:f>Sheet1!$C$2:$C$6</c:f>
+              <c:numCache>
+                <c:formatCode>General</c:formatCode>
+                <c:ptCount val="5"/>
+              </c:numCache>
+            </c:numRef>
+          </c:val>
+          <c:extLst>
+            <c:ext xmlns:c16="http://schemas.microsoft.com/office/drawing/2014/chart" uri="{C3380CC4-5D6E-409C-BE32-E72D297353CC}">
+              <c16:uniqueId val="{00000001-6F93-4224-AD61-8BDBEB428272}"/>
+            </c:ext>
+          </c:extLst>
+        </c:ser>
+        <c:dLbls>
+          <c:showLegendKey val="0"/>
+          <c:showVal val="0"/>
+          <c:showCatName val="0"/>
+          <c:showSerName val="0"/>
+          <c:showPercent val="0"/>
+          <c:showBubbleSize val="0"/>
+        </c:dLbls>
+        <c:axId val="219872255"/>
+        <c:axId val="219868095"/>
+      </c:areaChart>
+      <c:catAx>
+        <c:axId val="219872255"/>
+        <c:scaling>
+          <c:orientation val="minMax"/>
+        </c:scaling>
+        <c:delete val="1"/>
+        <c:axPos val="b"/>
+        <c:numFmt formatCode="0.00" sourceLinked="1"/>
+        <c:majorTickMark val="out"/>
+        <c:minorTickMark val="none"/>
+        <c:tickLblPos val="nextTo"/>
+        <c:crossAx val="219868095"/>
+        <c:crosses val="autoZero"/>
+        <c:auto val="1"/>
+        <c:lblAlgn val="ctr"/>
+        <c:lblOffset val="100"/>
+        <c:noMultiLvlLbl val="0"/>
+      </c:catAx>
+      <c:valAx>
+        <c:axId val="219868095"/>
+        <c:scaling>
+          <c:orientation val="minMax"/>
+        </c:scaling>
+        <c:delete val="1"/>
+        <c:axPos val="l"/>
+        <c:majorGridlines>
+          <c:spPr>
+            <a:ln w="9525" cap="flat" cmpd="sng" algn="ctr">
+              <a:noFill/>
+              <a:round/>
+            </a:ln>
+            <a:effectLst/>
+          </c:spPr>
+        </c:majorGridlines>
+        <c:numFmt formatCode="General" sourceLinked="1"/>
+        <c:majorTickMark val="none"/>
+        <c:minorTickMark val="none"/>
+        <c:tickLblPos val="nextTo"/>
+        <c:crossAx val="219872255"/>
+        <c:crosses val="autoZero"/>
+        <c:crossBetween val="midCat"/>
+      </c:valAx>
+      <c:spPr>
+        <a:noFill/>
+        <a:ln>
+          <a:noFill/>
+        </a:ln>
+        <a:effectLst/>
+      </c:spPr>
+    </c:plotArea>
+    <c:plotVisOnly val="1"/>
+    <c:dispBlanksAs val="zero"/>
+    <c:extLst>
+      <c:ext xmlns:c16r3="http://schemas.microsoft.com/office/drawing/2017/03/chart" uri="{56B9EC1D-385E-4148-901F-78D8002777C0}">
+        <c16r3:dataDisplayOptions16>
+          <c16r3:dispNaAsBlank val="1"/>
+        </c16r3:dataDisplayOptions16>
+      </c:ext>
+    </c:extLst>
+    <c:showDLblsOverMax val="0"/>
+  </c:chart>
+  <c:spPr>
+    <a:noFill/>
+    <a:ln>
+      <a:noFill/>
+    </a:ln>
+    <a:effectLst/>
+  </c:spPr>
+  <c:txPr>
+    <a:bodyPr/>
+    <a:lstStyle/>
+    <a:p>
+      <a:pPr>
+        <a:defRPr/>
+      </a:pPr>
+      <a:endParaRPr lang="en-US"/>
+    </a:p>
+  </c:txPr>
+  <c:externalData r:id="rId3">
+    <c:autoUpdate val="0"/>
+  </c:externalData>
+</c:chartSpace>
+</file>
+
+<file path=ppt/charts/chart2.xml><?xml version="1.0" encoding="utf-8"?>
+<c:chartSpace xmlns:c="http://schemas.openxmlformats.org/drawingml/2006/chart" xmlns:a="http://schemas.openxmlformats.org/drawingml/2006/main" xmlns:r="http://schemas.openxmlformats.org/officeDocument/2006/relationships" xmlns:c16r2="http://schemas.microsoft.com/office/drawing/2015/06/chart">
+  <c:date1904 val="0"/>
+  <c:lang val="en-US"/>
+  <c:roundedCorners val="0"/>
+  <mc:AlternateContent xmlns:mc="http://schemas.openxmlformats.org/markup-compatibility/2006">
+    <mc:Choice xmlns:c14="http://schemas.microsoft.com/office/drawing/2007/8/2/chart" Requires="c14">
+      <c14:style val="102"/>
+    </mc:Choice>
+    <mc:Fallback>
+      <c:style val="2"/>
+    </mc:Fallback>
+  </mc:AlternateContent>
+  <c:chart>
+    <c:autoTitleDeleted val="1"/>
+    <c:plotArea>
+      <c:layout/>
+      <c:areaChart>
+        <c:grouping val="standard"/>
+        <c:varyColors val="0"/>
+        <c:ser>
+          <c:idx val="0"/>
+          <c:order val="0"/>
+          <c:tx>
+            <c:strRef>
+              <c:f>Sheet1!$B$1</c:f>
+              <c:strCache>
+                <c:ptCount val="1"/>
+                <c:pt idx="0">
+                  <c:v>Series 1</c:v>
+                </c:pt>
+              </c:strCache>
+            </c:strRef>
+          </c:tx>
+          <c:spPr>
+            <a:solidFill>
+              <a:schemeClr val="accent1"/>
+            </a:solidFill>
+            <a:ln>
+              <a:noFill/>
+            </a:ln>
+            <a:effectLst/>
+          </c:spPr>
+          <c:cat>
+            <c:numRef>
+              <c:f>Sheet1!$A$2:$A$6</c:f>
+              <c:numCache>
+                <c:formatCode>0.00</c:formatCode>
+                <c:ptCount val="5"/>
+                <c:pt idx="0">
+                  <c:v>1</c:v>
+                </c:pt>
+                <c:pt idx="1">
+                  <c:v>2</c:v>
+                </c:pt>
+                <c:pt idx="2">
+                  <c:v>3</c:v>
+                </c:pt>
+                <c:pt idx="3">
+                  <c:v>4</c:v>
+                </c:pt>
+                <c:pt idx="4">
+                  <c:v>5</c:v>
+                </c:pt>
+              </c:numCache>
+            </c:numRef>
+          </c:cat>
+          <c:val>
+            <c:numRef>
+              <c:f>Sheet1!$B$2:$B$6</c:f>
+              <c:numCache>
+                <c:formatCode>General</c:formatCode>
+                <c:ptCount val="5"/>
+                <c:pt idx="0">
+                  <c:v>5</c:v>
+                </c:pt>
+                <c:pt idx="1">
+                  <c:v>2.5</c:v>
+                </c:pt>
+                <c:pt idx="2">
+                  <c:v>1.6666666666666667</c:v>
+                </c:pt>
+                <c:pt idx="3">
+                  <c:v>1.25</c:v>
+                </c:pt>
+                <c:pt idx="4">
+                  <c:v>1</c:v>
+                </c:pt>
+              </c:numCache>
+            </c:numRef>
+          </c:val>
+          <c:extLst>
+            <c:ext xmlns:c16="http://schemas.microsoft.com/office/drawing/2014/chart" uri="{C3380CC4-5D6E-409C-BE32-E72D297353CC}">
+              <c16:uniqueId val="{00000000-6F93-4224-AD61-8BDBEB428272}"/>
+            </c:ext>
+          </c:extLst>
+        </c:ser>
+        <c:ser>
+          <c:idx val="1"/>
+          <c:order val="1"/>
+          <c:tx>
+            <c:strRef>
+              <c:f>Sheet1!$C$1</c:f>
+              <c:strCache>
+                <c:ptCount val="1"/>
+                <c:pt idx="0">
+                  <c:v>Column1</c:v>
+                </c:pt>
+              </c:strCache>
+            </c:strRef>
+          </c:tx>
+          <c:spPr>
+            <a:solidFill>
+              <a:schemeClr val="accent2"/>
+            </a:solidFill>
+            <a:ln>
+              <a:noFill/>
+            </a:ln>
+            <a:effectLst/>
+          </c:spPr>
+          <c:cat>
+            <c:numRef>
+              <c:f>Sheet1!$A$2:$A$6</c:f>
+              <c:numCache>
+                <c:formatCode>0.00</c:formatCode>
+                <c:ptCount val="5"/>
+                <c:pt idx="0">
+                  <c:v>1</c:v>
+                </c:pt>
+                <c:pt idx="1">
+                  <c:v>2</c:v>
+                </c:pt>
+                <c:pt idx="2">
+                  <c:v>3</c:v>
+                </c:pt>
+                <c:pt idx="3">
+                  <c:v>4</c:v>
+                </c:pt>
+                <c:pt idx="4">
+                  <c:v>5</c:v>
+                </c:pt>
+              </c:numCache>
+            </c:numRef>
+          </c:cat>
+          <c:val>
+            <c:numRef>
+              <c:f>Sheet1!$C$2:$C$6</c:f>
+              <c:numCache>
+                <c:formatCode>General</c:formatCode>
+                <c:ptCount val="5"/>
+              </c:numCache>
+            </c:numRef>
+          </c:val>
+          <c:extLst>
+            <c:ext xmlns:c16="http://schemas.microsoft.com/office/drawing/2014/chart" uri="{C3380CC4-5D6E-409C-BE32-E72D297353CC}">
+              <c16:uniqueId val="{00000001-6F93-4224-AD61-8BDBEB428272}"/>
+            </c:ext>
+          </c:extLst>
+        </c:ser>
+        <c:dLbls>
+          <c:showLegendKey val="0"/>
+          <c:showVal val="0"/>
+          <c:showCatName val="0"/>
+          <c:showSerName val="0"/>
+          <c:showPercent val="0"/>
+          <c:showBubbleSize val="0"/>
+        </c:dLbls>
+        <c:axId val="219872255"/>
+        <c:axId val="219868095"/>
+      </c:areaChart>
+      <c:catAx>
+        <c:axId val="219872255"/>
+        <c:scaling>
+          <c:orientation val="minMax"/>
+        </c:scaling>
+        <c:delete val="1"/>
+        <c:axPos val="b"/>
+        <c:numFmt formatCode="0.00" sourceLinked="1"/>
+        <c:majorTickMark val="out"/>
+        <c:minorTickMark val="none"/>
+        <c:tickLblPos val="nextTo"/>
+        <c:crossAx val="219868095"/>
+        <c:crosses val="autoZero"/>
+        <c:auto val="1"/>
+        <c:lblAlgn val="ctr"/>
+        <c:lblOffset val="100"/>
+        <c:noMultiLvlLbl val="0"/>
+      </c:catAx>
+      <c:valAx>
+        <c:axId val="219868095"/>
+        <c:scaling>
+          <c:orientation val="minMax"/>
+        </c:scaling>
+        <c:delete val="1"/>
+        <c:axPos val="l"/>
+        <c:majorGridlines>
+          <c:spPr>
+            <a:ln w="9525" cap="flat" cmpd="sng" algn="ctr">
+              <a:noFill/>
+              <a:round/>
+            </a:ln>
+            <a:effectLst/>
+          </c:spPr>
+        </c:majorGridlines>
+        <c:numFmt formatCode="General" sourceLinked="1"/>
+        <c:majorTickMark val="none"/>
+        <c:minorTickMark val="none"/>
+        <c:tickLblPos val="nextTo"/>
+        <c:crossAx val="219872255"/>
+        <c:crosses val="autoZero"/>
+        <c:crossBetween val="midCat"/>
+      </c:valAx>
+      <c:spPr>
+        <a:noFill/>
+        <a:ln>
+          <a:noFill/>
+        </a:ln>
+        <a:effectLst/>
+      </c:spPr>
+    </c:plotArea>
+    <c:plotVisOnly val="1"/>
+    <c:dispBlanksAs val="zero"/>
+    <c:extLst>
+      <c:ext xmlns:c16r3="http://schemas.microsoft.com/office/drawing/2017/03/chart" uri="{56B9EC1D-385E-4148-901F-78D8002777C0}">
+        <c16r3:dataDisplayOptions16>
+          <c16r3:dispNaAsBlank val="1"/>
+        </c16r3:dataDisplayOptions16>
+      </c:ext>
+    </c:extLst>
+    <c:showDLblsOverMax val="0"/>
+  </c:chart>
+  <c:spPr>
+    <a:noFill/>
+    <a:ln>
+      <a:noFill/>
+    </a:ln>
+    <a:effectLst/>
+  </c:spPr>
+  <c:txPr>
+    <a:bodyPr/>
+    <a:lstStyle/>
+    <a:p>
+      <a:pPr>
+        <a:defRPr/>
+      </a:pPr>
+      <a:endParaRPr lang="en-US"/>
+    </a:p>
+  </c:txPr>
+  <c:externalData r:id="rId3">
+    <c:autoUpdate val="0"/>
+  </c:externalData>
+</c:chartSpace>
+</file>
+
+<file path=ppt/charts/chart3.xml><?xml version="1.0" encoding="utf-8"?>
+<c:chartSpace xmlns:c="http://schemas.openxmlformats.org/drawingml/2006/chart" xmlns:a="http://schemas.openxmlformats.org/drawingml/2006/main" xmlns:r="http://schemas.openxmlformats.org/officeDocument/2006/relationships" xmlns:c16r2="http://schemas.microsoft.com/office/drawing/2015/06/chart">
+  <c:date1904 val="0"/>
+  <c:lang val="en-US"/>
+  <c:roundedCorners val="0"/>
+  <mc:AlternateContent xmlns:mc="http://schemas.openxmlformats.org/markup-compatibility/2006">
+    <mc:Choice xmlns:c14="http://schemas.microsoft.com/office/drawing/2007/8/2/chart" Requires="c14">
+      <c14:style val="102"/>
+    </mc:Choice>
+    <mc:Fallback>
+      <c:style val="2"/>
+    </mc:Fallback>
+  </mc:AlternateContent>
+  <c:chart>
+    <c:autoTitleDeleted val="1"/>
+    <c:plotArea>
+      <c:layout/>
+      <c:areaChart>
+        <c:grouping val="standard"/>
+        <c:varyColors val="0"/>
+        <c:ser>
+          <c:idx val="0"/>
+          <c:order val="0"/>
+          <c:tx>
+            <c:strRef>
+              <c:f>Sheet1!$B$1</c:f>
+              <c:strCache>
+                <c:ptCount val="1"/>
+                <c:pt idx="0">
+                  <c:v>Series 1</c:v>
+                </c:pt>
+              </c:strCache>
+            </c:strRef>
+          </c:tx>
+          <c:spPr>
+            <a:solidFill>
+              <a:schemeClr val="accent1"/>
+            </a:solidFill>
+            <a:ln>
+              <a:noFill/>
+            </a:ln>
+            <a:effectLst/>
+          </c:spPr>
+          <c:cat>
+            <c:numRef>
+              <c:f>Sheet1!$A$2:$A$6</c:f>
+              <c:numCache>
+                <c:formatCode>0.00</c:formatCode>
+                <c:ptCount val="5"/>
+                <c:pt idx="0">
+                  <c:v>1</c:v>
+                </c:pt>
+                <c:pt idx="1">
+                  <c:v>2</c:v>
+                </c:pt>
+                <c:pt idx="2">
+                  <c:v>3</c:v>
+                </c:pt>
+                <c:pt idx="3">
+                  <c:v>4</c:v>
+                </c:pt>
+                <c:pt idx="4">
+                  <c:v>5</c:v>
+                </c:pt>
+              </c:numCache>
+            </c:numRef>
+          </c:cat>
+          <c:val>
+            <c:numRef>
+              <c:f>Sheet1!$B$2:$B$6</c:f>
+              <c:numCache>
+                <c:formatCode>General</c:formatCode>
+                <c:ptCount val="5"/>
+                <c:pt idx="0">
+                  <c:v>5</c:v>
+                </c:pt>
+                <c:pt idx="1">
+                  <c:v>2.5</c:v>
+                </c:pt>
+                <c:pt idx="2">
+                  <c:v>1.6666666666666667</c:v>
+                </c:pt>
+                <c:pt idx="3">
+                  <c:v>1.25</c:v>
+                </c:pt>
+                <c:pt idx="4">
+                  <c:v>1</c:v>
+                </c:pt>
+              </c:numCache>
+            </c:numRef>
+          </c:val>
+          <c:extLst>
+            <c:ext xmlns:c16="http://schemas.microsoft.com/office/drawing/2014/chart" uri="{C3380CC4-5D6E-409C-BE32-E72D297353CC}">
+              <c16:uniqueId val="{00000000-6F93-4224-AD61-8BDBEB428272}"/>
+            </c:ext>
+          </c:extLst>
+        </c:ser>
+        <c:ser>
+          <c:idx val="1"/>
+          <c:order val="1"/>
+          <c:tx>
+            <c:strRef>
+              <c:f>Sheet1!$C$1</c:f>
+              <c:strCache>
+                <c:ptCount val="1"/>
+                <c:pt idx="0">
+                  <c:v>Column1</c:v>
+                </c:pt>
+              </c:strCache>
+            </c:strRef>
+          </c:tx>
+          <c:spPr>
+            <a:solidFill>
+              <a:schemeClr val="accent2"/>
+            </a:solidFill>
+            <a:ln>
+              <a:noFill/>
+            </a:ln>
+            <a:effectLst/>
+          </c:spPr>
+          <c:cat>
+            <c:numRef>
+              <c:f>Sheet1!$A$2:$A$6</c:f>
+              <c:numCache>
+                <c:formatCode>0.00</c:formatCode>
+                <c:ptCount val="5"/>
+                <c:pt idx="0">
+                  <c:v>1</c:v>
+                </c:pt>
+                <c:pt idx="1">
+                  <c:v>2</c:v>
+                </c:pt>
+                <c:pt idx="2">
+                  <c:v>3</c:v>
+                </c:pt>
+                <c:pt idx="3">
+                  <c:v>4</c:v>
+                </c:pt>
+                <c:pt idx="4">
+                  <c:v>5</c:v>
+                </c:pt>
+              </c:numCache>
+            </c:numRef>
+          </c:cat>
+          <c:val>
+            <c:numRef>
+              <c:f>Sheet1!$C$2:$C$6</c:f>
+              <c:numCache>
+                <c:formatCode>General</c:formatCode>
+                <c:ptCount val="5"/>
+              </c:numCache>
+            </c:numRef>
+          </c:val>
+          <c:extLst>
+            <c:ext xmlns:c16="http://schemas.microsoft.com/office/drawing/2014/chart" uri="{C3380CC4-5D6E-409C-BE32-E72D297353CC}">
+              <c16:uniqueId val="{00000001-6F93-4224-AD61-8BDBEB428272}"/>
+            </c:ext>
+          </c:extLst>
+        </c:ser>
+        <c:dLbls>
+          <c:showLegendKey val="0"/>
+          <c:showVal val="0"/>
+          <c:showCatName val="0"/>
+          <c:showSerName val="0"/>
+          <c:showPercent val="0"/>
+          <c:showBubbleSize val="0"/>
+        </c:dLbls>
+        <c:axId val="219872255"/>
+        <c:axId val="219868095"/>
+      </c:areaChart>
+      <c:catAx>
+        <c:axId val="219872255"/>
+        <c:scaling>
+          <c:orientation val="minMax"/>
+        </c:scaling>
+        <c:delete val="1"/>
+        <c:axPos val="b"/>
+        <c:numFmt formatCode="0.00" sourceLinked="1"/>
+        <c:majorTickMark val="out"/>
+        <c:minorTickMark val="none"/>
+        <c:tickLblPos val="nextTo"/>
+        <c:crossAx val="219868095"/>
+        <c:crosses val="autoZero"/>
+        <c:auto val="1"/>
+        <c:lblAlgn val="ctr"/>
+        <c:lblOffset val="100"/>
+        <c:noMultiLvlLbl val="0"/>
+      </c:catAx>
+      <c:valAx>
+        <c:axId val="219868095"/>
+        <c:scaling>
+          <c:orientation val="minMax"/>
+        </c:scaling>
+        <c:delete val="1"/>
+        <c:axPos val="l"/>
+        <c:majorGridlines>
+          <c:spPr>
+            <a:ln w="9525" cap="flat" cmpd="sng" algn="ctr">
+              <a:noFill/>
+              <a:round/>
+            </a:ln>
+            <a:effectLst/>
+          </c:spPr>
+        </c:majorGridlines>
+        <c:numFmt formatCode="General" sourceLinked="1"/>
+        <c:majorTickMark val="none"/>
+        <c:minorTickMark val="none"/>
+        <c:tickLblPos val="nextTo"/>
+        <c:crossAx val="219872255"/>
+        <c:crosses val="autoZero"/>
+        <c:crossBetween val="midCat"/>
+      </c:valAx>
+      <c:spPr>
+        <a:noFill/>
+        <a:ln>
+          <a:noFill/>
+        </a:ln>
+        <a:effectLst/>
+      </c:spPr>
+    </c:plotArea>
+    <c:plotVisOnly val="1"/>
+    <c:dispBlanksAs val="zero"/>
+    <c:extLst>
+      <c:ext xmlns:c16r3="http://schemas.microsoft.com/office/drawing/2017/03/chart" uri="{56B9EC1D-385E-4148-901F-78D8002777C0}">
+        <c16r3:dataDisplayOptions16>
+          <c16r3:dispNaAsBlank val="1"/>
+        </c16r3:dataDisplayOptions16>
+      </c:ext>
+    </c:extLst>
+    <c:showDLblsOverMax val="0"/>
+  </c:chart>
+  <c:spPr>
+    <a:noFill/>
+    <a:ln>
+      <a:noFill/>
+    </a:ln>
+    <a:effectLst/>
+  </c:spPr>
+  <c:txPr>
+    <a:bodyPr/>
+    <a:lstStyle/>
+    <a:p>
+      <a:pPr>
+        <a:defRPr/>
+      </a:pPr>
+      <a:endParaRPr lang="en-US"/>
+    </a:p>
+  </c:txPr>
+  <c:externalData r:id="rId3">
+    <c:autoUpdate val="0"/>
+  </c:externalData>
+</c:chartSpace>
+</file>
+
+<file path=ppt/charts/chart4.xml><?xml version="1.0" encoding="utf-8"?>
+<c:chartSpace xmlns:c="http://schemas.openxmlformats.org/drawingml/2006/chart" xmlns:a="http://schemas.openxmlformats.org/drawingml/2006/main" xmlns:r="http://schemas.openxmlformats.org/officeDocument/2006/relationships" xmlns:c16r2="http://schemas.microsoft.com/office/drawing/2015/06/chart">
+  <c:date1904 val="0"/>
+  <c:lang val="en-US"/>
+  <c:roundedCorners val="0"/>
+  <mc:AlternateContent xmlns:mc="http://schemas.openxmlformats.org/markup-compatibility/2006">
+    <mc:Choice xmlns:c14="http://schemas.microsoft.com/office/drawing/2007/8/2/chart" Requires="c14">
+      <c14:style val="102"/>
+    </mc:Choice>
+    <mc:Fallback>
+      <c:style val="2"/>
+    </mc:Fallback>
+  </mc:AlternateContent>
+  <c:chart>
+    <c:autoTitleDeleted val="1"/>
+    <c:plotArea>
+      <c:layout/>
+      <c:areaChart>
+        <c:grouping val="standard"/>
+        <c:varyColors val="0"/>
+        <c:ser>
+          <c:idx val="0"/>
+          <c:order val="0"/>
+          <c:tx>
+            <c:strRef>
+              <c:f>Sheet1!$B$1</c:f>
+              <c:strCache>
+                <c:ptCount val="1"/>
+                <c:pt idx="0">
+                  <c:v>Series 1</c:v>
+                </c:pt>
+              </c:strCache>
+            </c:strRef>
+          </c:tx>
+          <c:spPr>
+            <a:solidFill>
+              <a:schemeClr val="accent1"/>
+            </a:solidFill>
+            <a:ln>
+              <a:noFill/>
+            </a:ln>
+            <a:effectLst/>
+          </c:spPr>
+          <c:cat>
+            <c:numRef>
+              <c:f>Sheet1!$A$2:$A$6</c:f>
+              <c:numCache>
+                <c:formatCode>0.00</c:formatCode>
+                <c:ptCount val="5"/>
+                <c:pt idx="0">
+                  <c:v>1</c:v>
+                </c:pt>
+                <c:pt idx="1">
+                  <c:v>2</c:v>
+                </c:pt>
+                <c:pt idx="2">
+                  <c:v>3</c:v>
+                </c:pt>
+                <c:pt idx="3">
+                  <c:v>4</c:v>
+                </c:pt>
+                <c:pt idx="4">
+                  <c:v>5</c:v>
+                </c:pt>
+              </c:numCache>
+            </c:numRef>
+          </c:cat>
+          <c:val>
+            <c:numRef>
+              <c:f>Sheet1!$B$2:$B$6</c:f>
+              <c:numCache>
+                <c:formatCode>General</c:formatCode>
+                <c:ptCount val="5"/>
+                <c:pt idx="0">
+                  <c:v>5</c:v>
+                </c:pt>
+                <c:pt idx="1">
+                  <c:v>2.5</c:v>
+                </c:pt>
+                <c:pt idx="2">
+                  <c:v>1.6666666666666667</c:v>
+                </c:pt>
+                <c:pt idx="3">
+                  <c:v>1.25</c:v>
+                </c:pt>
+                <c:pt idx="4">
+                  <c:v>1</c:v>
+                </c:pt>
+              </c:numCache>
+            </c:numRef>
+          </c:val>
+          <c:extLst>
+            <c:ext xmlns:c16="http://schemas.microsoft.com/office/drawing/2014/chart" uri="{C3380CC4-5D6E-409C-BE32-E72D297353CC}">
+              <c16:uniqueId val="{00000000-6F93-4224-AD61-8BDBEB428272}"/>
+            </c:ext>
+          </c:extLst>
+        </c:ser>
+        <c:ser>
+          <c:idx val="1"/>
+          <c:order val="1"/>
+          <c:tx>
+            <c:strRef>
+              <c:f>Sheet1!$C$1</c:f>
+              <c:strCache>
+                <c:ptCount val="1"/>
+                <c:pt idx="0">
+                  <c:v>Column1</c:v>
+                </c:pt>
+              </c:strCache>
+            </c:strRef>
+          </c:tx>
+          <c:spPr>
+            <a:solidFill>
+              <a:schemeClr val="accent2"/>
+            </a:solidFill>
+            <a:ln>
+              <a:noFill/>
+            </a:ln>
+            <a:effectLst/>
+          </c:spPr>
+          <c:cat>
+            <c:numRef>
+              <c:f>Sheet1!$A$2:$A$6</c:f>
+              <c:numCache>
+                <c:formatCode>0.00</c:formatCode>
+                <c:ptCount val="5"/>
+                <c:pt idx="0">
+                  <c:v>1</c:v>
+                </c:pt>
+                <c:pt idx="1">
+                  <c:v>2</c:v>
+                </c:pt>
+                <c:pt idx="2">
+                  <c:v>3</c:v>
+                </c:pt>
+                <c:pt idx="3">
+                  <c:v>4</c:v>
+                </c:pt>
+                <c:pt idx="4">
+                  <c:v>5</c:v>
+                </c:pt>
+              </c:numCache>
+            </c:numRef>
+          </c:cat>
+          <c:val>
+            <c:numRef>
+              <c:f>Sheet1!$C$2:$C$6</c:f>
+              <c:numCache>
+                <c:formatCode>General</c:formatCode>
+                <c:ptCount val="5"/>
+              </c:numCache>
+            </c:numRef>
+          </c:val>
+          <c:extLst>
+            <c:ext xmlns:c16="http://schemas.microsoft.com/office/drawing/2014/chart" uri="{C3380CC4-5D6E-409C-BE32-E72D297353CC}">
+              <c16:uniqueId val="{00000001-6F93-4224-AD61-8BDBEB428272}"/>
+            </c:ext>
+          </c:extLst>
+        </c:ser>
+        <c:dLbls>
+          <c:showLegendKey val="0"/>
+          <c:showVal val="0"/>
+          <c:showCatName val="0"/>
+          <c:showSerName val="0"/>
+          <c:showPercent val="0"/>
+          <c:showBubbleSize val="0"/>
+        </c:dLbls>
+        <c:axId val="219872255"/>
+        <c:axId val="219868095"/>
+      </c:areaChart>
+      <c:catAx>
+        <c:axId val="219872255"/>
+        <c:scaling>
+          <c:orientation val="minMax"/>
+        </c:scaling>
+        <c:delete val="1"/>
+        <c:axPos val="b"/>
+        <c:numFmt formatCode="0.00" sourceLinked="1"/>
+        <c:majorTickMark val="out"/>
+        <c:minorTickMark val="none"/>
+        <c:tickLblPos val="nextTo"/>
+        <c:crossAx val="219868095"/>
+        <c:crosses val="autoZero"/>
+        <c:auto val="1"/>
+        <c:lblAlgn val="ctr"/>
+        <c:lblOffset val="100"/>
+        <c:noMultiLvlLbl val="0"/>
+      </c:catAx>
+      <c:valAx>
+        <c:axId val="219868095"/>
+        <c:scaling>
+          <c:orientation val="minMax"/>
+        </c:scaling>
+        <c:delete val="1"/>
+        <c:axPos val="l"/>
+        <c:majorGridlines>
+          <c:spPr>
+            <a:ln w="9525" cap="flat" cmpd="sng" algn="ctr">
+              <a:noFill/>
+              <a:round/>
+            </a:ln>
+            <a:effectLst/>
+          </c:spPr>
+        </c:majorGridlines>
+        <c:numFmt formatCode="General" sourceLinked="1"/>
+        <c:majorTickMark val="none"/>
+        <c:minorTickMark val="none"/>
+        <c:tickLblPos val="nextTo"/>
+        <c:crossAx val="219872255"/>
+        <c:crosses val="autoZero"/>
+        <c:crossBetween val="midCat"/>
+      </c:valAx>
+      <c:spPr>
+        <a:noFill/>
+        <a:ln>
+          <a:noFill/>
+        </a:ln>
+        <a:effectLst/>
+      </c:spPr>
+    </c:plotArea>
+    <c:plotVisOnly val="1"/>
+    <c:dispBlanksAs val="zero"/>
+    <c:extLst>
+      <c:ext xmlns:c16r3="http://schemas.microsoft.com/office/drawing/2017/03/chart" uri="{56B9EC1D-385E-4148-901F-78D8002777C0}">
+        <c16r3:dataDisplayOptions16>
+          <c16r3:dispNaAsBlank val="1"/>
+        </c16r3:dataDisplayOptions16>
+      </c:ext>
+    </c:extLst>
+    <c:showDLblsOverMax val="0"/>
+  </c:chart>
+  <c:spPr>
+    <a:noFill/>
+    <a:ln>
+      <a:noFill/>
+    </a:ln>
+    <a:effectLst/>
+  </c:spPr>
+  <c:txPr>
+    <a:bodyPr/>
+    <a:lstStyle/>
+    <a:p>
+      <a:pPr>
+        <a:defRPr/>
+      </a:pPr>
+      <a:endParaRPr lang="en-US"/>
+    </a:p>
+  </c:txPr>
+  <c:externalData r:id="rId3">
+    <c:autoUpdate val="0"/>
+  </c:externalData>
+</c:chartSpace>
+</file>
+
+<file path=ppt/charts/colors1.xml><?xml version="1.0" encoding="utf-8"?>
+<cs:colorStyle xmlns:cs="http://schemas.microsoft.com/office/drawing/2012/chartStyle" xmlns:a="http://schemas.openxmlformats.org/drawingml/2006/main" meth="cycle" id="10">
+  <a:schemeClr val="accent1"/>
+  <a:schemeClr val="accent2"/>
+  <a:schemeClr val="accent3"/>
+  <a:schemeClr val="accent4"/>
+  <a:schemeClr val="accent5"/>
+  <a:schemeClr val="accent6"/>
+  <cs:variation/>
+  <cs:variation>
+    <a:lumMod val="60000"/>
+  </cs:variation>
+  <cs:variation>
+    <a:lumMod val="80000"/>
+    <a:lumOff val="20000"/>
+  </cs:variation>
+  <cs:variation>
+    <a:lumMod val="80000"/>
+  </cs:variation>
+  <cs:variation>
+    <a:lumMod val="60000"/>
+    <a:lumOff val="40000"/>
+  </cs:variation>
+  <cs:variation>
+    <a:lumMod val="50000"/>
+  </cs:variation>
+  <cs:variation>
+    <a:lumMod val="70000"/>
+    <a:lumOff val="30000"/>
+  </cs:variation>
+  <cs:variation>
+    <a:lumMod val="70000"/>
+  </cs:variation>
+  <cs:variation>
+    <a:lumMod val="50000"/>
+    <a:lumOff val="50000"/>
+  </cs:variation>
+</cs:colorStyle>
+</file>
+
+<file path=ppt/charts/colors2.xml><?xml version="1.0" encoding="utf-8"?>
+<cs:colorStyle xmlns:cs="http://schemas.microsoft.com/office/drawing/2012/chartStyle" xmlns:a="http://schemas.openxmlformats.org/drawingml/2006/main" meth="cycle" id="10">
+  <a:schemeClr val="accent1"/>
+  <a:schemeClr val="accent2"/>
+  <a:schemeClr val="accent3"/>
+  <a:schemeClr val="accent4"/>
+  <a:schemeClr val="accent5"/>
+  <a:schemeClr val="accent6"/>
+  <cs:variation/>
+  <cs:variation>
+    <a:lumMod val="60000"/>
+  </cs:variation>
+  <cs:variation>
+    <a:lumMod val="80000"/>
+    <a:lumOff val="20000"/>
+  </cs:variation>
+  <cs:variation>
+    <a:lumMod val="80000"/>
+  </cs:variation>
+  <cs:variation>
+    <a:lumMod val="60000"/>
+    <a:lumOff val="40000"/>
+  </cs:variation>
+  <cs:variation>
+    <a:lumMod val="50000"/>
+  </cs:variation>
+  <cs:variation>
+    <a:lumMod val="70000"/>
+    <a:lumOff val="30000"/>
+  </cs:variation>
+  <cs:variation>
+    <a:lumMod val="70000"/>
+  </cs:variation>
+  <cs:variation>
+    <a:lumMod val="50000"/>
+    <a:lumOff val="50000"/>
+  </cs:variation>
+</cs:colorStyle>
+</file>
+
+<file path=ppt/charts/colors3.xml><?xml version="1.0" encoding="utf-8"?>
+<cs:colorStyle xmlns:cs="http://schemas.microsoft.com/office/drawing/2012/chartStyle" xmlns:a="http://schemas.openxmlformats.org/drawingml/2006/main" meth="cycle" id="10">
+  <a:schemeClr val="accent1"/>
+  <a:schemeClr val="accent2"/>
+  <a:schemeClr val="accent3"/>
+  <a:schemeClr val="accent4"/>
+  <a:schemeClr val="accent5"/>
+  <a:schemeClr val="accent6"/>
+  <cs:variation/>
+  <cs:variation>
+    <a:lumMod val="60000"/>
+  </cs:variation>
+  <cs:variation>
+    <a:lumMod val="80000"/>
+    <a:lumOff val="20000"/>
+  </cs:variation>
+  <cs:variation>
+    <a:lumMod val="80000"/>
+  </cs:variation>
+  <cs:variation>
+    <a:lumMod val="60000"/>
+    <a:lumOff val="40000"/>
+  </cs:variation>
+  <cs:variation>
+    <a:lumMod val="50000"/>
+  </cs:variation>
+  <cs:variation>
+    <a:lumMod val="70000"/>
+    <a:lumOff val="30000"/>
+  </cs:variation>
+  <cs:variation>
+    <a:lumMod val="70000"/>
+  </cs:variation>
+  <cs:variation>
+    <a:lumMod val="50000"/>
+    <a:lumOff val="50000"/>
+  </cs:variation>
+</cs:colorStyle>
+</file>
+
+<file path=ppt/charts/colors4.xml><?xml version="1.0" encoding="utf-8"?>
+<cs:colorStyle xmlns:cs="http://schemas.microsoft.com/office/drawing/2012/chartStyle" xmlns:a="http://schemas.openxmlformats.org/drawingml/2006/main" meth="cycle" id="10">
+  <a:schemeClr val="accent1"/>
+  <a:schemeClr val="accent2"/>
+  <a:schemeClr val="accent3"/>
+  <a:schemeClr val="accent4"/>
+  <a:schemeClr val="accent5"/>
+  <a:schemeClr val="accent6"/>
+  <cs:variation/>
+  <cs:variation>
+    <a:lumMod val="60000"/>
+  </cs:variation>
+  <cs:variation>
+    <a:lumMod val="80000"/>
+    <a:lumOff val="20000"/>
+  </cs:variation>
+  <cs:variation>
+    <a:lumMod val="80000"/>
+  </cs:variation>
+  <cs:variation>
+    <a:lumMod val="60000"/>
+    <a:lumOff val="40000"/>
+  </cs:variation>
+  <cs:variation>
+    <a:lumMod val="50000"/>
+  </cs:variation>
+  <cs:variation>
+    <a:lumMod val="70000"/>
+    <a:lumOff val="30000"/>
+  </cs:variation>
+  <cs:variation>
+    <a:lumMod val="70000"/>
+  </cs:variation>
+  <cs:variation>
+    <a:lumMod val="50000"/>
+    <a:lumOff val="50000"/>
+  </cs:variation>
+</cs:colorStyle>
+</file>
+
+<file path=ppt/charts/style1.xml><?xml version="1.0" encoding="utf-8"?>
+<cs:chartStyle xmlns:cs="http://schemas.microsoft.com/office/drawing/2012/chartStyle" xmlns:a="http://schemas.openxmlformats.org/drawingml/2006/main" id="276">
+  <cs:axisTitle>
+    <cs:lnRef idx="0"/>
+    <cs:fillRef idx="0"/>
+    <cs:effectRef idx="0"/>
+    <cs:fontRef idx="minor">
+      <a:schemeClr val="tx1">
+        <a:lumMod val="65000"/>
+        <a:lumOff val="35000"/>
+      </a:schemeClr>
+    </cs:fontRef>
+    <cs:defRPr sz="1330" kern="1200"/>
+  </cs:axisTitle>
+  <cs:categoryAxis>
+    <cs:lnRef idx="0"/>
+    <cs:fillRef idx="0"/>
+    <cs:effectRef idx="0"/>
+    <cs:fontRef idx="minor">
+      <a:schemeClr val="tx1">
+        <a:lumMod val="65000"/>
+        <a:lumOff val="35000"/>
+      </a:schemeClr>
+    </cs:fontRef>
+    <cs:spPr>
+      <a:ln w="9525" cap="flat" cmpd="sng" algn="ctr">
+        <a:solidFill>
+          <a:schemeClr val="tx1">
+            <a:lumMod val="15000"/>
+            <a:lumOff val="85000"/>
+          </a:schemeClr>
+        </a:solidFill>
+        <a:round/>
+      </a:ln>
+    </cs:spPr>
+    <cs:defRPr sz="1197" kern="1200"/>
+  </cs:categoryAxis>
+  <cs:chartArea mods="allowNoFillOverride allowNoLineOverride">
+    <cs:lnRef idx="0"/>
+    <cs:fillRef idx="0"/>
+    <cs:effectRef idx="0"/>
+    <cs:fontRef idx="minor">
+      <a:schemeClr val="tx1"/>
+    </cs:fontRef>
+    <cs:spPr>
+      <a:solidFill>
+        <a:schemeClr val="bg1"/>
+      </a:solidFill>
+      <a:ln w="9525" cap="flat" cmpd="sng" algn="ctr">
+        <a:solidFill>
+          <a:schemeClr val="tx1">
+            <a:lumMod val="15000"/>
+            <a:lumOff val="85000"/>
+          </a:schemeClr>
+        </a:solidFill>
+        <a:round/>
+      </a:ln>
+    </cs:spPr>
+    <cs:defRPr sz="1330" kern="1200"/>
+  </cs:chartArea>
+  <cs:dataLabel>
+    <cs:lnRef idx="0"/>
+    <cs:fillRef idx="0"/>
+    <cs:effectRef idx="0"/>
+    <cs:fontRef idx="minor">
+      <a:schemeClr val="tx1">
+        <a:lumMod val="75000"/>
+        <a:lumOff val="25000"/>
+      </a:schemeClr>
+    </cs:fontRef>
+    <cs:defRPr sz="1197" kern="1200"/>
+  </cs:dataLabel>
+  <cs:dataLabelCallout>
+    <cs:lnRef idx="0"/>
+    <cs:fillRef idx="0"/>
+    <cs:effectRef idx="0"/>
+    <cs:fontRef idx="minor">
+      <a:schemeClr val="dk1">
+        <a:lumMod val="65000"/>
+        <a:lumOff val="35000"/>
+      </a:schemeClr>
+    </cs:fontRef>
+    <cs:spPr>
+      <a:solidFill>
+        <a:schemeClr val="lt1"/>
+      </a:solidFill>
+      <a:ln>
+        <a:solidFill>
+          <a:schemeClr val="dk1">
+            <a:lumMod val="25000"/>
+            <a:lumOff val="75000"/>
+          </a:schemeClr>
+        </a:solidFill>
+      </a:ln>
+    </cs:spPr>
+    <cs:defRPr sz="1197" kern="1200"/>
+    <cs:bodyPr rot="0" spcFirstLastPara="1" vertOverflow="clip" horzOverflow="clip" vert="horz" wrap="square" lIns="36576" tIns="18288" rIns="36576" bIns="18288" anchor="ctr" anchorCtr="1">
+      <a:spAutoFit/>
+    </cs:bodyPr>
+  </cs:dataLabelCallout>
+  <cs:dataPoint>
+    <cs:lnRef idx="0"/>
+    <cs:fillRef idx="1">
+      <cs:styleClr val="auto"/>
+    </cs:fillRef>
+    <cs:effectRef idx="0"/>
+    <cs:fontRef idx="minor">
+      <a:schemeClr val="tx1"/>
+    </cs:fontRef>
+  </cs:dataPoint>
+  <cs:dataPoint3D>
+    <cs:lnRef idx="0"/>
+    <cs:fillRef idx="1">
+      <cs:styleClr val="auto"/>
+    </cs:fillRef>
+    <cs:effectRef idx="0"/>
+    <cs:fontRef idx="minor">
+      <a:schemeClr val="tx1"/>
+    </cs:fontRef>
+  </cs:dataPoint3D>
+  <cs:dataPointLine>
+    <cs:lnRef idx="0">
+      <cs:styleClr val="auto"/>
+    </cs:lnRef>
+    <cs:fillRef idx="1"/>
+    <cs:effectRef idx="0"/>
+    <cs:fontRef idx="minor">
+      <a:schemeClr val="tx1"/>
+    </cs:fontRef>
+    <cs:spPr>
+      <a:ln w="28575" cap="rnd">
+        <a:solidFill>
+          <a:schemeClr val="phClr"/>
+        </a:solidFill>
+        <a:round/>
+      </a:ln>
+    </cs:spPr>
+  </cs:dataPointLine>
+  <cs:dataPointMarker>
+    <cs:lnRef idx="0">
+      <cs:styleClr val="auto"/>
+    </cs:lnRef>
+    <cs:fillRef idx="1">
+      <cs:styleClr val="auto"/>
+    </cs:fillRef>
+    <cs:effectRef idx="0"/>
+    <cs:fontRef idx="minor">
+      <a:schemeClr val="tx1"/>
+    </cs:fontRef>
+    <cs:spPr>
+      <a:ln w="9525">
+        <a:solidFill>
+          <a:schemeClr val="phClr"/>
+        </a:solidFill>
+      </a:ln>
+    </cs:spPr>
+  </cs:dataPointMarker>
+  <cs:dataPointMarkerLayout symbol="circle" size="5"/>
+  <cs:dataPointWireframe>
+    <cs:lnRef idx="0">
+      <cs:styleClr val="auto"/>
+    </cs:lnRef>
+    <cs:fillRef idx="1"/>
+    <cs:effectRef idx="0"/>
+    <cs:fontRef idx="minor">
+      <a:schemeClr val="tx1"/>
+    </cs:fontRef>
+    <cs:spPr>
+      <a:ln w="9525" cap="rnd">
+        <a:solidFill>
+          <a:schemeClr val="phClr"/>
+        </a:solidFill>
+        <a:round/>
+      </a:ln>
+    </cs:spPr>
+  </cs:dataPointWireframe>
+  <cs:dataTable>
+    <cs:lnRef idx="0"/>
+    <cs:fillRef idx="0"/>
+    <cs:effectRef idx="0"/>
+    <cs:fontRef idx="minor">
+      <a:schemeClr val="tx1">
+        <a:lumMod val="65000"/>
+        <a:lumOff val="35000"/>
+      </a:schemeClr>
+    </cs:fontRef>
+    <cs:spPr>
+      <a:noFill/>
+      <a:ln w="9525" cap="flat" cmpd="sng" algn="ctr">
+        <a:solidFill>
+          <a:schemeClr val="tx1">
+            <a:lumMod val="15000"/>
+            <a:lumOff val="85000"/>
+          </a:schemeClr>
+        </a:solidFill>
+        <a:round/>
+      </a:ln>
+    </cs:spPr>
+    <cs:defRPr sz="1197" kern="1200"/>
+  </cs:dataTable>
+  <cs:downBar>
+    <cs:lnRef idx="0"/>
+    <cs:fillRef idx="0"/>
+    <cs:effectRef idx="0"/>
+    <cs:fontRef idx="minor">
+      <a:schemeClr val="tx1"/>
+    </cs:fontRef>
+    <cs:spPr>
+      <a:solidFill>
+        <a:schemeClr val="dk1">
+          <a:lumMod val="75000"/>
+          <a:lumOff val="25000"/>
+        </a:schemeClr>
+      </a:solidFill>
+      <a:ln w="9525" cap="flat" cmpd="sng" algn="ctr">
+        <a:solidFill>
+          <a:schemeClr val="tx1">
+            <a:lumMod val="65000"/>
+            <a:lumOff val="35000"/>
+          </a:schemeClr>
+        </a:solidFill>
+        <a:round/>
+      </a:ln>
+    </cs:spPr>
+  </cs:downBar>
+  <cs:dropLine>
+    <cs:lnRef idx="0"/>
+    <cs:fillRef idx="0"/>
+    <cs:effectRef idx="0"/>
+    <cs:fontRef idx="minor">
+      <a:schemeClr val="tx1"/>
+    </cs:fontRef>
+    <cs:spPr>
+      <a:ln w="9525" cap="flat" cmpd="sng" algn="ctr">
+        <a:solidFill>
+          <a:schemeClr val="tx1">
+            <a:lumMod val="35000"/>
+            <a:lumOff val="65000"/>
+          </a:schemeClr>
+        </a:solidFill>
+        <a:round/>
+      </a:ln>
+    </cs:spPr>
+  </cs:dropLine>
+  <cs:errorBar>
+    <cs:lnRef idx="0"/>
+    <cs:fillRef idx="0"/>
+    <cs:effectRef idx="0"/>
+    <cs:fontRef idx="minor">
+      <a:schemeClr val="tx1"/>
+    </cs:fontRef>
+    <cs:spPr>
+      <a:ln w="9525" cap="flat" cmpd="sng" algn="ctr">
+        <a:solidFill>
+          <a:schemeClr val="tx1">
+            <a:lumMod val="65000"/>
+            <a:lumOff val="35000"/>
+          </a:schemeClr>
+        </a:solidFill>
+        <a:round/>
+      </a:ln>
+    </cs:spPr>
+  </cs:errorBar>
+  <cs:floor>
+    <cs:lnRef idx="0"/>
+    <cs:fillRef idx="0"/>
+    <cs:effectRef idx="0"/>
+    <cs:fontRef idx="minor">
+      <a:schemeClr val="tx1"/>
+    </cs:fontRef>
+    <cs:spPr>
+      <a:ln w="9525" cap="flat" cmpd="sng" algn="ctr">
+        <a:solidFill>
+          <a:schemeClr val="tx1">
+            <a:lumMod val="15000"/>
+            <a:lumOff val="85000"/>
+          </a:schemeClr>
+        </a:solidFill>
+        <a:round/>
+      </a:ln>
+    </cs:spPr>
+  </cs:floor>
+  <cs:gridlineMajor>
+    <cs:lnRef idx="0"/>
+    <cs:fillRef idx="0"/>
+    <cs:effectRef idx="0"/>
+    <cs:fontRef idx="minor">
+      <a:schemeClr val="tx1"/>
+    </cs:fontRef>
+    <cs:spPr>
+      <a:ln w="9525" cap="flat" cmpd="sng" algn="ctr">
+        <a:solidFill>
+          <a:schemeClr val="tx1">
+            <a:lumMod val="15000"/>
+            <a:lumOff val="85000"/>
+          </a:schemeClr>
+        </a:solidFill>
+        <a:round/>
+      </a:ln>
+    </cs:spPr>
+  </cs:gridlineMajor>
+  <cs:gridlineMinor>
+    <cs:lnRef idx="0"/>
+    <cs:fillRef idx="0"/>
+    <cs:effectRef idx="0"/>
+    <cs:fontRef idx="minor">
+      <a:schemeClr val="tx1"/>
+    </cs:fontRef>
+    <cs:spPr>
+      <a:ln w="9525" cap="flat" cmpd="sng" algn="ctr">
+        <a:solidFill>
+          <a:schemeClr val="tx1">
+            <a:lumMod val="5000"/>
+            <a:lumOff val="95000"/>
+          </a:schemeClr>
+        </a:solidFill>
+        <a:round/>
+      </a:ln>
+    </cs:spPr>
+  </cs:gridlineMinor>
+  <cs:hiLoLine>
+    <cs:lnRef idx="0"/>
+    <cs:fillRef idx="0"/>
+    <cs:effectRef idx="0"/>
+    <cs:fontRef idx="minor">
+      <a:schemeClr val="tx1"/>
+    </cs:fontRef>
+    <cs:spPr>
+      <a:ln w="9525" cap="flat" cmpd="sng" algn="ctr">
+        <a:solidFill>
+          <a:schemeClr val="tx1">
+            <a:lumMod val="50000"/>
+            <a:lumOff val="50000"/>
+          </a:schemeClr>
+        </a:solidFill>
+        <a:round/>
+      </a:ln>
+    </cs:spPr>
+  </cs:hiLoLine>
+  <cs:leaderLine>
+    <cs:lnRef idx="0"/>
+    <cs:fillRef idx="0"/>
+    <cs:effectRef idx="0"/>
+    <cs:fontRef idx="minor">
+      <a:schemeClr val="tx1"/>
+    </cs:fontRef>
+    <cs:spPr>
+      <a:ln w="9525" cap="flat" cmpd="sng" algn="ctr">
+        <a:solidFill>
+          <a:schemeClr val="tx1">
+            <a:lumMod val="35000"/>
+            <a:lumOff val="65000"/>
+          </a:schemeClr>
+        </a:solidFill>
+        <a:round/>
+      </a:ln>
+    </cs:spPr>
+  </cs:leaderLine>
+  <cs:legend>
+    <cs:lnRef idx="0"/>
+    <cs:fillRef idx="0"/>
+    <cs:effectRef idx="0"/>
+    <cs:fontRef idx="minor">
+      <a:schemeClr val="tx1">
+        <a:lumMod val="65000"/>
+        <a:lumOff val="35000"/>
+      </a:schemeClr>
+    </cs:fontRef>
+    <cs:defRPr sz="1197" kern="1200"/>
+  </cs:legend>
+  <cs:plotArea mods="allowNoFillOverride allowNoLineOverride">
+    <cs:lnRef idx="0"/>
+    <cs:fillRef idx="0"/>
+    <cs:effectRef idx="0"/>
+    <cs:fontRef idx="minor">
+      <a:schemeClr val="tx1"/>
+    </cs:fontRef>
+  </cs:plotArea>
+  <cs:plotArea3D mods="allowNoFillOverride allowNoLineOverride">
+    <cs:lnRef idx="0"/>
+    <cs:fillRef idx="0"/>
+    <cs:effectRef idx="0"/>
+    <cs:fontRef idx="minor">
+      <a:schemeClr val="tx1"/>
+    </cs:fontRef>
+  </cs:plotArea3D>
+  <cs:seriesAxis>
+    <cs:lnRef idx="0"/>
+    <cs:fillRef idx="0"/>
+    <cs:effectRef idx="0"/>
+    <cs:fontRef idx="minor">
+      <a:schemeClr val="tx1">
+        <a:lumMod val="65000"/>
+        <a:lumOff val="35000"/>
+      </a:schemeClr>
+    </cs:fontRef>
+    <cs:spPr>
+      <a:ln w="9525" cap="flat" cmpd="sng" algn="ctr">
+        <a:solidFill>
+          <a:schemeClr val="tx1">
+            <a:lumMod val="15000"/>
+            <a:lumOff val="85000"/>
+          </a:schemeClr>
+        </a:solidFill>
+        <a:round/>
+      </a:ln>
+    </cs:spPr>
+    <cs:defRPr sz="1197" kern="1200"/>
+  </cs:seriesAxis>
+  <cs:seriesLine>
+    <cs:lnRef idx="0"/>
+    <cs:fillRef idx="0"/>
+    <cs:effectRef idx="0"/>
+    <cs:fontRef idx="minor">
+      <a:schemeClr val="tx1"/>
+    </cs:fontRef>
+    <cs:spPr>
+      <a:ln w="9525" cap="flat" cmpd="sng" algn="ctr">
+        <a:solidFill>
+          <a:schemeClr val="tx1">
+            <a:lumMod val="35000"/>
+            <a:lumOff val="65000"/>
+          </a:schemeClr>
+        </a:solidFill>
+        <a:round/>
+      </a:ln>
+    </cs:spPr>
+  </cs:seriesLine>
+  <cs:title>
+    <cs:lnRef idx="0"/>
+    <cs:fillRef idx="0"/>
+    <cs:effectRef idx="0"/>
+    <cs:fontRef idx="minor">
+      <a:schemeClr val="tx1">
+        <a:lumMod val="65000"/>
+        <a:lumOff val="35000"/>
+      </a:schemeClr>
+    </cs:fontRef>
+    <cs:defRPr sz="1862" b="0" kern="1200" spc="0" baseline="0"/>
+  </cs:title>
+  <cs:trendline>
+    <cs:lnRef idx="0">
+      <cs:styleClr val="auto"/>
+    </cs:lnRef>
+    <cs:fillRef idx="0"/>
+    <cs:effectRef idx="0"/>
+    <cs:fontRef idx="minor">
+      <a:schemeClr val="tx1"/>
+    </cs:fontRef>
+    <cs:spPr>
+      <a:ln w="19050" cap="rnd">
+        <a:solidFill>
+          <a:schemeClr val="phClr"/>
+        </a:solidFill>
+        <a:prstDash val="sysDot"/>
+      </a:ln>
+    </cs:spPr>
+  </cs:trendline>
+  <cs:trendlineLabel>
+    <cs:lnRef idx="0"/>
+    <cs:fillRef idx="0"/>
+    <cs:effectRef idx="0"/>
+    <cs:fontRef idx="minor">
+      <a:schemeClr val="tx1">
+        <a:lumMod val="65000"/>
+        <a:lumOff val="35000"/>
+      </a:schemeClr>
+    </cs:fontRef>
+    <cs:defRPr sz="1197" kern="1200"/>
+  </cs:trendlineLabel>
+  <cs:upBar>
+    <cs:lnRef idx="0"/>
+    <cs:fillRef idx="0"/>
+    <cs:effectRef idx="0"/>
+    <cs:fontRef idx="minor">
+      <a:schemeClr val="tx1"/>
+    </cs:fontRef>
+    <cs:spPr>
+      <a:solidFill>
+        <a:schemeClr val="lt1"/>
+      </a:solidFill>
+      <a:ln w="9525" cap="flat" cmpd="sng" algn="ctr">
+        <a:solidFill>
+          <a:schemeClr val="tx1">
+            <a:lumMod val="65000"/>
+            <a:lumOff val="35000"/>
+          </a:schemeClr>
+        </a:solidFill>
+        <a:round/>
+      </a:ln>
+    </cs:spPr>
+  </cs:upBar>
+  <cs:valueAxis>
+    <cs:lnRef idx="0"/>
+    <cs:fillRef idx="0"/>
+    <cs:effectRef idx="0"/>
+    <cs:fontRef idx="minor">
+      <a:schemeClr val="tx1">
+        <a:lumMod val="65000"/>
+        <a:lumOff val="35000"/>
+      </a:schemeClr>
+    </cs:fontRef>
+    <cs:defRPr sz="1197" kern="1200"/>
+  </cs:valueAxis>
+  <cs:wall>
+    <cs:lnRef idx="0"/>
+    <cs:fillRef idx="0"/>
+    <cs:effectRef idx="0"/>
+    <cs:fontRef idx="minor">
+      <a:schemeClr val="tx1"/>
+    </cs:fontRef>
+    <cs:spPr>
+      <a:noFill/>
+      <a:ln>
+        <a:noFill/>
+      </a:ln>
+    </cs:spPr>
+  </cs:wall>
+</cs:chartStyle>
+</file>
+
+<file path=ppt/charts/style2.xml><?xml version="1.0" encoding="utf-8"?>
+<cs:chartStyle xmlns:cs="http://schemas.microsoft.com/office/drawing/2012/chartStyle" xmlns:a="http://schemas.openxmlformats.org/drawingml/2006/main" id="276">
+  <cs:axisTitle>
+    <cs:lnRef idx="0"/>
+    <cs:fillRef idx="0"/>
+    <cs:effectRef idx="0"/>
+    <cs:fontRef idx="minor">
+      <a:schemeClr val="tx1">
+        <a:lumMod val="65000"/>
+        <a:lumOff val="35000"/>
+      </a:schemeClr>
+    </cs:fontRef>
+    <cs:defRPr sz="1330" kern="1200"/>
+  </cs:axisTitle>
+  <cs:categoryAxis>
+    <cs:lnRef idx="0"/>
+    <cs:fillRef idx="0"/>
+    <cs:effectRef idx="0"/>
+    <cs:fontRef idx="minor">
+      <a:schemeClr val="tx1">
+        <a:lumMod val="65000"/>
+        <a:lumOff val="35000"/>
+      </a:schemeClr>
+    </cs:fontRef>
+    <cs:spPr>
+      <a:ln w="9525" cap="flat" cmpd="sng" algn="ctr">
+        <a:solidFill>
+          <a:schemeClr val="tx1">
+            <a:lumMod val="15000"/>
+            <a:lumOff val="85000"/>
+          </a:schemeClr>
+        </a:solidFill>
+        <a:round/>
+      </a:ln>
+    </cs:spPr>
+    <cs:defRPr sz="1197" kern="1200"/>
+  </cs:categoryAxis>
+  <cs:chartArea mods="allowNoFillOverride allowNoLineOverride">
+    <cs:lnRef idx="0"/>
+    <cs:fillRef idx="0"/>
+    <cs:effectRef idx="0"/>
+    <cs:fontRef idx="minor">
+      <a:schemeClr val="tx1"/>
+    </cs:fontRef>
+    <cs:spPr>
+      <a:solidFill>
+        <a:schemeClr val="bg1"/>
+      </a:solidFill>
+      <a:ln w="9525" cap="flat" cmpd="sng" algn="ctr">
+        <a:solidFill>
+          <a:schemeClr val="tx1">
+            <a:lumMod val="15000"/>
+            <a:lumOff val="85000"/>
+          </a:schemeClr>
+        </a:solidFill>
+        <a:round/>
+      </a:ln>
+    </cs:spPr>
+    <cs:defRPr sz="1330" kern="1200"/>
+  </cs:chartArea>
+  <cs:dataLabel>
+    <cs:lnRef idx="0"/>
+    <cs:fillRef idx="0"/>
+    <cs:effectRef idx="0"/>
+    <cs:fontRef idx="minor">
+      <a:schemeClr val="tx1">
+        <a:lumMod val="75000"/>
+        <a:lumOff val="25000"/>
+      </a:schemeClr>
+    </cs:fontRef>
+    <cs:defRPr sz="1197" kern="1200"/>
+  </cs:dataLabel>
+  <cs:dataLabelCallout>
+    <cs:lnRef idx="0"/>
+    <cs:fillRef idx="0"/>
+    <cs:effectRef idx="0"/>
+    <cs:fontRef idx="minor">
+      <a:schemeClr val="dk1">
+        <a:lumMod val="65000"/>
+        <a:lumOff val="35000"/>
+      </a:schemeClr>
+    </cs:fontRef>
+    <cs:spPr>
+      <a:solidFill>
+        <a:schemeClr val="lt1"/>
+      </a:solidFill>
+      <a:ln>
+        <a:solidFill>
+          <a:schemeClr val="dk1">
+            <a:lumMod val="25000"/>
+            <a:lumOff val="75000"/>
+          </a:schemeClr>
+        </a:solidFill>
+      </a:ln>
+    </cs:spPr>
+    <cs:defRPr sz="1197" kern="1200"/>
+    <cs:bodyPr rot="0" spcFirstLastPara="1" vertOverflow="clip" horzOverflow="clip" vert="horz" wrap="square" lIns="36576" tIns="18288" rIns="36576" bIns="18288" anchor="ctr" anchorCtr="1">
+      <a:spAutoFit/>
+    </cs:bodyPr>
+  </cs:dataLabelCallout>
+  <cs:dataPoint>
+    <cs:lnRef idx="0"/>
+    <cs:fillRef idx="1">
+      <cs:styleClr val="auto"/>
+    </cs:fillRef>
+    <cs:effectRef idx="0"/>
+    <cs:fontRef idx="minor">
+      <a:schemeClr val="tx1"/>
+    </cs:fontRef>
+  </cs:dataPoint>
+  <cs:dataPoint3D>
+    <cs:lnRef idx="0"/>
+    <cs:fillRef idx="1">
+      <cs:styleClr val="auto"/>
+    </cs:fillRef>
+    <cs:effectRef idx="0"/>
+    <cs:fontRef idx="minor">
+      <a:schemeClr val="tx1"/>
+    </cs:fontRef>
+  </cs:dataPoint3D>
+  <cs:dataPointLine>
+    <cs:lnRef idx="0">
+      <cs:styleClr val="auto"/>
+    </cs:lnRef>
+    <cs:fillRef idx="1"/>
+    <cs:effectRef idx="0"/>
+    <cs:fontRef idx="minor">
+      <a:schemeClr val="tx1"/>
+    </cs:fontRef>
+    <cs:spPr>
+      <a:ln w="28575" cap="rnd">
+        <a:solidFill>
+          <a:schemeClr val="phClr"/>
+        </a:solidFill>
+        <a:round/>
+      </a:ln>
+    </cs:spPr>
+  </cs:dataPointLine>
+  <cs:dataPointMarker>
+    <cs:lnRef idx="0">
+      <cs:styleClr val="auto"/>
+    </cs:lnRef>
+    <cs:fillRef idx="1">
+      <cs:styleClr val="auto"/>
+    </cs:fillRef>
+    <cs:effectRef idx="0"/>
+    <cs:fontRef idx="minor">
+      <a:schemeClr val="tx1"/>
+    </cs:fontRef>
+    <cs:spPr>
+      <a:ln w="9525">
+        <a:solidFill>
+          <a:schemeClr val="phClr"/>
+        </a:solidFill>
+      </a:ln>
+    </cs:spPr>
+  </cs:dataPointMarker>
+  <cs:dataPointMarkerLayout symbol="circle" size="5"/>
+  <cs:dataPointWireframe>
+    <cs:lnRef idx="0">
+      <cs:styleClr val="auto"/>
+    </cs:lnRef>
+    <cs:fillRef idx="1"/>
+    <cs:effectRef idx="0"/>
+    <cs:fontRef idx="minor">
+      <a:schemeClr val="tx1"/>
+    </cs:fontRef>
+    <cs:spPr>
+      <a:ln w="9525" cap="rnd">
+        <a:solidFill>
+          <a:schemeClr val="phClr"/>
+        </a:solidFill>
+        <a:round/>
+      </a:ln>
+    </cs:spPr>
+  </cs:dataPointWireframe>
+  <cs:dataTable>
+    <cs:lnRef idx="0"/>
+    <cs:fillRef idx="0"/>
+    <cs:effectRef idx="0"/>
+    <cs:fontRef idx="minor">
+      <a:schemeClr val="tx1">
+        <a:lumMod val="65000"/>
+        <a:lumOff val="35000"/>
+      </a:schemeClr>
+    </cs:fontRef>
+    <cs:spPr>
+      <a:noFill/>
+      <a:ln w="9525" cap="flat" cmpd="sng" algn="ctr">
+        <a:solidFill>
+          <a:schemeClr val="tx1">
+            <a:lumMod val="15000"/>
+            <a:lumOff val="85000"/>
+          </a:schemeClr>
+        </a:solidFill>
+        <a:round/>
+      </a:ln>
+    </cs:spPr>
+    <cs:defRPr sz="1197" kern="1200"/>
+  </cs:dataTable>
+  <cs:downBar>
+    <cs:lnRef idx="0"/>
+    <cs:fillRef idx="0"/>
+    <cs:effectRef idx="0"/>
+    <cs:fontRef idx="minor">
+      <a:schemeClr val="tx1"/>
+    </cs:fontRef>
+    <cs:spPr>
+      <a:solidFill>
+        <a:schemeClr val="dk1">
+          <a:lumMod val="75000"/>
+          <a:lumOff val="25000"/>
+        </a:schemeClr>
+      </a:solidFill>
+      <a:ln w="9525" cap="flat" cmpd="sng" algn="ctr">
+        <a:solidFill>
+          <a:schemeClr val="tx1">
+            <a:lumMod val="65000"/>
+            <a:lumOff val="35000"/>
+          </a:schemeClr>
+        </a:solidFill>
+        <a:round/>
+      </a:ln>
+    </cs:spPr>
+  </cs:downBar>
+  <cs:dropLine>
+    <cs:lnRef idx="0"/>
+    <cs:fillRef idx="0"/>
+    <cs:effectRef idx="0"/>
+    <cs:fontRef idx="minor">
+      <a:schemeClr val="tx1"/>
+    </cs:fontRef>
+    <cs:spPr>
+      <a:ln w="9525" cap="flat" cmpd="sng" algn="ctr">
+        <a:solidFill>
+          <a:schemeClr val="tx1">
+            <a:lumMod val="35000"/>
+            <a:lumOff val="65000"/>
+          </a:schemeClr>
+        </a:solidFill>
+        <a:round/>
+      </a:ln>
+    </cs:spPr>
+  </cs:dropLine>
+  <cs:errorBar>
+    <cs:lnRef idx="0"/>
+    <cs:fillRef idx="0"/>
+    <cs:effectRef idx="0"/>
+    <cs:fontRef idx="minor">
+      <a:schemeClr val="tx1"/>
+    </cs:fontRef>
+    <cs:spPr>
+      <a:ln w="9525" cap="flat" cmpd="sng" algn="ctr">
+        <a:solidFill>
+          <a:schemeClr val="tx1">
+            <a:lumMod val="65000"/>
+            <a:lumOff val="35000"/>
+          </a:schemeClr>
+        </a:solidFill>
+        <a:round/>
+      </a:ln>
+    </cs:spPr>
+  </cs:errorBar>
+  <cs:floor>
+    <cs:lnRef idx="0"/>
+    <cs:fillRef idx="0"/>
+    <cs:effectRef idx="0"/>
+    <cs:fontRef idx="minor">
+      <a:schemeClr val="tx1"/>
+    </cs:fontRef>
+    <cs:spPr>
+      <a:ln w="9525" cap="flat" cmpd="sng" algn="ctr">
+        <a:solidFill>
+          <a:schemeClr val="tx1">
+            <a:lumMod val="15000"/>
+            <a:lumOff val="85000"/>
+          </a:schemeClr>
+        </a:solidFill>
+        <a:round/>
+      </a:ln>
+    </cs:spPr>
+  </cs:floor>
+  <cs:gridlineMajor>
+    <cs:lnRef idx="0"/>
+    <cs:fillRef idx="0"/>
+    <cs:effectRef idx="0"/>
+    <cs:fontRef idx="minor">
+      <a:schemeClr val="tx1"/>
+    </cs:fontRef>
+    <cs:spPr>
+      <a:ln w="9525" cap="flat" cmpd="sng" algn="ctr">
+        <a:solidFill>
+          <a:schemeClr val="tx1">
+            <a:lumMod val="15000"/>
+            <a:lumOff val="85000"/>
+          </a:schemeClr>
+        </a:solidFill>
+        <a:round/>
+      </a:ln>
+    </cs:spPr>
+  </cs:gridlineMajor>
+  <cs:gridlineMinor>
+    <cs:lnRef idx="0"/>
+    <cs:fillRef idx="0"/>
+    <cs:effectRef idx="0"/>
+    <cs:fontRef idx="minor">
+      <a:schemeClr val="tx1"/>
+    </cs:fontRef>
+    <cs:spPr>
+      <a:ln w="9525" cap="flat" cmpd="sng" algn="ctr">
+        <a:solidFill>
+          <a:schemeClr val="tx1">
+            <a:lumMod val="5000"/>
+            <a:lumOff val="95000"/>
+          </a:schemeClr>
+        </a:solidFill>
+        <a:round/>
+      </a:ln>
+    </cs:spPr>
+  </cs:gridlineMinor>
+  <cs:hiLoLine>
+    <cs:lnRef idx="0"/>
+    <cs:fillRef idx="0"/>
+    <cs:effectRef idx="0"/>
+    <cs:fontRef idx="minor">
+      <a:schemeClr val="tx1"/>
+    </cs:fontRef>
+    <cs:spPr>
+      <a:ln w="9525" cap="flat" cmpd="sng" algn="ctr">
+        <a:solidFill>
+          <a:schemeClr val="tx1">
+            <a:lumMod val="50000"/>
+            <a:lumOff val="50000"/>
+          </a:schemeClr>
+        </a:solidFill>
+        <a:round/>
+      </a:ln>
+    </cs:spPr>
+  </cs:hiLoLine>
+  <cs:leaderLine>
+    <cs:lnRef idx="0"/>
+    <cs:fillRef idx="0"/>
+    <cs:effectRef idx="0"/>
+    <cs:fontRef idx="minor">
+      <a:schemeClr val="tx1"/>
+    </cs:fontRef>
+    <cs:spPr>
+      <a:ln w="9525" cap="flat" cmpd="sng" algn="ctr">
+        <a:solidFill>
+          <a:schemeClr val="tx1">
+            <a:lumMod val="35000"/>
+            <a:lumOff val="65000"/>
+          </a:schemeClr>
+        </a:solidFill>
+        <a:round/>
+      </a:ln>
+    </cs:spPr>
+  </cs:leaderLine>
+  <cs:legend>
+    <cs:lnRef idx="0"/>
+    <cs:fillRef idx="0"/>
+    <cs:effectRef idx="0"/>
+    <cs:fontRef idx="minor">
+      <a:schemeClr val="tx1">
+        <a:lumMod val="65000"/>
+        <a:lumOff val="35000"/>
+      </a:schemeClr>
+    </cs:fontRef>
+    <cs:defRPr sz="1197" kern="1200"/>
+  </cs:legend>
+  <cs:plotArea mods="allowNoFillOverride allowNoLineOverride">
+    <cs:lnRef idx="0"/>
+    <cs:fillRef idx="0"/>
+    <cs:effectRef idx="0"/>
+    <cs:fontRef idx="minor">
+      <a:schemeClr val="tx1"/>
+    </cs:fontRef>
+  </cs:plotArea>
+  <cs:plotArea3D mods="allowNoFillOverride allowNoLineOverride">
+    <cs:lnRef idx="0"/>
+    <cs:fillRef idx="0"/>
+    <cs:effectRef idx="0"/>
+    <cs:fontRef idx="minor">
+      <a:schemeClr val="tx1"/>
+    </cs:fontRef>
+  </cs:plotArea3D>
+  <cs:seriesAxis>
+    <cs:lnRef idx="0"/>
+    <cs:fillRef idx="0"/>
+    <cs:effectRef idx="0"/>
+    <cs:fontRef idx="minor">
+      <a:schemeClr val="tx1">
+        <a:lumMod val="65000"/>
+        <a:lumOff val="35000"/>
+      </a:schemeClr>
+    </cs:fontRef>
+    <cs:spPr>
+      <a:ln w="9525" cap="flat" cmpd="sng" algn="ctr">
+        <a:solidFill>
+          <a:schemeClr val="tx1">
+            <a:lumMod val="15000"/>
+            <a:lumOff val="85000"/>
+          </a:schemeClr>
+        </a:solidFill>
+        <a:round/>
+      </a:ln>
+    </cs:spPr>
+    <cs:defRPr sz="1197" kern="1200"/>
+  </cs:seriesAxis>
+  <cs:seriesLine>
+    <cs:lnRef idx="0"/>
+    <cs:fillRef idx="0"/>
+    <cs:effectRef idx="0"/>
+    <cs:fontRef idx="minor">
+      <a:schemeClr val="tx1"/>
+    </cs:fontRef>
+    <cs:spPr>
+      <a:ln w="9525" cap="flat" cmpd="sng" algn="ctr">
+        <a:solidFill>
+          <a:schemeClr val="tx1">
+            <a:lumMod val="35000"/>
+            <a:lumOff val="65000"/>
+          </a:schemeClr>
+        </a:solidFill>
+        <a:round/>
+      </a:ln>
+    </cs:spPr>
+  </cs:seriesLine>
+  <cs:title>
+    <cs:lnRef idx="0"/>
+    <cs:fillRef idx="0"/>
+    <cs:effectRef idx="0"/>
+    <cs:fontRef idx="minor">
+      <a:schemeClr val="tx1">
+        <a:lumMod val="65000"/>
+        <a:lumOff val="35000"/>
+      </a:schemeClr>
+    </cs:fontRef>
+    <cs:defRPr sz="1862" b="0" kern="1200" spc="0" baseline="0"/>
+  </cs:title>
+  <cs:trendline>
+    <cs:lnRef idx="0">
+      <cs:styleClr val="auto"/>
+    </cs:lnRef>
+    <cs:fillRef idx="0"/>
+    <cs:effectRef idx="0"/>
+    <cs:fontRef idx="minor">
+      <a:schemeClr val="tx1"/>
+    </cs:fontRef>
+    <cs:spPr>
+      <a:ln w="19050" cap="rnd">
+        <a:solidFill>
+          <a:schemeClr val="phClr"/>
+        </a:solidFill>
+        <a:prstDash val="sysDot"/>
+      </a:ln>
+    </cs:spPr>
+  </cs:trendline>
+  <cs:trendlineLabel>
+    <cs:lnRef idx="0"/>
+    <cs:fillRef idx="0"/>
+    <cs:effectRef idx="0"/>
+    <cs:fontRef idx="minor">
+      <a:schemeClr val="tx1">
+        <a:lumMod val="65000"/>
+        <a:lumOff val="35000"/>
+      </a:schemeClr>
+    </cs:fontRef>
+    <cs:defRPr sz="1197" kern="1200"/>
+  </cs:trendlineLabel>
+  <cs:upBar>
+    <cs:lnRef idx="0"/>
+    <cs:fillRef idx="0"/>
+    <cs:effectRef idx="0"/>
+    <cs:fontRef idx="minor">
+      <a:schemeClr val="tx1"/>
+    </cs:fontRef>
+    <cs:spPr>
+      <a:solidFill>
+        <a:schemeClr val="lt1"/>
+      </a:solidFill>
+      <a:ln w="9525" cap="flat" cmpd="sng" algn="ctr">
+        <a:solidFill>
+          <a:schemeClr val="tx1">
+            <a:lumMod val="65000"/>
+            <a:lumOff val="35000"/>
+          </a:schemeClr>
+        </a:solidFill>
+        <a:round/>
+      </a:ln>
+    </cs:spPr>
+  </cs:upBar>
+  <cs:valueAxis>
+    <cs:lnRef idx="0"/>
+    <cs:fillRef idx="0"/>
+    <cs:effectRef idx="0"/>
+    <cs:fontRef idx="minor">
+      <a:schemeClr val="tx1">
+        <a:lumMod val="65000"/>
+        <a:lumOff val="35000"/>
+      </a:schemeClr>
+    </cs:fontRef>
+    <cs:defRPr sz="1197" kern="1200"/>
+  </cs:valueAxis>
+  <cs:wall>
+    <cs:lnRef idx="0"/>
+    <cs:fillRef idx="0"/>
+    <cs:effectRef idx="0"/>
+    <cs:fontRef idx="minor">
+      <a:schemeClr val="tx1"/>
+    </cs:fontRef>
+    <cs:spPr>
+      <a:noFill/>
+      <a:ln>
+        <a:noFill/>
+      </a:ln>
+    </cs:spPr>
+  </cs:wall>
+</cs:chartStyle>
+</file>
+
+<file path=ppt/charts/style3.xml><?xml version="1.0" encoding="utf-8"?>
+<cs:chartStyle xmlns:cs="http://schemas.microsoft.com/office/drawing/2012/chartStyle" xmlns:a="http://schemas.openxmlformats.org/drawingml/2006/main" id="276">
+  <cs:axisTitle>
+    <cs:lnRef idx="0"/>
+    <cs:fillRef idx="0"/>
+    <cs:effectRef idx="0"/>
+    <cs:fontRef idx="minor">
+      <a:schemeClr val="tx1">
+        <a:lumMod val="65000"/>
+        <a:lumOff val="35000"/>
+      </a:schemeClr>
+    </cs:fontRef>
+    <cs:defRPr sz="1330" kern="1200"/>
+  </cs:axisTitle>
+  <cs:categoryAxis>
+    <cs:lnRef idx="0"/>
+    <cs:fillRef idx="0"/>
+    <cs:effectRef idx="0"/>
+    <cs:fontRef idx="minor">
+      <a:schemeClr val="tx1">
+        <a:lumMod val="65000"/>
+        <a:lumOff val="35000"/>
+      </a:schemeClr>
+    </cs:fontRef>
+    <cs:spPr>
+      <a:ln w="9525" cap="flat" cmpd="sng" algn="ctr">
+        <a:solidFill>
+          <a:schemeClr val="tx1">
+            <a:lumMod val="15000"/>
+            <a:lumOff val="85000"/>
+          </a:schemeClr>
+        </a:solidFill>
+        <a:round/>
+      </a:ln>
+    </cs:spPr>
+    <cs:defRPr sz="1197" kern="1200"/>
+  </cs:categoryAxis>
+  <cs:chartArea mods="allowNoFillOverride allowNoLineOverride">
+    <cs:lnRef idx="0"/>
+    <cs:fillRef idx="0"/>
+    <cs:effectRef idx="0"/>
+    <cs:fontRef idx="minor">
+      <a:schemeClr val="tx1"/>
+    </cs:fontRef>
+    <cs:spPr>
+      <a:solidFill>
+        <a:schemeClr val="bg1"/>
+      </a:solidFill>
+      <a:ln w="9525" cap="flat" cmpd="sng" algn="ctr">
+        <a:solidFill>
+          <a:schemeClr val="tx1">
+            <a:lumMod val="15000"/>
+            <a:lumOff val="85000"/>
+          </a:schemeClr>
+        </a:solidFill>
+        <a:round/>
+      </a:ln>
+    </cs:spPr>
+    <cs:defRPr sz="1330" kern="1200"/>
+  </cs:chartArea>
+  <cs:dataLabel>
+    <cs:lnRef idx="0"/>
+    <cs:fillRef idx="0"/>
+    <cs:effectRef idx="0"/>
+    <cs:fontRef idx="minor">
+      <a:schemeClr val="tx1">
+        <a:lumMod val="75000"/>
+        <a:lumOff val="25000"/>
+      </a:schemeClr>
+    </cs:fontRef>
+    <cs:defRPr sz="1197" kern="1200"/>
+  </cs:dataLabel>
+  <cs:dataLabelCallout>
+    <cs:lnRef idx="0"/>
+    <cs:fillRef idx="0"/>
+    <cs:effectRef idx="0"/>
+    <cs:fontRef idx="minor">
+      <a:schemeClr val="dk1">
+        <a:lumMod val="65000"/>
+        <a:lumOff val="35000"/>
+      </a:schemeClr>
+    </cs:fontRef>
+    <cs:spPr>
+      <a:solidFill>
+        <a:schemeClr val="lt1"/>
+      </a:solidFill>
+      <a:ln>
+        <a:solidFill>
+          <a:schemeClr val="dk1">
+            <a:lumMod val="25000"/>
+            <a:lumOff val="75000"/>
+          </a:schemeClr>
+        </a:solidFill>
+      </a:ln>
+    </cs:spPr>
+    <cs:defRPr sz="1197" kern="1200"/>
+    <cs:bodyPr rot="0" spcFirstLastPara="1" vertOverflow="clip" horzOverflow="clip" vert="horz" wrap="square" lIns="36576" tIns="18288" rIns="36576" bIns="18288" anchor="ctr" anchorCtr="1">
+      <a:spAutoFit/>
+    </cs:bodyPr>
+  </cs:dataLabelCallout>
+  <cs:dataPoint>
+    <cs:lnRef idx="0"/>
+    <cs:fillRef idx="1">
+      <cs:styleClr val="auto"/>
+    </cs:fillRef>
+    <cs:effectRef idx="0"/>
+    <cs:fontRef idx="minor">
+      <a:schemeClr val="tx1"/>
+    </cs:fontRef>
+  </cs:dataPoint>
+  <cs:dataPoint3D>
+    <cs:lnRef idx="0"/>
+    <cs:fillRef idx="1">
+      <cs:styleClr val="auto"/>
+    </cs:fillRef>
+    <cs:effectRef idx="0"/>
+    <cs:fontRef idx="minor">
+      <a:schemeClr val="tx1"/>
+    </cs:fontRef>
+  </cs:dataPoint3D>
+  <cs:dataPointLine>
+    <cs:lnRef idx="0">
+      <cs:styleClr val="auto"/>
+    </cs:lnRef>
+    <cs:fillRef idx="1"/>
+    <cs:effectRef idx="0"/>
+    <cs:fontRef idx="minor">
+      <a:schemeClr val="tx1"/>
+    </cs:fontRef>
+    <cs:spPr>
+      <a:ln w="28575" cap="rnd">
+        <a:solidFill>
+          <a:schemeClr val="phClr"/>
+        </a:solidFill>
+        <a:round/>
+      </a:ln>
+    </cs:spPr>
+  </cs:dataPointLine>
+  <cs:dataPointMarker>
+    <cs:lnRef idx="0">
+      <cs:styleClr val="auto"/>
+    </cs:lnRef>
+    <cs:fillRef idx="1">
+      <cs:styleClr val="auto"/>
+    </cs:fillRef>
+    <cs:effectRef idx="0"/>
+    <cs:fontRef idx="minor">
+      <a:schemeClr val="tx1"/>
+    </cs:fontRef>
+    <cs:spPr>
+      <a:ln w="9525">
+        <a:solidFill>
+          <a:schemeClr val="phClr"/>
+        </a:solidFill>
+      </a:ln>
+    </cs:spPr>
+  </cs:dataPointMarker>
+  <cs:dataPointMarkerLayout symbol="circle" size="5"/>
+  <cs:dataPointWireframe>
+    <cs:lnRef idx="0">
+      <cs:styleClr val="auto"/>
+    </cs:lnRef>
+    <cs:fillRef idx="1"/>
+    <cs:effectRef idx="0"/>
+    <cs:fontRef idx="minor">
+      <a:schemeClr val="tx1"/>
+    </cs:fontRef>
+    <cs:spPr>
+      <a:ln w="9525" cap="rnd">
+        <a:solidFill>
+          <a:schemeClr val="phClr"/>
+        </a:solidFill>
+        <a:round/>
+      </a:ln>
+    </cs:spPr>
+  </cs:dataPointWireframe>
+  <cs:dataTable>
+    <cs:lnRef idx="0"/>
+    <cs:fillRef idx="0"/>
+    <cs:effectRef idx="0"/>
+    <cs:fontRef idx="minor">
+      <a:schemeClr val="tx1">
+        <a:lumMod val="65000"/>
+        <a:lumOff val="35000"/>
+      </a:schemeClr>
+    </cs:fontRef>
+    <cs:spPr>
+      <a:noFill/>
+      <a:ln w="9525" cap="flat" cmpd="sng" algn="ctr">
+        <a:solidFill>
+          <a:schemeClr val="tx1">
+            <a:lumMod val="15000"/>
+            <a:lumOff val="85000"/>
+          </a:schemeClr>
+        </a:solidFill>
+        <a:round/>
+      </a:ln>
+    </cs:spPr>
+    <cs:defRPr sz="1197" kern="1200"/>
+  </cs:dataTable>
+  <cs:downBar>
+    <cs:lnRef idx="0"/>
+    <cs:fillRef idx="0"/>
+    <cs:effectRef idx="0"/>
+    <cs:fontRef idx="minor">
+      <a:schemeClr val="tx1"/>
+    </cs:fontRef>
+    <cs:spPr>
+      <a:solidFill>
+        <a:schemeClr val="dk1">
+          <a:lumMod val="75000"/>
+          <a:lumOff val="25000"/>
+        </a:schemeClr>
+      </a:solidFill>
+      <a:ln w="9525" cap="flat" cmpd="sng" algn="ctr">
+        <a:solidFill>
+          <a:schemeClr val="tx1">
+            <a:lumMod val="65000"/>
+            <a:lumOff val="35000"/>
+          </a:schemeClr>
+        </a:solidFill>
+        <a:round/>
+      </a:ln>
+    </cs:spPr>
+  </cs:downBar>
+  <cs:dropLine>
+    <cs:lnRef idx="0"/>
+    <cs:fillRef idx="0"/>
+    <cs:effectRef idx="0"/>
+    <cs:fontRef idx="minor">
+      <a:schemeClr val="tx1"/>
+    </cs:fontRef>
+    <cs:spPr>
+      <a:ln w="9525" cap="flat" cmpd="sng" algn="ctr">
+        <a:solidFill>
+          <a:schemeClr val="tx1">
+            <a:lumMod val="35000"/>
+            <a:lumOff val="65000"/>
+          </a:schemeClr>
+        </a:solidFill>
+        <a:round/>
+      </a:ln>
+    </cs:spPr>
+  </cs:dropLine>
+  <cs:errorBar>
+    <cs:lnRef idx="0"/>
+    <cs:fillRef idx="0"/>
+    <cs:effectRef idx="0"/>
+    <cs:fontRef idx="minor">
+      <a:schemeClr val="tx1"/>
+    </cs:fontRef>
+    <cs:spPr>
+      <a:ln w="9525" cap="flat" cmpd="sng" algn="ctr">
+        <a:solidFill>
+          <a:schemeClr val="tx1">
+            <a:lumMod val="65000"/>
+            <a:lumOff val="35000"/>
+          </a:schemeClr>
+        </a:solidFill>
+        <a:round/>
+      </a:ln>
+    </cs:spPr>
+  </cs:errorBar>
+  <cs:floor>
+    <cs:lnRef idx="0"/>
+    <cs:fillRef idx="0"/>
+    <cs:effectRef idx="0"/>
+    <cs:fontRef idx="minor">
+      <a:schemeClr val="tx1"/>
+    </cs:fontRef>
+    <cs:spPr>
+      <a:ln w="9525" cap="flat" cmpd="sng" algn="ctr">
+        <a:solidFill>
+          <a:schemeClr val="tx1">
+            <a:lumMod val="15000"/>
+            <a:lumOff val="85000"/>
+          </a:schemeClr>
+        </a:solidFill>
+        <a:round/>
+      </a:ln>
+    </cs:spPr>
+  </cs:floor>
+  <cs:gridlineMajor>
+    <cs:lnRef idx="0"/>
+    <cs:fillRef idx="0"/>
+    <cs:effectRef idx="0"/>
+    <cs:fontRef idx="minor">
+      <a:schemeClr val="tx1"/>
+    </cs:fontRef>
+    <cs:spPr>
+      <a:ln w="9525" cap="flat" cmpd="sng" algn="ctr">
+        <a:solidFill>
+          <a:schemeClr val="tx1">
+            <a:lumMod val="15000"/>
+            <a:lumOff val="85000"/>
+          </a:schemeClr>
+        </a:solidFill>
+        <a:round/>
+      </a:ln>
+    </cs:spPr>
+  </cs:gridlineMajor>
+  <cs:gridlineMinor>
+    <cs:lnRef idx="0"/>
+    <cs:fillRef idx="0"/>
+    <cs:effectRef idx="0"/>
+    <cs:fontRef idx="minor">
+      <a:schemeClr val="tx1"/>
+    </cs:fontRef>
+    <cs:spPr>
+      <a:ln w="9525" cap="flat" cmpd="sng" algn="ctr">
+        <a:solidFill>
+          <a:schemeClr val="tx1">
+            <a:lumMod val="5000"/>
+            <a:lumOff val="95000"/>
+          </a:schemeClr>
+        </a:solidFill>
+        <a:round/>
+      </a:ln>
+    </cs:spPr>
+  </cs:gridlineMinor>
+  <cs:hiLoLine>
+    <cs:lnRef idx="0"/>
+    <cs:fillRef idx="0"/>
+    <cs:effectRef idx="0"/>
+    <cs:fontRef idx="minor">
+      <a:schemeClr val="tx1"/>
+    </cs:fontRef>
+    <cs:spPr>
+      <a:ln w="9525" cap="flat" cmpd="sng" algn="ctr">
+        <a:solidFill>
+          <a:schemeClr val="tx1">
+            <a:lumMod val="50000"/>
+            <a:lumOff val="50000"/>
+          </a:schemeClr>
+        </a:solidFill>
+        <a:round/>
+      </a:ln>
+    </cs:spPr>
+  </cs:hiLoLine>
+  <cs:leaderLine>
+    <cs:lnRef idx="0"/>
+    <cs:fillRef idx="0"/>
+    <cs:effectRef idx="0"/>
+    <cs:fontRef idx="minor">
+      <a:schemeClr val="tx1"/>
+    </cs:fontRef>
+    <cs:spPr>
+      <a:ln w="9525" cap="flat" cmpd="sng" algn="ctr">
+        <a:solidFill>
+          <a:schemeClr val="tx1">
+            <a:lumMod val="35000"/>
+            <a:lumOff val="65000"/>
+          </a:schemeClr>
+        </a:solidFill>
+        <a:round/>
+      </a:ln>
+    </cs:spPr>
+  </cs:leaderLine>
+  <cs:legend>
+    <cs:lnRef idx="0"/>
+    <cs:fillRef idx="0"/>
+    <cs:effectRef idx="0"/>
+    <cs:fontRef idx="minor">
+      <a:schemeClr val="tx1">
+        <a:lumMod val="65000"/>
+        <a:lumOff val="35000"/>
+      </a:schemeClr>
+    </cs:fontRef>
+    <cs:defRPr sz="1197" kern="1200"/>
+  </cs:legend>
+  <cs:plotArea mods="allowNoFillOverride allowNoLineOverride">
+    <cs:lnRef idx="0"/>
+    <cs:fillRef idx="0"/>
+    <cs:effectRef idx="0"/>
+    <cs:fontRef idx="minor">
+      <a:schemeClr val="tx1"/>
+    </cs:fontRef>
+  </cs:plotArea>
+  <cs:plotArea3D mods="allowNoFillOverride allowNoLineOverride">
+    <cs:lnRef idx="0"/>
+    <cs:fillRef idx="0"/>
+    <cs:effectRef idx="0"/>
+    <cs:fontRef idx="minor">
+      <a:schemeClr val="tx1"/>
+    </cs:fontRef>
+  </cs:plotArea3D>
+  <cs:seriesAxis>
+    <cs:lnRef idx="0"/>
+    <cs:fillRef idx="0"/>
+    <cs:effectRef idx="0"/>
+    <cs:fontRef idx="minor">
+      <a:schemeClr val="tx1">
+        <a:lumMod val="65000"/>
+        <a:lumOff val="35000"/>
+      </a:schemeClr>
+    </cs:fontRef>
+    <cs:spPr>
+      <a:ln w="9525" cap="flat" cmpd="sng" algn="ctr">
+        <a:solidFill>
+          <a:schemeClr val="tx1">
+            <a:lumMod val="15000"/>
+            <a:lumOff val="85000"/>
+          </a:schemeClr>
+        </a:solidFill>
+        <a:round/>
+      </a:ln>
+    </cs:spPr>
+    <cs:defRPr sz="1197" kern="1200"/>
+  </cs:seriesAxis>
+  <cs:seriesLine>
+    <cs:lnRef idx="0"/>
+    <cs:fillRef idx="0"/>
+    <cs:effectRef idx="0"/>
+    <cs:fontRef idx="minor">
+      <a:schemeClr val="tx1"/>
+    </cs:fontRef>
+    <cs:spPr>
+      <a:ln w="9525" cap="flat" cmpd="sng" algn="ctr">
+        <a:solidFill>
+          <a:schemeClr val="tx1">
+            <a:lumMod val="35000"/>
+            <a:lumOff val="65000"/>
+          </a:schemeClr>
+        </a:solidFill>
+        <a:round/>
+      </a:ln>
+    </cs:spPr>
+  </cs:seriesLine>
+  <cs:title>
+    <cs:lnRef idx="0"/>
+    <cs:fillRef idx="0"/>
+    <cs:effectRef idx="0"/>
+    <cs:fontRef idx="minor">
+      <a:schemeClr val="tx1">
+        <a:lumMod val="65000"/>
+        <a:lumOff val="35000"/>
+      </a:schemeClr>
+    </cs:fontRef>
+    <cs:defRPr sz="1862" b="0" kern="1200" spc="0" baseline="0"/>
+  </cs:title>
+  <cs:trendline>
+    <cs:lnRef idx="0">
+      <cs:styleClr val="auto"/>
+    </cs:lnRef>
+    <cs:fillRef idx="0"/>
+    <cs:effectRef idx="0"/>
+    <cs:fontRef idx="minor">
+      <a:schemeClr val="tx1"/>
+    </cs:fontRef>
+    <cs:spPr>
+      <a:ln w="19050" cap="rnd">
+        <a:solidFill>
+          <a:schemeClr val="phClr"/>
+        </a:solidFill>
+        <a:prstDash val="sysDot"/>
+      </a:ln>
+    </cs:spPr>
+  </cs:trendline>
+  <cs:trendlineLabel>
+    <cs:lnRef idx="0"/>
+    <cs:fillRef idx="0"/>
+    <cs:effectRef idx="0"/>
+    <cs:fontRef idx="minor">
+      <a:schemeClr val="tx1">
+        <a:lumMod val="65000"/>
+        <a:lumOff val="35000"/>
+      </a:schemeClr>
+    </cs:fontRef>
+    <cs:defRPr sz="1197" kern="1200"/>
+  </cs:trendlineLabel>
+  <cs:upBar>
+    <cs:lnRef idx="0"/>
+    <cs:fillRef idx="0"/>
+    <cs:effectRef idx="0"/>
+    <cs:fontRef idx="minor">
+      <a:schemeClr val="tx1"/>
+    </cs:fontRef>
+    <cs:spPr>
+      <a:solidFill>
+        <a:schemeClr val="lt1"/>
+      </a:solidFill>
+      <a:ln w="9525" cap="flat" cmpd="sng" algn="ctr">
+        <a:solidFill>
+          <a:schemeClr val="tx1">
+            <a:lumMod val="65000"/>
+            <a:lumOff val="35000"/>
+          </a:schemeClr>
+        </a:solidFill>
+        <a:round/>
+      </a:ln>
+    </cs:spPr>
+  </cs:upBar>
+  <cs:valueAxis>
+    <cs:lnRef idx="0"/>
+    <cs:fillRef idx="0"/>
+    <cs:effectRef idx="0"/>
+    <cs:fontRef idx="minor">
+      <a:schemeClr val="tx1">
+        <a:lumMod val="65000"/>
+        <a:lumOff val="35000"/>
+      </a:schemeClr>
+    </cs:fontRef>
+    <cs:defRPr sz="1197" kern="1200"/>
+  </cs:valueAxis>
+  <cs:wall>
+    <cs:lnRef idx="0"/>
+    <cs:fillRef idx="0"/>
+    <cs:effectRef idx="0"/>
+    <cs:fontRef idx="minor">
+      <a:schemeClr val="tx1"/>
+    </cs:fontRef>
+    <cs:spPr>
+      <a:noFill/>
+      <a:ln>
+        <a:noFill/>
+      </a:ln>
+    </cs:spPr>
+  </cs:wall>
+</cs:chartStyle>
+</file>
+
+<file path=ppt/charts/style4.xml><?xml version="1.0" encoding="utf-8"?>
+<cs:chartStyle xmlns:cs="http://schemas.microsoft.com/office/drawing/2012/chartStyle" xmlns:a="http://schemas.openxmlformats.org/drawingml/2006/main" id="276">
+  <cs:axisTitle>
+    <cs:lnRef idx="0"/>
+    <cs:fillRef idx="0"/>
+    <cs:effectRef idx="0"/>
+    <cs:fontRef idx="minor">
+      <a:schemeClr val="tx1">
+        <a:lumMod val="65000"/>
+        <a:lumOff val="35000"/>
+      </a:schemeClr>
+    </cs:fontRef>
+    <cs:defRPr sz="1330" kern="1200"/>
+  </cs:axisTitle>
+  <cs:categoryAxis>
+    <cs:lnRef idx="0"/>
+    <cs:fillRef idx="0"/>
+    <cs:effectRef idx="0"/>
+    <cs:fontRef idx="minor">
+      <a:schemeClr val="tx1">
+        <a:lumMod val="65000"/>
+        <a:lumOff val="35000"/>
+      </a:schemeClr>
+    </cs:fontRef>
+    <cs:spPr>
+      <a:ln w="9525" cap="flat" cmpd="sng" algn="ctr">
+        <a:solidFill>
+          <a:schemeClr val="tx1">
+            <a:lumMod val="15000"/>
+            <a:lumOff val="85000"/>
+          </a:schemeClr>
+        </a:solidFill>
+        <a:round/>
+      </a:ln>
+    </cs:spPr>
+    <cs:defRPr sz="1197" kern="1200"/>
+  </cs:categoryAxis>
+  <cs:chartArea mods="allowNoFillOverride allowNoLineOverride">
+    <cs:lnRef idx="0"/>
+    <cs:fillRef idx="0"/>
+    <cs:effectRef idx="0"/>
+    <cs:fontRef idx="minor">
+      <a:schemeClr val="tx1"/>
+    </cs:fontRef>
+    <cs:spPr>
+      <a:solidFill>
+        <a:schemeClr val="bg1"/>
+      </a:solidFill>
+      <a:ln w="9525" cap="flat" cmpd="sng" algn="ctr">
+        <a:solidFill>
+          <a:schemeClr val="tx1">
+            <a:lumMod val="15000"/>
+            <a:lumOff val="85000"/>
+          </a:schemeClr>
+        </a:solidFill>
+        <a:round/>
+      </a:ln>
+    </cs:spPr>
+    <cs:defRPr sz="1330" kern="1200"/>
+  </cs:chartArea>
+  <cs:dataLabel>
+    <cs:lnRef idx="0"/>
+    <cs:fillRef idx="0"/>
+    <cs:effectRef idx="0"/>
+    <cs:fontRef idx="minor">
+      <a:schemeClr val="tx1">
+        <a:lumMod val="75000"/>
+        <a:lumOff val="25000"/>
+      </a:schemeClr>
+    </cs:fontRef>
+    <cs:defRPr sz="1197" kern="1200"/>
+  </cs:dataLabel>
+  <cs:dataLabelCallout>
+    <cs:lnRef idx="0"/>
+    <cs:fillRef idx="0"/>
+    <cs:effectRef idx="0"/>
+    <cs:fontRef idx="minor">
+      <a:schemeClr val="dk1">
+        <a:lumMod val="65000"/>
+        <a:lumOff val="35000"/>
+      </a:schemeClr>
+    </cs:fontRef>
+    <cs:spPr>
+      <a:solidFill>
+        <a:schemeClr val="lt1"/>
+      </a:solidFill>
+      <a:ln>
+        <a:solidFill>
+          <a:schemeClr val="dk1">
+            <a:lumMod val="25000"/>
+            <a:lumOff val="75000"/>
+          </a:schemeClr>
+        </a:solidFill>
+      </a:ln>
+    </cs:spPr>
+    <cs:defRPr sz="1197" kern="1200"/>
+    <cs:bodyPr rot="0" spcFirstLastPara="1" vertOverflow="clip" horzOverflow="clip" vert="horz" wrap="square" lIns="36576" tIns="18288" rIns="36576" bIns="18288" anchor="ctr" anchorCtr="1">
+      <a:spAutoFit/>
+    </cs:bodyPr>
+  </cs:dataLabelCallout>
+  <cs:dataPoint>
+    <cs:lnRef idx="0"/>
+    <cs:fillRef idx="1">
+      <cs:styleClr val="auto"/>
+    </cs:fillRef>
+    <cs:effectRef idx="0"/>
+    <cs:fontRef idx="minor">
+      <a:schemeClr val="tx1"/>
+    </cs:fontRef>
+  </cs:dataPoint>
+  <cs:dataPoint3D>
+    <cs:lnRef idx="0"/>
+    <cs:fillRef idx="1">
+      <cs:styleClr val="auto"/>
+    </cs:fillRef>
+    <cs:effectRef idx="0"/>
+    <cs:fontRef idx="minor">
+      <a:schemeClr val="tx1"/>
+    </cs:fontRef>
+  </cs:dataPoint3D>
+  <cs:dataPointLine>
+    <cs:lnRef idx="0">
+      <cs:styleClr val="auto"/>
+    </cs:lnRef>
+    <cs:fillRef idx="1"/>
+    <cs:effectRef idx="0"/>
+    <cs:fontRef idx="minor">
+      <a:schemeClr val="tx1"/>
+    </cs:fontRef>
+    <cs:spPr>
+      <a:ln w="28575" cap="rnd">
+        <a:solidFill>
+          <a:schemeClr val="phClr"/>
+        </a:solidFill>
+        <a:round/>
+      </a:ln>
+    </cs:spPr>
+  </cs:dataPointLine>
+  <cs:dataPointMarker>
+    <cs:lnRef idx="0">
+      <cs:styleClr val="auto"/>
+    </cs:lnRef>
+    <cs:fillRef idx="1">
+      <cs:styleClr val="auto"/>
+    </cs:fillRef>
+    <cs:effectRef idx="0"/>
+    <cs:fontRef idx="minor">
+      <a:schemeClr val="tx1"/>
+    </cs:fontRef>
+    <cs:spPr>
+      <a:ln w="9525">
+        <a:solidFill>
+          <a:schemeClr val="phClr"/>
+        </a:solidFill>
+      </a:ln>
+    </cs:spPr>
+  </cs:dataPointMarker>
+  <cs:dataPointMarkerLayout symbol="circle" size="5"/>
+  <cs:dataPointWireframe>
+    <cs:lnRef idx="0">
+      <cs:styleClr val="auto"/>
+    </cs:lnRef>
+    <cs:fillRef idx="1"/>
+    <cs:effectRef idx="0"/>
+    <cs:fontRef idx="minor">
+      <a:schemeClr val="tx1"/>
+    </cs:fontRef>
+    <cs:spPr>
+      <a:ln w="9525" cap="rnd">
+        <a:solidFill>
+          <a:schemeClr val="phClr"/>
+        </a:solidFill>
+        <a:round/>
+      </a:ln>
+    </cs:spPr>
+  </cs:dataPointWireframe>
+  <cs:dataTable>
+    <cs:lnRef idx="0"/>
+    <cs:fillRef idx="0"/>
+    <cs:effectRef idx="0"/>
+    <cs:fontRef idx="minor">
+      <a:schemeClr val="tx1">
+        <a:lumMod val="65000"/>
+        <a:lumOff val="35000"/>
+      </a:schemeClr>
+    </cs:fontRef>
+    <cs:spPr>
+      <a:noFill/>
+      <a:ln w="9525" cap="flat" cmpd="sng" algn="ctr">
+        <a:solidFill>
+          <a:schemeClr val="tx1">
+            <a:lumMod val="15000"/>
+            <a:lumOff val="85000"/>
+          </a:schemeClr>
+        </a:solidFill>
+        <a:round/>
+      </a:ln>
+    </cs:spPr>
+    <cs:defRPr sz="1197" kern="1200"/>
+  </cs:dataTable>
+  <cs:downBar>
+    <cs:lnRef idx="0"/>
+    <cs:fillRef idx="0"/>
+    <cs:effectRef idx="0"/>
+    <cs:fontRef idx="minor">
+      <a:schemeClr val="tx1"/>
+    </cs:fontRef>
+    <cs:spPr>
+      <a:solidFill>
+        <a:schemeClr val="dk1">
+          <a:lumMod val="75000"/>
+          <a:lumOff val="25000"/>
+        </a:schemeClr>
+      </a:solidFill>
+      <a:ln w="9525" cap="flat" cmpd="sng" algn="ctr">
+        <a:solidFill>
+          <a:schemeClr val="tx1">
+            <a:lumMod val="65000"/>
+            <a:lumOff val="35000"/>
+          </a:schemeClr>
+        </a:solidFill>
+        <a:round/>
+      </a:ln>
+    </cs:spPr>
+  </cs:downBar>
+  <cs:dropLine>
+    <cs:lnRef idx="0"/>
+    <cs:fillRef idx="0"/>
+    <cs:effectRef idx="0"/>
+    <cs:fontRef idx="minor">
+      <a:schemeClr val="tx1"/>
+    </cs:fontRef>
+    <cs:spPr>
+      <a:ln w="9525" cap="flat" cmpd="sng" algn="ctr">
+        <a:solidFill>
+          <a:schemeClr val="tx1">
+            <a:lumMod val="35000"/>
+            <a:lumOff val="65000"/>
+          </a:schemeClr>
+        </a:solidFill>
+        <a:round/>
+      </a:ln>
+    </cs:spPr>
+  </cs:dropLine>
+  <cs:errorBar>
+    <cs:lnRef idx="0"/>
+    <cs:fillRef idx="0"/>
+    <cs:effectRef idx="0"/>
+    <cs:fontRef idx="minor">
+      <a:schemeClr val="tx1"/>
+    </cs:fontRef>
+    <cs:spPr>
+      <a:ln w="9525" cap="flat" cmpd="sng" algn="ctr">
+        <a:solidFill>
+          <a:schemeClr val="tx1">
+            <a:lumMod val="65000"/>
+            <a:lumOff val="35000"/>
+          </a:schemeClr>
+        </a:solidFill>
+        <a:round/>
+      </a:ln>
+    </cs:spPr>
+  </cs:errorBar>
+  <cs:floor>
+    <cs:lnRef idx="0"/>
+    <cs:fillRef idx="0"/>
+    <cs:effectRef idx="0"/>
+    <cs:fontRef idx="minor">
+      <a:schemeClr val="tx1"/>
+    </cs:fontRef>
+    <cs:spPr>
+      <a:ln w="9525" cap="flat" cmpd="sng" algn="ctr">
+        <a:solidFill>
+          <a:schemeClr val="tx1">
+            <a:lumMod val="15000"/>
+            <a:lumOff val="85000"/>
+          </a:schemeClr>
+        </a:solidFill>
+        <a:round/>
+      </a:ln>
+    </cs:spPr>
+  </cs:floor>
+  <cs:gridlineMajor>
+    <cs:lnRef idx="0"/>
+    <cs:fillRef idx="0"/>
+    <cs:effectRef idx="0"/>
+    <cs:fontRef idx="minor">
+      <a:schemeClr val="tx1"/>
+    </cs:fontRef>
+    <cs:spPr>
+      <a:ln w="9525" cap="flat" cmpd="sng" algn="ctr">
+        <a:solidFill>
+          <a:schemeClr val="tx1">
+            <a:lumMod val="15000"/>
+            <a:lumOff val="85000"/>
+          </a:schemeClr>
+        </a:solidFill>
+        <a:round/>
+      </a:ln>
+    </cs:spPr>
+  </cs:gridlineMajor>
+  <cs:gridlineMinor>
+    <cs:lnRef idx="0"/>
+    <cs:fillRef idx="0"/>
+    <cs:effectRef idx="0"/>
+    <cs:fontRef idx="minor">
+      <a:schemeClr val="tx1"/>
+    </cs:fontRef>
+    <cs:spPr>
+      <a:ln w="9525" cap="flat" cmpd="sng" algn="ctr">
+        <a:solidFill>
+          <a:schemeClr val="tx1">
+            <a:lumMod val="5000"/>
+            <a:lumOff val="95000"/>
+          </a:schemeClr>
+        </a:solidFill>
+        <a:round/>
+      </a:ln>
+    </cs:spPr>
+  </cs:gridlineMinor>
+  <cs:hiLoLine>
+    <cs:lnRef idx="0"/>
+    <cs:fillRef idx="0"/>
+    <cs:effectRef idx="0"/>
+    <cs:fontRef idx="minor">
+      <a:schemeClr val="tx1"/>
+    </cs:fontRef>
+    <cs:spPr>
+      <a:ln w="9525" cap="flat" cmpd="sng" algn="ctr">
+        <a:solidFill>
+          <a:schemeClr val="tx1">
+            <a:lumMod val="50000"/>
+            <a:lumOff val="50000"/>
+          </a:schemeClr>
+        </a:solidFill>
+        <a:round/>
+      </a:ln>
+    </cs:spPr>
+  </cs:hiLoLine>
+  <cs:leaderLine>
+    <cs:lnRef idx="0"/>
+    <cs:fillRef idx="0"/>
+    <cs:effectRef idx="0"/>
+    <cs:fontRef idx="minor">
+      <a:schemeClr val="tx1"/>
+    </cs:fontRef>
+    <cs:spPr>
+      <a:ln w="9525" cap="flat" cmpd="sng" algn="ctr">
+        <a:solidFill>
+          <a:schemeClr val="tx1">
+            <a:lumMod val="35000"/>
+            <a:lumOff val="65000"/>
+          </a:schemeClr>
+        </a:solidFill>
+        <a:round/>
+      </a:ln>
+    </cs:spPr>
+  </cs:leaderLine>
+  <cs:legend>
+    <cs:lnRef idx="0"/>
+    <cs:fillRef idx="0"/>
+    <cs:effectRef idx="0"/>
+    <cs:fontRef idx="minor">
+      <a:schemeClr val="tx1">
+        <a:lumMod val="65000"/>
+        <a:lumOff val="35000"/>
+      </a:schemeClr>
+    </cs:fontRef>
+    <cs:defRPr sz="1197" kern="1200"/>
+  </cs:legend>
+  <cs:plotArea mods="allowNoFillOverride allowNoLineOverride">
+    <cs:lnRef idx="0"/>
+    <cs:fillRef idx="0"/>
+    <cs:effectRef idx="0"/>
+    <cs:fontRef idx="minor">
+      <a:schemeClr val="tx1"/>
+    </cs:fontRef>
+  </cs:plotArea>
+  <cs:plotArea3D mods="allowNoFillOverride allowNoLineOverride">
+    <cs:lnRef idx="0"/>
+    <cs:fillRef idx="0"/>
+    <cs:effectRef idx="0"/>
+    <cs:fontRef idx="minor">
+      <a:schemeClr val="tx1"/>
+    </cs:fontRef>
+  </cs:plotArea3D>
+  <cs:seriesAxis>
+    <cs:lnRef idx="0"/>
+    <cs:fillRef idx="0"/>
+    <cs:effectRef idx="0"/>
+    <cs:fontRef idx="minor">
+      <a:schemeClr val="tx1">
+        <a:lumMod val="65000"/>
+        <a:lumOff val="35000"/>
+      </a:schemeClr>
+    </cs:fontRef>
+    <cs:spPr>
+      <a:ln w="9525" cap="flat" cmpd="sng" algn="ctr">
+        <a:solidFill>
+          <a:schemeClr val="tx1">
+            <a:lumMod val="15000"/>
+            <a:lumOff val="85000"/>
+          </a:schemeClr>
+        </a:solidFill>
+        <a:round/>
+      </a:ln>
+    </cs:spPr>
+    <cs:defRPr sz="1197" kern="1200"/>
+  </cs:seriesAxis>
+  <cs:seriesLine>
+    <cs:lnRef idx="0"/>
+    <cs:fillRef idx="0"/>
+    <cs:effectRef idx="0"/>
+    <cs:fontRef idx="minor">
+      <a:schemeClr val="tx1"/>
+    </cs:fontRef>
+    <cs:spPr>
+      <a:ln w="9525" cap="flat" cmpd="sng" algn="ctr">
+        <a:solidFill>
+          <a:schemeClr val="tx1">
+            <a:lumMod val="35000"/>
+            <a:lumOff val="65000"/>
+          </a:schemeClr>
+        </a:solidFill>
+        <a:round/>
+      </a:ln>
+    </cs:spPr>
+  </cs:seriesLine>
+  <cs:title>
+    <cs:lnRef idx="0"/>
+    <cs:fillRef idx="0"/>
+    <cs:effectRef idx="0"/>
+    <cs:fontRef idx="minor">
+      <a:schemeClr val="tx1">
+        <a:lumMod val="65000"/>
+        <a:lumOff val="35000"/>
+      </a:schemeClr>
+    </cs:fontRef>
+    <cs:defRPr sz="1862" b="0" kern="1200" spc="0" baseline="0"/>
+  </cs:title>
+  <cs:trendline>
+    <cs:lnRef idx="0">
+      <cs:styleClr val="auto"/>
+    </cs:lnRef>
+    <cs:fillRef idx="0"/>
+    <cs:effectRef idx="0"/>
+    <cs:fontRef idx="minor">
+      <a:schemeClr val="tx1"/>
+    </cs:fontRef>
+    <cs:spPr>
+      <a:ln w="19050" cap="rnd">
+        <a:solidFill>
+          <a:schemeClr val="phClr"/>
+        </a:solidFill>
+        <a:prstDash val="sysDot"/>
+      </a:ln>
+    </cs:spPr>
+  </cs:trendline>
+  <cs:trendlineLabel>
+    <cs:lnRef idx="0"/>
+    <cs:fillRef idx="0"/>
+    <cs:effectRef idx="0"/>
+    <cs:fontRef idx="minor">
+      <a:schemeClr val="tx1">
+        <a:lumMod val="65000"/>
+        <a:lumOff val="35000"/>
+      </a:schemeClr>
+    </cs:fontRef>
+    <cs:defRPr sz="1197" kern="1200"/>
+  </cs:trendlineLabel>
+  <cs:upBar>
+    <cs:lnRef idx="0"/>
+    <cs:fillRef idx="0"/>
+    <cs:effectRef idx="0"/>
+    <cs:fontRef idx="minor">
+      <a:schemeClr val="tx1"/>
+    </cs:fontRef>
+    <cs:spPr>
+      <a:solidFill>
+        <a:schemeClr val="lt1"/>
+      </a:solidFill>
+      <a:ln w="9525" cap="flat" cmpd="sng" algn="ctr">
+        <a:solidFill>
+          <a:schemeClr val="tx1">
+            <a:lumMod val="65000"/>
+            <a:lumOff val="35000"/>
+          </a:schemeClr>
+        </a:solidFill>
+        <a:round/>
+      </a:ln>
+    </cs:spPr>
+  </cs:upBar>
+  <cs:valueAxis>
+    <cs:lnRef idx="0"/>
+    <cs:fillRef idx="0"/>
+    <cs:effectRef idx="0"/>
+    <cs:fontRef idx="minor">
+      <a:schemeClr val="tx1">
+        <a:lumMod val="65000"/>
+        <a:lumOff val="35000"/>
+      </a:schemeClr>
+    </cs:fontRef>
+    <cs:defRPr sz="1197" kern="1200"/>
+  </cs:valueAxis>
+  <cs:wall>
+    <cs:lnRef idx="0"/>
+    <cs:fillRef idx="0"/>
+    <cs:effectRef idx="0"/>
+    <cs:fontRef idx="minor">
+      <a:schemeClr val="tx1"/>
+    </cs:fontRef>
+    <cs:spPr>
+      <a:noFill/>
+      <a:ln>
+        <a:noFill/>
+      </a:ln>
+    </cs:spPr>
+  </cs:wall>
+</cs:chartStyle>
+</file>
+
 <file path=ppt/handoutMasters/handoutMaster1.xml><?xml version="1.0" encoding="utf-8"?>
 <p:handoutMaster xmlns:a="http://schemas.openxmlformats.org/drawingml/2006/main" xmlns:r="http://schemas.openxmlformats.org/officeDocument/2006/relationships" xmlns:p="http://schemas.openxmlformats.org/presentationml/2006/main">
   <p:cSld>
@@ -308,7 +3587,7 @@
               <a:rPr lang="en-GB" smtClean="0">
                 <a:latin typeface="Sarabun" panose="00000500000000000000" pitchFamily="2" charset="-34"/>
               </a:rPr>
-              <a:t>04/03/2022</a:t>
+              <a:t>07/03/2022</a:t>
             </a:fld>
             <a:endParaRPr lang="en-GB" dirty="0">
               <a:latin typeface="Sarabun" panose="00000500000000000000" pitchFamily="2" charset="-34"/>
@@ -486,7 +3765,7 @@
             <a:fld id="{CDEAEF8A-5BB8-41C8-B8C2-160617C17EF4}" type="datetimeFigureOut">
               <a:rPr lang="en-GB" smtClean="0"/>
               <a:pPr/>
-              <a:t>04/03/2022</a:t>
+              <a:t>07/03/2022</a:t>
             </a:fld>
             <a:endParaRPr lang="en-GB" dirty="0"/>
           </a:p>
@@ -2855,7 +6134,12 @@
             <p:ph type="title"/>
           </p:nvPr>
         </p:nvSpPr>
-        <p:spPr/>
+        <p:spPr>
+          <a:xfrm>
+            <a:off x="445060" y="1688053"/>
+            <a:ext cx="5298515" cy="1767394"/>
+          </a:xfrm>
+        </p:spPr>
         <p:txBody>
           <a:bodyPr/>
           <a:lstStyle/>
@@ -2869,7 +6153,7 @@
             </a:br>
             <a:r>
               <a:rPr lang="en-GB" dirty="0"/>
-              <a:t>Magnets Problem</a:t>
+              <a:t>Magnets Problem – day 1</a:t>
             </a:r>
           </a:p>
         </p:txBody>
@@ -14946,6 +18230,156 @@
       </p:grpSpPr>
       <p:sp>
         <p:nvSpPr>
+          <p:cNvPr id="2" name="Title 1">
+            <a:extLst>
+              <a:ext uri="{FF2B5EF4-FFF2-40B4-BE49-F238E27FC236}">
+                <a16:creationId xmlns:a16="http://schemas.microsoft.com/office/drawing/2014/main" id="{CA03ABD4-C518-4141-BEFE-F3FDCBE13F50}"/>
+              </a:ext>
+            </a:extLst>
+          </p:cNvPr>
+          <p:cNvSpPr>
+            <a:spLocks noGrp="1"/>
+          </p:cNvSpPr>
+          <p:nvPr>
+            <p:ph type="title"/>
+          </p:nvPr>
+        </p:nvSpPr>
+        <p:spPr>
+          <a:xfrm>
+            <a:off x="445060" y="1688053"/>
+            <a:ext cx="5298515" cy="1767394"/>
+          </a:xfrm>
+        </p:spPr>
+        <p:txBody>
+          <a:bodyPr/>
+          <a:lstStyle/>
+          <a:p>
+            <a:r>
+              <a:rPr lang="en-GB" dirty="0"/>
+              <a:t>Workshop:</a:t>
+            </a:r>
+            <a:br>
+              <a:rPr lang="en-GB" dirty="0"/>
+            </a:br>
+            <a:r>
+              <a:rPr lang="en-GB" dirty="0"/>
+              <a:t>Magnets Problem – day 2</a:t>
+            </a:r>
+          </a:p>
+        </p:txBody>
+      </p:sp>
+      <p:sp>
+        <p:nvSpPr>
+          <p:cNvPr id="3" name="Text Placeholder 2">
+            <a:extLst>
+              <a:ext uri="{FF2B5EF4-FFF2-40B4-BE49-F238E27FC236}">
+                <a16:creationId xmlns:a16="http://schemas.microsoft.com/office/drawing/2014/main" id="{291D985C-C2CE-4956-A0F3-397B5A0D2634}"/>
+              </a:ext>
+            </a:extLst>
+          </p:cNvPr>
+          <p:cNvSpPr>
+            <a:spLocks noGrp="1"/>
+          </p:cNvSpPr>
+          <p:nvPr>
+            <p:ph type="body" sz="quarter" idx="10"/>
+          </p:nvPr>
+        </p:nvSpPr>
+        <p:spPr/>
+        <p:txBody>
+          <a:bodyPr anchor="b" anchorCtr="0"/>
+          <a:lstStyle/>
+          <a:p>
+            <a:r>
+              <a:rPr lang="en-GB" dirty="0"/>
+              <a:t>Adám Brudzewsky</a:t>
+            </a:r>
+            <a:br>
+              <a:rPr lang="en-GB" dirty="0"/>
+            </a:br>
+            <a:r>
+              <a:rPr lang="en-GB" dirty="0"/>
+              <a:t>Richard Park</a:t>
+            </a:r>
+            <a:br>
+              <a:rPr lang="en-GB" dirty="0"/>
+            </a:br>
+            <a:r>
+              <a:rPr lang="en-GB" dirty="0"/>
+              <a:t>Rodrigo </a:t>
+            </a:r>
+            <a:r>
+              <a:rPr lang="en-GB" dirty="0" err="1"/>
+              <a:t>Girão</a:t>
+            </a:r>
+            <a:r>
+              <a:rPr lang="en-GB" dirty="0"/>
+              <a:t> </a:t>
+            </a:r>
+            <a:r>
+              <a:rPr lang="en-GB" dirty="0" err="1"/>
+              <a:t>Serrão</a:t>
+            </a:r>
+            <a:endParaRPr lang="en-GB" dirty="0"/>
+          </a:p>
+        </p:txBody>
+      </p:sp>
+      <p:sp>
+        <p:nvSpPr>
+          <p:cNvPr id="4" name="Content Placeholder 3">
+            <a:extLst>
+              <a:ext uri="{FF2B5EF4-FFF2-40B4-BE49-F238E27FC236}">
+                <a16:creationId xmlns:a16="http://schemas.microsoft.com/office/drawing/2014/main" id="{5FB740D1-6116-46CC-8E22-DF7E1B66A40F}"/>
+              </a:ext>
+            </a:extLst>
+          </p:cNvPr>
+          <p:cNvSpPr>
+            <a:spLocks noGrp="1"/>
+          </p:cNvSpPr>
+          <p:nvPr>
+            <p:ph sz="quarter" idx="12"/>
+          </p:nvPr>
+        </p:nvSpPr>
+        <p:spPr/>
+        <p:txBody>
+          <a:bodyPr/>
+          <a:lstStyle/>
+          <a:p>
+            <a:endParaRPr lang="en-GB"/>
+          </a:p>
+        </p:txBody>
+      </p:sp>
+    </p:spTree>
+    <p:extLst>
+      <p:ext uri="{BB962C8B-B14F-4D97-AF65-F5344CB8AC3E}">
+        <p14:creationId xmlns:p14="http://schemas.microsoft.com/office/powerpoint/2010/main" val="456587329"/>
+      </p:ext>
+    </p:extLst>
+  </p:cSld>
+  <p:clrMapOvr>
+    <a:masterClrMapping/>
+  </p:clrMapOvr>
+</p:sld>
+</file>
+
+<file path=ppt/slides/slide33.xml><?xml version="1.0" encoding="utf-8"?>
+<p:sld xmlns:a="http://schemas.openxmlformats.org/drawingml/2006/main" xmlns:r="http://schemas.openxmlformats.org/officeDocument/2006/relationships" xmlns:p="http://schemas.openxmlformats.org/presentationml/2006/main">
+  <p:cSld>
+    <p:spTree>
+      <p:nvGrpSpPr>
+        <p:cNvPr id="1" name=""/>
+        <p:cNvGrpSpPr/>
+        <p:nvPr/>
+      </p:nvGrpSpPr>
+      <p:grpSpPr>
+        <a:xfrm>
+          <a:off x="0" y="0"/>
+          <a:ext cx="0" cy="0"/>
+          <a:chOff x="0" y="0"/>
+          <a:chExt cx="0" cy="0"/>
+        </a:xfrm>
+      </p:grpSpPr>
+      <p:sp>
+        <p:nvSpPr>
           <p:cNvPr id="4" name="Content Placeholder 3">
             <a:extLst>
               <a:ext uri="{FF2B5EF4-FFF2-40B4-BE49-F238E27FC236}">
@@ -15760,7 +19194,7 @@
 </p:sld>
 </file>
 
-<file path=ppt/slides/slide33.xml><?xml version="1.0" encoding="utf-8"?>
+<file path=ppt/slides/slide34.xml><?xml version="1.0" encoding="utf-8"?>
 <p:sld xmlns:a="http://schemas.openxmlformats.org/drawingml/2006/main" xmlns:r="http://schemas.openxmlformats.org/officeDocument/2006/relationships" xmlns:p="http://schemas.openxmlformats.org/presentationml/2006/main">
   <p:cSld>
     <p:spTree>
@@ -15978,7 +19412,7 @@
 </p:sld>
 </file>
 
-<file path=ppt/slides/slide34.xml><?xml version="1.0" encoding="utf-8"?>
+<file path=ppt/slides/slide35.xml><?xml version="1.0" encoding="utf-8"?>
 <p:sld xmlns:a="http://schemas.openxmlformats.org/drawingml/2006/main" xmlns:r="http://schemas.openxmlformats.org/officeDocument/2006/relationships" xmlns:p="http://schemas.openxmlformats.org/presentationml/2006/main">
   <p:cSld>
     <p:spTree>
@@ -16163,7 +19597,7 @@
 </p:sld>
 </file>
 
-<file path=ppt/slides/slide35.xml><?xml version="1.0" encoding="utf-8"?>
+<file path=ppt/slides/slide36.xml><?xml version="1.0" encoding="utf-8"?>
 <p:sld xmlns:a="http://schemas.openxmlformats.org/drawingml/2006/main" xmlns:r="http://schemas.openxmlformats.org/officeDocument/2006/relationships" xmlns:p="http://schemas.openxmlformats.org/presentationml/2006/main">
   <p:cSld>
     <p:spTree>
@@ -16518,7 +19952,7 @@
 </p:sld>
 </file>
 
-<file path=ppt/slides/slide36.xml><?xml version="1.0" encoding="utf-8"?>
+<file path=ppt/slides/slide37.xml><?xml version="1.0" encoding="utf-8"?>
 <p:sld xmlns:a="http://schemas.openxmlformats.org/drawingml/2006/main" xmlns:r="http://schemas.openxmlformats.org/officeDocument/2006/relationships" xmlns:p="http://schemas.openxmlformats.org/presentationml/2006/main">
   <p:cSld>
     <p:spTree>
@@ -16729,7 +20163,7 @@
 </p:sld>
 </file>
 
-<file path=ppt/slides/slide37.xml><?xml version="1.0" encoding="utf-8"?>
+<file path=ppt/slides/slide38.xml><?xml version="1.0" encoding="utf-8"?>
 <p:sld xmlns:a="http://schemas.openxmlformats.org/drawingml/2006/main" xmlns:r="http://schemas.openxmlformats.org/officeDocument/2006/relationships" xmlns:p="http://schemas.openxmlformats.org/presentationml/2006/main">
   <p:cSld>
     <p:spTree>
@@ -16868,6 +20302,139 @@
     <p:extLst>
       <p:ext uri="{BB962C8B-B14F-4D97-AF65-F5344CB8AC3E}">
         <p14:creationId xmlns:p14="http://schemas.microsoft.com/office/powerpoint/2010/main" val="2758702767"/>
+      </p:ext>
+    </p:extLst>
+  </p:cSld>
+  <p:clrMapOvr>
+    <a:masterClrMapping/>
+  </p:clrMapOvr>
+</p:sld>
+</file>
+
+<file path=ppt/slides/slide39.xml><?xml version="1.0" encoding="utf-8"?>
+<p:sld xmlns:a="http://schemas.openxmlformats.org/drawingml/2006/main" xmlns:r="http://schemas.openxmlformats.org/officeDocument/2006/relationships" xmlns:p="http://schemas.openxmlformats.org/presentationml/2006/main">
+  <p:cSld>
+    <p:spTree>
+      <p:nvGrpSpPr>
+        <p:cNvPr id="1" name=""/>
+        <p:cNvGrpSpPr/>
+        <p:nvPr/>
+      </p:nvGrpSpPr>
+      <p:grpSpPr>
+        <a:xfrm>
+          <a:off x="0" y="0"/>
+          <a:ext cx="0" cy="0"/>
+          <a:chOff x="0" y="0"/>
+          <a:chExt cx="0" cy="0"/>
+        </a:xfrm>
+      </p:grpSpPr>
+      <p:sp>
+        <p:nvSpPr>
+          <p:cNvPr id="2" name="Content Placeholder 1">
+            <a:extLst>
+              <a:ext uri="{FF2B5EF4-FFF2-40B4-BE49-F238E27FC236}">
+                <a16:creationId xmlns:a16="http://schemas.microsoft.com/office/drawing/2014/main" id="{8F47BE07-0CEE-43BC-8C08-C007CB82AA90}"/>
+              </a:ext>
+            </a:extLst>
+          </p:cNvPr>
+          <p:cNvSpPr>
+            <a:spLocks noGrp="1"/>
+          </p:cNvSpPr>
+          <p:nvPr>
+            <p:ph idx="10"/>
+          </p:nvPr>
+        </p:nvSpPr>
+        <p:spPr/>
+        <p:txBody>
+          <a:bodyPr/>
+          <a:lstStyle/>
+          <a:p>
+            <a:endParaRPr lang="en-GB"/>
+          </a:p>
+        </p:txBody>
+      </p:sp>
+      <p:sp>
+        <p:nvSpPr>
+          <p:cNvPr id="3" name="Content Placeholder 2">
+            <a:extLst>
+              <a:ext uri="{FF2B5EF4-FFF2-40B4-BE49-F238E27FC236}">
+                <a16:creationId xmlns:a16="http://schemas.microsoft.com/office/drawing/2014/main" id="{9A08C8BF-7A18-41AC-A600-272B73557DBB}"/>
+              </a:ext>
+            </a:extLst>
+          </p:cNvPr>
+          <p:cNvSpPr>
+            <a:spLocks noGrp="1"/>
+          </p:cNvSpPr>
+          <p:nvPr>
+            <p:ph idx="1"/>
+          </p:nvPr>
+        </p:nvSpPr>
+        <p:spPr/>
+        <p:txBody>
+          <a:bodyPr/>
+          <a:lstStyle/>
+          <a:p>
+            <a:endParaRPr lang="en-GB"/>
+          </a:p>
+        </p:txBody>
+      </p:sp>
+      <p:sp>
+        <p:nvSpPr>
+          <p:cNvPr id="4" name="Content Placeholder 3">
+            <a:extLst>
+              <a:ext uri="{FF2B5EF4-FFF2-40B4-BE49-F238E27FC236}">
+                <a16:creationId xmlns:a16="http://schemas.microsoft.com/office/drawing/2014/main" id="{4944705B-0064-4AA2-A729-07DAB70AC882}"/>
+              </a:ext>
+            </a:extLst>
+          </p:cNvPr>
+          <p:cNvSpPr>
+            <a:spLocks noGrp="1"/>
+          </p:cNvSpPr>
+          <p:nvPr>
+            <p:ph sz="quarter" idx="12"/>
+          </p:nvPr>
+        </p:nvSpPr>
+        <p:spPr/>
+        <p:txBody>
+          <a:bodyPr/>
+          <a:lstStyle/>
+          <a:p>
+            <a:endParaRPr lang="en-GB"/>
+          </a:p>
+        </p:txBody>
+      </p:sp>
+      <p:sp>
+        <p:nvSpPr>
+          <p:cNvPr id="5" name="Title 4">
+            <a:extLst>
+              <a:ext uri="{FF2B5EF4-FFF2-40B4-BE49-F238E27FC236}">
+                <a16:creationId xmlns:a16="http://schemas.microsoft.com/office/drawing/2014/main" id="{C659C117-6B46-47DB-8FD6-8AB896D4D3A7}"/>
+              </a:ext>
+            </a:extLst>
+          </p:cNvPr>
+          <p:cNvSpPr>
+            <a:spLocks noGrp="1"/>
+          </p:cNvSpPr>
+          <p:nvPr>
+            <p:ph type="title"/>
+          </p:nvPr>
+        </p:nvSpPr>
+        <p:spPr/>
+        <p:txBody>
+          <a:bodyPr/>
+          <a:lstStyle/>
+          <a:p>
+            <a:r>
+              <a:rPr lang="en-GB" dirty="0"/>
+              <a:t>Break</a:t>
+            </a:r>
+          </a:p>
+        </p:txBody>
+      </p:sp>
+    </p:spTree>
+    <p:extLst>
+      <p:ext uri="{BB962C8B-B14F-4D97-AF65-F5344CB8AC3E}">
+        <p14:creationId xmlns:p14="http://schemas.microsoft.com/office/powerpoint/2010/main" val="1739035859"/>
       </p:ext>
     </p:extLst>
   </p:cSld>
@@ -17906,6 +21473,2415 @@
 </p:sld>
 </file>
 
+<file path=ppt/slides/slide40.xml><?xml version="1.0" encoding="utf-8"?>
+<p:sld xmlns:a="http://schemas.openxmlformats.org/drawingml/2006/main" xmlns:r="http://schemas.openxmlformats.org/officeDocument/2006/relationships" xmlns:p="http://schemas.openxmlformats.org/presentationml/2006/main">
+  <p:cSld>
+    <p:spTree>
+      <p:nvGrpSpPr>
+        <p:cNvPr id="1" name=""/>
+        <p:cNvGrpSpPr/>
+        <p:nvPr/>
+      </p:nvGrpSpPr>
+      <p:grpSpPr>
+        <a:xfrm>
+          <a:off x="0" y="0"/>
+          <a:ext cx="0" cy="0"/>
+          <a:chOff x="0" y="0"/>
+          <a:chExt cx="0" cy="0"/>
+        </a:xfrm>
+      </p:grpSpPr>
+      <p:sp>
+        <p:nvSpPr>
+          <p:cNvPr id="2" name="Content Placeholder 1">
+            <a:extLst>
+              <a:ext uri="{FF2B5EF4-FFF2-40B4-BE49-F238E27FC236}">
+                <a16:creationId xmlns:a16="http://schemas.microsoft.com/office/drawing/2014/main" id="{AD7A9D09-2F55-417F-9458-C98CD281D714}"/>
+              </a:ext>
+            </a:extLst>
+          </p:cNvPr>
+          <p:cNvSpPr>
+            <a:spLocks noGrp="1"/>
+          </p:cNvSpPr>
+          <p:nvPr>
+            <p:ph idx="10"/>
+          </p:nvPr>
+        </p:nvSpPr>
+        <p:spPr/>
+        <p:txBody>
+          <a:bodyPr/>
+          <a:lstStyle/>
+          <a:p>
+            <a:endParaRPr lang="en-GB"/>
+          </a:p>
+        </p:txBody>
+      </p:sp>
+      <p:graphicFrame>
+        <p:nvGraphicFramePr>
+          <p:cNvPr id="8" name="Content Placeholder 7">
+            <a:extLst>
+              <a:ext uri="{FF2B5EF4-FFF2-40B4-BE49-F238E27FC236}">
+                <a16:creationId xmlns:a16="http://schemas.microsoft.com/office/drawing/2014/main" id="{D73F372D-4DD1-40FA-BC27-57AC2DD58275}"/>
+              </a:ext>
+            </a:extLst>
+          </p:cNvPr>
+          <p:cNvGraphicFramePr>
+            <a:graphicFrameLocks noGrp="1"/>
+          </p:cNvGraphicFramePr>
+          <p:nvPr>
+            <p:ph idx="1"/>
+            <p:extLst>
+              <p:ext uri="{D42A27DB-BD31-4B8C-83A1-F6EECF244321}">
+                <p14:modId xmlns:p14="http://schemas.microsoft.com/office/powerpoint/2010/main" val="326249788"/>
+              </p:ext>
+            </p:extLst>
+          </p:nvPr>
+        </p:nvGraphicFramePr>
+        <p:xfrm>
+          <a:off x="1752600" y="1265239"/>
+          <a:ext cx="4664075" cy="2138362"/>
+        </p:xfrm>
+        <a:graphic>
+          <a:graphicData uri="http://schemas.openxmlformats.org/drawingml/2006/chart">
+            <c:chart xmlns:c="http://schemas.openxmlformats.org/drawingml/2006/chart" xmlns:r="http://schemas.openxmlformats.org/officeDocument/2006/relationships" r:id="rId2"/>
+          </a:graphicData>
+        </a:graphic>
+      </p:graphicFrame>
+      <p:sp>
+        <p:nvSpPr>
+          <p:cNvPr id="4" name="Content Placeholder 3">
+            <a:extLst>
+              <a:ext uri="{FF2B5EF4-FFF2-40B4-BE49-F238E27FC236}">
+                <a16:creationId xmlns:a16="http://schemas.microsoft.com/office/drawing/2014/main" id="{2592A6AD-77BB-45AD-A0F4-0B096C2BBE74}"/>
+              </a:ext>
+            </a:extLst>
+          </p:cNvPr>
+          <p:cNvSpPr>
+            <a:spLocks noGrp="1"/>
+          </p:cNvSpPr>
+          <p:nvPr>
+            <p:ph sz="quarter" idx="12"/>
+          </p:nvPr>
+        </p:nvSpPr>
+        <p:spPr/>
+        <p:txBody>
+          <a:bodyPr/>
+          <a:lstStyle/>
+          <a:p>
+            <a:endParaRPr lang="en-GB"/>
+          </a:p>
+        </p:txBody>
+      </p:sp>
+      <p:sp>
+        <p:nvSpPr>
+          <p:cNvPr id="5" name="Title 4">
+            <a:extLst>
+              <a:ext uri="{FF2B5EF4-FFF2-40B4-BE49-F238E27FC236}">
+                <a16:creationId xmlns:a16="http://schemas.microsoft.com/office/drawing/2014/main" id="{CEB5F61B-6CCF-4758-BC6B-E1AAC09FC823}"/>
+              </a:ext>
+            </a:extLst>
+          </p:cNvPr>
+          <p:cNvSpPr>
+            <a:spLocks noGrp="1"/>
+          </p:cNvSpPr>
+          <p:nvPr>
+            <p:ph type="title"/>
+          </p:nvPr>
+        </p:nvSpPr>
+        <p:spPr/>
+        <p:txBody>
+          <a:bodyPr/>
+          <a:lstStyle/>
+          <a:p>
+            <a:r>
+              <a:rPr lang="en-GB" dirty="0"/>
+              <a:t>Performance</a:t>
+            </a:r>
+          </a:p>
+        </p:txBody>
+      </p:sp>
+      <p:sp>
+        <p:nvSpPr>
+          <p:cNvPr id="9" name="TextBox 8">
+            <a:extLst>
+              <a:ext uri="{FF2B5EF4-FFF2-40B4-BE49-F238E27FC236}">
+                <a16:creationId xmlns:a16="http://schemas.microsoft.com/office/drawing/2014/main" id="{E1E4EA88-FFF5-4121-9819-3360F28F5095}"/>
+              </a:ext>
+            </a:extLst>
+          </p:cNvPr>
+          <p:cNvSpPr txBox="1"/>
+          <p:nvPr/>
+        </p:nvSpPr>
+        <p:spPr>
+          <a:xfrm rot="16200000">
+            <a:off x="1178547" y="2253748"/>
+            <a:ext cx="1652794" cy="461665"/>
+          </a:xfrm>
+          <a:prstGeom prst="rect">
+            <a:avLst/>
+          </a:prstGeom>
+          <a:noFill/>
+        </p:spPr>
+        <p:txBody>
+          <a:bodyPr wrap="square" rtlCol="0">
+            <a:spAutoFit/>
+          </a:bodyPr>
+          <a:lstStyle/>
+          <a:p>
+            <a:r>
+              <a:rPr lang="en-GB" sz="2400" cap="small" dirty="0">
+                <a:solidFill>
+                  <a:schemeClr val="bg1"/>
+                </a:solidFill>
+                <a:latin typeface="Sarabun" panose="00000500000000000000" pitchFamily="2" charset="-34"/>
+                <a:cs typeface="Sarabun" panose="00000500000000000000" pitchFamily="2" charset="-34"/>
+              </a:rPr>
+              <a:t>memory</a:t>
+            </a:r>
+            <a:r>
+              <a:rPr lang="en-GB" sz="2400" dirty="0">
+                <a:solidFill>
+                  <a:schemeClr val="bg1"/>
+                </a:solidFill>
+                <a:latin typeface="Sarabun" panose="00000500000000000000" pitchFamily="2" charset="-34"/>
+                <a:cs typeface="Sarabun" panose="00000500000000000000" pitchFamily="2" charset="-34"/>
+              </a:rPr>
+              <a:t> </a:t>
+            </a:r>
+            <a:r>
+              <a:rPr lang="en-GB" sz="2400" b="1" dirty="0">
+                <a:solidFill>
+                  <a:schemeClr val="bg1"/>
+                </a:solidFill>
+                <a:latin typeface="Sarabun" panose="00000500000000000000" pitchFamily="2" charset="-34"/>
+                <a:cs typeface="Sarabun" panose="00000500000000000000" pitchFamily="2" charset="-34"/>
+              </a:rPr>
+              <a:t>→</a:t>
+            </a:r>
+          </a:p>
+        </p:txBody>
+      </p:sp>
+      <p:sp>
+        <p:nvSpPr>
+          <p:cNvPr id="10" name="TextBox 9">
+            <a:extLst>
+              <a:ext uri="{FF2B5EF4-FFF2-40B4-BE49-F238E27FC236}">
+                <a16:creationId xmlns:a16="http://schemas.microsoft.com/office/drawing/2014/main" id="{A13C1FC7-B638-40EB-9163-ECD8ED92AE4E}"/>
+              </a:ext>
+            </a:extLst>
+          </p:cNvPr>
+          <p:cNvSpPr txBox="1"/>
+          <p:nvPr/>
+        </p:nvSpPr>
+        <p:spPr>
+          <a:xfrm>
+            <a:off x="5208104" y="2849313"/>
+            <a:ext cx="1105232" cy="461665"/>
+          </a:xfrm>
+          <a:prstGeom prst="rect">
+            <a:avLst/>
+          </a:prstGeom>
+          <a:noFill/>
+        </p:spPr>
+        <p:txBody>
+          <a:bodyPr wrap="square" rtlCol="0">
+            <a:spAutoFit/>
+          </a:bodyPr>
+          <a:lstStyle/>
+          <a:p>
+            <a:pPr algn="r"/>
+            <a:r>
+              <a:rPr lang="en-GB" sz="2400" cap="small" dirty="0">
+                <a:solidFill>
+                  <a:schemeClr val="bg1"/>
+                </a:solidFill>
+                <a:latin typeface="Sarabun" panose="00000500000000000000" pitchFamily="2" charset="-34"/>
+                <a:cs typeface="Sarabun" panose="00000500000000000000" pitchFamily="2" charset="-34"/>
+              </a:rPr>
+              <a:t>time</a:t>
+            </a:r>
+            <a:r>
+              <a:rPr lang="en-GB" sz="2400" dirty="0">
+                <a:solidFill>
+                  <a:schemeClr val="bg1"/>
+                </a:solidFill>
+                <a:latin typeface="Sarabun" panose="00000500000000000000" pitchFamily="2" charset="-34"/>
+                <a:cs typeface="Sarabun" panose="00000500000000000000" pitchFamily="2" charset="-34"/>
+              </a:rPr>
+              <a:t> </a:t>
+            </a:r>
+            <a:r>
+              <a:rPr lang="en-GB" sz="2400" b="1" dirty="0">
+                <a:solidFill>
+                  <a:schemeClr val="bg1"/>
+                </a:solidFill>
+                <a:latin typeface="Sarabun" panose="00000500000000000000" pitchFamily="2" charset="-34"/>
+                <a:cs typeface="Sarabun" panose="00000500000000000000" pitchFamily="2" charset="-34"/>
+              </a:rPr>
+              <a:t>→</a:t>
+            </a:r>
+          </a:p>
+        </p:txBody>
+      </p:sp>
+    </p:spTree>
+    <p:extLst>
+      <p:ext uri="{BB962C8B-B14F-4D97-AF65-F5344CB8AC3E}">
+        <p14:creationId xmlns:p14="http://schemas.microsoft.com/office/powerpoint/2010/main" val="364367661"/>
+      </p:ext>
+    </p:extLst>
+  </p:cSld>
+  <p:clrMapOvr>
+    <a:masterClrMapping/>
+  </p:clrMapOvr>
+</p:sld>
+</file>
+
+<file path=ppt/slides/slide41.xml><?xml version="1.0" encoding="utf-8"?>
+<p:sld xmlns:a="http://schemas.openxmlformats.org/drawingml/2006/main" xmlns:r="http://schemas.openxmlformats.org/officeDocument/2006/relationships" xmlns:p="http://schemas.openxmlformats.org/presentationml/2006/main">
+  <p:cSld>
+    <p:spTree>
+      <p:nvGrpSpPr>
+        <p:cNvPr id="1" name=""/>
+        <p:cNvGrpSpPr/>
+        <p:nvPr/>
+      </p:nvGrpSpPr>
+      <p:grpSpPr>
+        <a:xfrm>
+          <a:off x="0" y="0"/>
+          <a:ext cx="0" cy="0"/>
+          <a:chOff x="0" y="0"/>
+          <a:chExt cx="0" cy="0"/>
+        </a:xfrm>
+      </p:grpSpPr>
+      <p:sp>
+        <p:nvSpPr>
+          <p:cNvPr id="2" name="Content Placeholder 1">
+            <a:extLst>
+              <a:ext uri="{FF2B5EF4-FFF2-40B4-BE49-F238E27FC236}">
+                <a16:creationId xmlns:a16="http://schemas.microsoft.com/office/drawing/2014/main" id="{AD7A9D09-2F55-417F-9458-C98CD281D714}"/>
+              </a:ext>
+            </a:extLst>
+          </p:cNvPr>
+          <p:cNvSpPr>
+            <a:spLocks noGrp="1"/>
+          </p:cNvSpPr>
+          <p:nvPr>
+            <p:ph idx="10"/>
+          </p:nvPr>
+        </p:nvSpPr>
+        <p:spPr/>
+        <p:txBody>
+          <a:bodyPr/>
+          <a:lstStyle/>
+          <a:p>
+            <a:endParaRPr lang="en-GB"/>
+          </a:p>
+        </p:txBody>
+      </p:sp>
+      <p:graphicFrame>
+        <p:nvGraphicFramePr>
+          <p:cNvPr id="8" name="Content Placeholder 7">
+            <a:extLst>
+              <a:ext uri="{FF2B5EF4-FFF2-40B4-BE49-F238E27FC236}">
+                <a16:creationId xmlns:a16="http://schemas.microsoft.com/office/drawing/2014/main" id="{D73F372D-4DD1-40FA-BC27-57AC2DD58275}"/>
+              </a:ext>
+            </a:extLst>
+          </p:cNvPr>
+          <p:cNvGraphicFramePr>
+            <a:graphicFrameLocks noGrp="1"/>
+          </p:cNvGraphicFramePr>
+          <p:nvPr>
+            <p:ph idx="1"/>
+          </p:nvPr>
+        </p:nvGraphicFramePr>
+        <p:xfrm>
+          <a:off x="1752600" y="1265239"/>
+          <a:ext cx="4664075" cy="2138362"/>
+        </p:xfrm>
+        <a:graphic>
+          <a:graphicData uri="http://schemas.openxmlformats.org/drawingml/2006/chart">
+            <c:chart xmlns:c="http://schemas.openxmlformats.org/drawingml/2006/chart" xmlns:r="http://schemas.openxmlformats.org/officeDocument/2006/relationships" r:id="rId2"/>
+          </a:graphicData>
+        </a:graphic>
+      </p:graphicFrame>
+      <p:sp>
+        <p:nvSpPr>
+          <p:cNvPr id="4" name="Content Placeholder 3">
+            <a:extLst>
+              <a:ext uri="{FF2B5EF4-FFF2-40B4-BE49-F238E27FC236}">
+                <a16:creationId xmlns:a16="http://schemas.microsoft.com/office/drawing/2014/main" id="{2592A6AD-77BB-45AD-A0F4-0B096C2BBE74}"/>
+              </a:ext>
+            </a:extLst>
+          </p:cNvPr>
+          <p:cNvSpPr>
+            <a:spLocks noGrp="1"/>
+          </p:cNvSpPr>
+          <p:nvPr>
+            <p:ph sz="quarter" idx="12"/>
+          </p:nvPr>
+        </p:nvSpPr>
+        <p:spPr/>
+        <p:txBody>
+          <a:bodyPr/>
+          <a:lstStyle/>
+          <a:p>
+            <a:endParaRPr lang="en-GB"/>
+          </a:p>
+        </p:txBody>
+      </p:sp>
+      <p:sp>
+        <p:nvSpPr>
+          <p:cNvPr id="5" name="Title 4">
+            <a:extLst>
+              <a:ext uri="{FF2B5EF4-FFF2-40B4-BE49-F238E27FC236}">
+                <a16:creationId xmlns:a16="http://schemas.microsoft.com/office/drawing/2014/main" id="{CEB5F61B-6CCF-4758-BC6B-E1AAC09FC823}"/>
+              </a:ext>
+            </a:extLst>
+          </p:cNvPr>
+          <p:cNvSpPr>
+            <a:spLocks noGrp="1"/>
+          </p:cNvSpPr>
+          <p:nvPr>
+            <p:ph type="title"/>
+          </p:nvPr>
+        </p:nvSpPr>
+        <p:spPr/>
+        <p:txBody>
+          <a:bodyPr/>
+          <a:lstStyle/>
+          <a:p>
+            <a:r>
+              <a:rPr lang="en-GB" dirty="0"/>
+              <a:t>Performance</a:t>
+            </a:r>
+          </a:p>
+        </p:txBody>
+      </p:sp>
+      <p:sp>
+        <p:nvSpPr>
+          <p:cNvPr id="9" name="TextBox 8">
+            <a:extLst>
+              <a:ext uri="{FF2B5EF4-FFF2-40B4-BE49-F238E27FC236}">
+                <a16:creationId xmlns:a16="http://schemas.microsoft.com/office/drawing/2014/main" id="{E1E4EA88-FFF5-4121-9819-3360F28F5095}"/>
+              </a:ext>
+            </a:extLst>
+          </p:cNvPr>
+          <p:cNvSpPr txBox="1"/>
+          <p:nvPr/>
+        </p:nvSpPr>
+        <p:spPr>
+          <a:xfrm rot="16200000">
+            <a:off x="1178547" y="2253748"/>
+            <a:ext cx="1652794" cy="461665"/>
+          </a:xfrm>
+          <a:prstGeom prst="rect">
+            <a:avLst/>
+          </a:prstGeom>
+          <a:noFill/>
+        </p:spPr>
+        <p:txBody>
+          <a:bodyPr wrap="square" rtlCol="0">
+            <a:spAutoFit/>
+          </a:bodyPr>
+          <a:lstStyle/>
+          <a:p>
+            <a:r>
+              <a:rPr lang="en-GB" sz="2400" cap="small" dirty="0">
+                <a:solidFill>
+                  <a:schemeClr val="bg1"/>
+                </a:solidFill>
+                <a:latin typeface="Sarabun" panose="00000500000000000000" pitchFamily="2" charset="-34"/>
+                <a:cs typeface="Sarabun" panose="00000500000000000000" pitchFamily="2" charset="-34"/>
+              </a:rPr>
+              <a:t>memory</a:t>
+            </a:r>
+            <a:r>
+              <a:rPr lang="en-GB" sz="2400" dirty="0">
+                <a:solidFill>
+                  <a:schemeClr val="bg1"/>
+                </a:solidFill>
+                <a:latin typeface="Sarabun" panose="00000500000000000000" pitchFamily="2" charset="-34"/>
+                <a:cs typeface="Sarabun" panose="00000500000000000000" pitchFamily="2" charset="-34"/>
+              </a:rPr>
+              <a:t> </a:t>
+            </a:r>
+            <a:r>
+              <a:rPr lang="en-GB" sz="2400" b="1" dirty="0">
+                <a:solidFill>
+                  <a:schemeClr val="bg1"/>
+                </a:solidFill>
+                <a:latin typeface="Sarabun" panose="00000500000000000000" pitchFamily="2" charset="-34"/>
+                <a:cs typeface="Sarabun" panose="00000500000000000000" pitchFamily="2" charset="-34"/>
+              </a:rPr>
+              <a:t>→</a:t>
+            </a:r>
+          </a:p>
+        </p:txBody>
+      </p:sp>
+      <p:sp>
+        <p:nvSpPr>
+          <p:cNvPr id="10" name="TextBox 9">
+            <a:extLst>
+              <a:ext uri="{FF2B5EF4-FFF2-40B4-BE49-F238E27FC236}">
+                <a16:creationId xmlns:a16="http://schemas.microsoft.com/office/drawing/2014/main" id="{A13C1FC7-B638-40EB-9163-ECD8ED92AE4E}"/>
+              </a:ext>
+            </a:extLst>
+          </p:cNvPr>
+          <p:cNvSpPr txBox="1"/>
+          <p:nvPr/>
+        </p:nvSpPr>
+        <p:spPr>
+          <a:xfrm>
+            <a:off x="5208104" y="2849313"/>
+            <a:ext cx="1105232" cy="461665"/>
+          </a:xfrm>
+          <a:prstGeom prst="rect">
+            <a:avLst/>
+          </a:prstGeom>
+          <a:noFill/>
+        </p:spPr>
+        <p:txBody>
+          <a:bodyPr wrap="square" rtlCol="0">
+            <a:spAutoFit/>
+          </a:bodyPr>
+          <a:lstStyle/>
+          <a:p>
+            <a:pPr algn="r"/>
+            <a:r>
+              <a:rPr lang="en-GB" sz="2400" cap="small" dirty="0">
+                <a:solidFill>
+                  <a:schemeClr val="bg1"/>
+                </a:solidFill>
+                <a:latin typeface="Sarabun" panose="00000500000000000000" pitchFamily="2" charset="-34"/>
+                <a:cs typeface="Sarabun" panose="00000500000000000000" pitchFamily="2" charset="-34"/>
+              </a:rPr>
+              <a:t>time</a:t>
+            </a:r>
+            <a:r>
+              <a:rPr lang="en-GB" sz="2400" dirty="0">
+                <a:solidFill>
+                  <a:schemeClr val="bg1"/>
+                </a:solidFill>
+                <a:latin typeface="Sarabun" panose="00000500000000000000" pitchFamily="2" charset="-34"/>
+                <a:cs typeface="Sarabun" panose="00000500000000000000" pitchFamily="2" charset="-34"/>
+              </a:rPr>
+              <a:t> </a:t>
+            </a:r>
+            <a:r>
+              <a:rPr lang="en-GB" sz="2400" b="1" dirty="0">
+                <a:solidFill>
+                  <a:schemeClr val="bg1"/>
+                </a:solidFill>
+                <a:latin typeface="Sarabun" panose="00000500000000000000" pitchFamily="2" charset="-34"/>
+                <a:cs typeface="Sarabun" panose="00000500000000000000" pitchFamily="2" charset="-34"/>
+              </a:rPr>
+              <a:t>→</a:t>
+            </a:r>
+          </a:p>
+        </p:txBody>
+      </p:sp>
+      <p:sp>
+        <p:nvSpPr>
+          <p:cNvPr id="3" name="TextBox 2">
+            <a:extLst>
+              <a:ext uri="{FF2B5EF4-FFF2-40B4-BE49-F238E27FC236}">
+                <a16:creationId xmlns:a16="http://schemas.microsoft.com/office/drawing/2014/main" id="{84E8AAAB-B7A6-453B-AC20-1232411B55B5}"/>
+              </a:ext>
+            </a:extLst>
+          </p:cNvPr>
+          <p:cNvSpPr txBox="1"/>
+          <p:nvPr/>
+        </p:nvSpPr>
+        <p:spPr>
+          <a:xfrm>
+            <a:off x="978010" y="1280827"/>
+            <a:ext cx="1844703" cy="369332"/>
+          </a:xfrm>
+          <a:prstGeom prst="rect">
+            <a:avLst/>
+          </a:prstGeom>
+          <a:noFill/>
+        </p:spPr>
+        <p:txBody>
+          <a:bodyPr wrap="square" rtlCol="0">
+            <a:spAutoFit/>
+          </a:bodyPr>
+          <a:lstStyle/>
+          <a:p>
+            <a:r>
+              <a:rPr lang="en-GB" dirty="0">
+                <a:latin typeface="APL386 Unicode" panose="020B0709000202000203" pitchFamily="50" charset="0"/>
+              </a:rPr>
+              <a:t>]</a:t>
+            </a:r>
+            <a:r>
+              <a:rPr lang="en-GB" dirty="0" err="1">
+                <a:latin typeface="APL386 Unicode" panose="020B0709000202000203" pitchFamily="50" charset="0"/>
+              </a:rPr>
+              <a:t>SpaceNeeded</a:t>
+            </a:r>
+            <a:endParaRPr lang="en-GB" dirty="0">
+              <a:latin typeface="APL386 Unicode" panose="020B0709000202000203" pitchFamily="50" charset="0"/>
+            </a:endParaRPr>
+          </a:p>
+        </p:txBody>
+      </p:sp>
+    </p:spTree>
+    <p:extLst>
+      <p:ext uri="{BB962C8B-B14F-4D97-AF65-F5344CB8AC3E}">
+        <p14:creationId xmlns:p14="http://schemas.microsoft.com/office/powerpoint/2010/main" val="1181302012"/>
+      </p:ext>
+    </p:extLst>
+  </p:cSld>
+  <p:clrMapOvr>
+    <a:masterClrMapping/>
+  </p:clrMapOvr>
+</p:sld>
+</file>
+
+<file path=ppt/slides/slide42.xml><?xml version="1.0" encoding="utf-8"?>
+<p:sld xmlns:a="http://schemas.openxmlformats.org/drawingml/2006/main" xmlns:r="http://schemas.openxmlformats.org/officeDocument/2006/relationships" xmlns:p="http://schemas.openxmlformats.org/presentationml/2006/main">
+  <p:cSld>
+    <p:spTree>
+      <p:nvGrpSpPr>
+        <p:cNvPr id="1" name=""/>
+        <p:cNvGrpSpPr/>
+        <p:nvPr/>
+      </p:nvGrpSpPr>
+      <p:grpSpPr>
+        <a:xfrm>
+          <a:off x="0" y="0"/>
+          <a:ext cx="0" cy="0"/>
+          <a:chOff x="0" y="0"/>
+          <a:chExt cx="0" cy="0"/>
+        </a:xfrm>
+      </p:grpSpPr>
+      <p:sp>
+        <p:nvSpPr>
+          <p:cNvPr id="2" name="Content Placeholder 1">
+            <a:extLst>
+              <a:ext uri="{FF2B5EF4-FFF2-40B4-BE49-F238E27FC236}">
+                <a16:creationId xmlns:a16="http://schemas.microsoft.com/office/drawing/2014/main" id="{AD7A9D09-2F55-417F-9458-C98CD281D714}"/>
+              </a:ext>
+            </a:extLst>
+          </p:cNvPr>
+          <p:cNvSpPr>
+            <a:spLocks noGrp="1"/>
+          </p:cNvSpPr>
+          <p:nvPr>
+            <p:ph idx="10"/>
+          </p:nvPr>
+        </p:nvSpPr>
+        <p:spPr/>
+        <p:txBody>
+          <a:bodyPr/>
+          <a:lstStyle/>
+          <a:p>
+            <a:endParaRPr lang="en-GB"/>
+          </a:p>
+        </p:txBody>
+      </p:sp>
+      <p:graphicFrame>
+        <p:nvGraphicFramePr>
+          <p:cNvPr id="8" name="Content Placeholder 7">
+            <a:extLst>
+              <a:ext uri="{FF2B5EF4-FFF2-40B4-BE49-F238E27FC236}">
+                <a16:creationId xmlns:a16="http://schemas.microsoft.com/office/drawing/2014/main" id="{D73F372D-4DD1-40FA-BC27-57AC2DD58275}"/>
+              </a:ext>
+            </a:extLst>
+          </p:cNvPr>
+          <p:cNvGraphicFramePr>
+            <a:graphicFrameLocks noGrp="1"/>
+          </p:cNvGraphicFramePr>
+          <p:nvPr>
+            <p:ph idx="1"/>
+          </p:nvPr>
+        </p:nvGraphicFramePr>
+        <p:xfrm>
+          <a:off x="1752600" y="1265239"/>
+          <a:ext cx="4664075" cy="2138362"/>
+        </p:xfrm>
+        <a:graphic>
+          <a:graphicData uri="http://schemas.openxmlformats.org/drawingml/2006/chart">
+            <c:chart xmlns:c="http://schemas.openxmlformats.org/drawingml/2006/chart" xmlns:r="http://schemas.openxmlformats.org/officeDocument/2006/relationships" r:id="rId2"/>
+          </a:graphicData>
+        </a:graphic>
+      </p:graphicFrame>
+      <p:sp>
+        <p:nvSpPr>
+          <p:cNvPr id="4" name="Content Placeholder 3">
+            <a:extLst>
+              <a:ext uri="{FF2B5EF4-FFF2-40B4-BE49-F238E27FC236}">
+                <a16:creationId xmlns:a16="http://schemas.microsoft.com/office/drawing/2014/main" id="{2592A6AD-77BB-45AD-A0F4-0B096C2BBE74}"/>
+              </a:ext>
+            </a:extLst>
+          </p:cNvPr>
+          <p:cNvSpPr>
+            <a:spLocks noGrp="1"/>
+          </p:cNvSpPr>
+          <p:nvPr>
+            <p:ph sz="quarter" idx="12"/>
+          </p:nvPr>
+        </p:nvSpPr>
+        <p:spPr/>
+        <p:txBody>
+          <a:bodyPr/>
+          <a:lstStyle/>
+          <a:p>
+            <a:endParaRPr lang="en-GB"/>
+          </a:p>
+        </p:txBody>
+      </p:sp>
+      <p:sp>
+        <p:nvSpPr>
+          <p:cNvPr id="5" name="Title 4">
+            <a:extLst>
+              <a:ext uri="{FF2B5EF4-FFF2-40B4-BE49-F238E27FC236}">
+                <a16:creationId xmlns:a16="http://schemas.microsoft.com/office/drawing/2014/main" id="{CEB5F61B-6CCF-4758-BC6B-E1AAC09FC823}"/>
+              </a:ext>
+            </a:extLst>
+          </p:cNvPr>
+          <p:cNvSpPr>
+            <a:spLocks noGrp="1"/>
+          </p:cNvSpPr>
+          <p:nvPr>
+            <p:ph type="title"/>
+          </p:nvPr>
+        </p:nvSpPr>
+        <p:spPr/>
+        <p:txBody>
+          <a:bodyPr/>
+          <a:lstStyle/>
+          <a:p>
+            <a:r>
+              <a:rPr lang="en-GB" dirty="0"/>
+              <a:t>Performance</a:t>
+            </a:r>
+          </a:p>
+        </p:txBody>
+      </p:sp>
+      <p:sp>
+        <p:nvSpPr>
+          <p:cNvPr id="9" name="TextBox 8">
+            <a:extLst>
+              <a:ext uri="{FF2B5EF4-FFF2-40B4-BE49-F238E27FC236}">
+                <a16:creationId xmlns:a16="http://schemas.microsoft.com/office/drawing/2014/main" id="{E1E4EA88-FFF5-4121-9819-3360F28F5095}"/>
+              </a:ext>
+            </a:extLst>
+          </p:cNvPr>
+          <p:cNvSpPr txBox="1"/>
+          <p:nvPr/>
+        </p:nvSpPr>
+        <p:spPr>
+          <a:xfrm rot="16200000">
+            <a:off x="1178547" y="2253748"/>
+            <a:ext cx="1652794" cy="461665"/>
+          </a:xfrm>
+          <a:prstGeom prst="rect">
+            <a:avLst/>
+          </a:prstGeom>
+          <a:noFill/>
+        </p:spPr>
+        <p:txBody>
+          <a:bodyPr wrap="square" rtlCol="0">
+            <a:spAutoFit/>
+          </a:bodyPr>
+          <a:lstStyle/>
+          <a:p>
+            <a:r>
+              <a:rPr lang="en-GB" sz="2400" cap="small" dirty="0">
+                <a:solidFill>
+                  <a:schemeClr val="bg1"/>
+                </a:solidFill>
+                <a:latin typeface="Sarabun" panose="00000500000000000000" pitchFamily="2" charset="-34"/>
+                <a:cs typeface="Sarabun" panose="00000500000000000000" pitchFamily="2" charset="-34"/>
+              </a:rPr>
+              <a:t>memory</a:t>
+            </a:r>
+            <a:r>
+              <a:rPr lang="en-GB" sz="2400" dirty="0">
+                <a:solidFill>
+                  <a:schemeClr val="bg1"/>
+                </a:solidFill>
+                <a:latin typeface="Sarabun" panose="00000500000000000000" pitchFamily="2" charset="-34"/>
+                <a:cs typeface="Sarabun" panose="00000500000000000000" pitchFamily="2" charset="-34"/>
+              </a:rPr>
+              <a:t> </a:t>
+            </a:r>
+            <a:r>
+              <a:rPr lang="en-GB" sz="2400" b="1" dirty="0">
+                <a:solidFill>
+                  <a:schemeClr val="bg1"/>
+                </a:solidFill>
+                <a:latin typeface="Sarabun" panose="00000500000000000000" pitchFamily="2" charset="-34"/>
+                <a:cs typeface="Sarabun" panose="00000500000000000000" pitchFamily="2" charset="-34"/>
+              </a:rPr>
+              <a:t>→</a:t>
+            </a:r>
+          </a:p>
+        </p:txBody>
+      </p:sp>
+      <p:sp>
+        <p:nvSpPr>
+          <p:cNvPr id="10" name="TextBox 9">
+            <a:extLst>
+              <a:ext uri="{FF2B5EF4-FFF2-40B4-BE49-F238E27FC236}">
+                <a16:creationId xmlns:a16="http://schemas.microsoft.com/office/drawing/2014/main" id="{A13C1FC7-B638-40EB-9163-ECD8ED92AE4E}"/>
+              </a:ext>
+            </a:extLst>
+          </p:cNvPr>
+          <p:cNvSpPr txBox="1"/>
+          <p:nvPr/>
+        </p:nvSpPr>
+        <p:spPr>
+          <a:xfrm>
+            <a:off x="5208104" y="2849313"/>
+            <a:ext cx="1105232" cy="461665"/>
+          </a:xfrm>
+          <a:prstGeom prst="rect">
+            <a:avLst/>
+          </a:prstGeom>
+          <a:noFill/>
+        </p:spPr>
+        <p:txBody>
+          <a:bodyPr wrap="square" rtlCol="0">
+            <a:spAutoFit/>
+          </a:bodyPr>
+          <a:lstStyle/>
+          <a:p>
+            <a:pPr algn="r"/>
+            <a:r>
+              <a:rPr lang="en-GB" sz="2400" cap="small" dirty="0">
+                <a:solidFill>
+                  <a:schemeClr val="bg1"/>
+                </a:solidFill>
+                <a:latin typeface="Sarabun" panose="00000500000000000000" pitchFamily="2" charset="-34"/>
+                <a:cs typeface="Sarabun" panose="00000500000000000000" pitchFamily="2" charset="-34"/>
+              </a:rPr>
+              <a:t>time</a:t>
+            </a:r>
+            <a:r>
+              <a:rPr lang="en-GB" sz="2400" dirty="0">
+                <a:solidFill>
+                  <a:schemeClr val="bg1"/>
+                </a:solidFill>
+                <a:latin typeface="Sarabun" panose="00000500000000000000" pitchFamily="2" charset="-34"/>
+                <a:cs typeface="Sarabun" panose="00000500000000000000" pitchFamily="2" charset="-34"/>
+              </a:rPr>
+              <a:t> </a:t>
+            </a:r>
+            <a:r>
+              <a:rPr lang="en-GB" sz="2400" b="1" dirty="0">
+                <a:solidFill>
+                  <a:schemeClr val="bg1"/>
+                </a:solidFill>
+                <a:latin typeface="Sarabun" panose="00000500000000000000" pitchFamily="2" charset="-34"/>
+                <a:cs typeface="Sarabun" panose="00000500000000000000" pitchFamily="2" charset="-34"/>
+              </a:rPr>
+              <a:t>→</a:t>
+            </a:r>
+          </a:p>
+        </p:txBody>
+      </p:sp>
+      <p:sp>
+        <p:nvSpPr>
+          <p:cNvPr id="3" name="TextBox 2">
+            <a:extLst>
+              <a:ext uri="{FF2B5EF4-FFF2-40B4-BE49-F238E27FC236}">
+                <a16:creationId xmlns:a16="http://schemas.microsoft.com/office/drawing/2014/main" id="{84E8AAAB-B7A6-453B-AC20-1232411B55B5}"/>
+              </a:ext>
+            </a:extLst>
+          </p:cNvPr>
+          <p:cNvSpPr txBox="1"/>
+          <p:nvPr/>
+        </p:nvSpPr>
+        <p:spPr>
+          <a:xfrm>
+            <a:off x="978010" y="1280827"/>
+            <a:ext cx="1844703" cy="369332"/>
+          </a:xfrm>
+          <a:prstGeom prst="rect">
+            <a:avLst/>
+          </a:prstGeom>
+          <a:noFill/>
+        </p:spPr>
+        <p:txBody>
+          <a:bodyPr wrap="square" rtlCol="0">
+            <a:spAutoFit/>
+          </a:bodyPr>
+          <a:lstStyle/>
+          <a:p>
+            <a:r>
+              <a:rPr lang="en-GB" dirty="0">
+                <a:latin typeface="APL386 Unicode" panose="020B0709000202000203" pitchFamily="50" charset="0"/>
+              </a:rPr>
+              <a:t>]</a:t>
+            </a:r>
+            <a:r>
+              <a:rPr lang="en-GB" dirty="0" err="1">
+                <a:latin typeface="APL386 Unicode" panose="020B0709000202000203" pitchFamily="50" charset="0"/>
+              </a:rPr>
+              <a:t>SpaceNeeded</a:t>
+            </a:r>
+            <a:endParaRPr lang="en-GB" dirty="0">
+              <a:latin typeface="APL386 Unicode" panose="020B0709000202000203" pitchFamily="50" charset="0"/>
+            </a:endParaRPr>
+          </a:p>
+        </p:txBody>
+      </p:sp>
+      <p:sp>
+        <p:nvSpPr>
+          <p:cNvPr id="11" name="TextBox 10">
+            <a:extLst>
+              <a:ext uri="{FF2B5EF4-FFF2-40B4-BE49-F238E27FC236}">
+                <a16:creationId xmlns:a16="http://schemas.microsoft.com/office/drawing/2014/main" id="{A928D3E8-CA56-4DB6-B398-8ED66A7E65B6}"/>
+              </a:ext>
+            </a:extLst>
+          </p:cNvPr>
+          <p:cNvSpPr txBox="1"/>
+          <p:nvPr/>
+        </p:nvSpPr>
+        <p:spPr>
+          <a:xfrm>
+            <a:off x="6313336" y="3034269"/>
+            <a:ext cx="1844703" cy="369332"/>
+          </a:xfrm>
+          <a:prstGeom prst="rect">
+            <a:avLst/>
+          </a:prstGeom>
+          <a:noFill/>
+        </p:spPr>
+        <p:txBody>
+          <a:bodyPr wrap="square" rtlCol="0">
+            <a:spAutoFit/>
+          </a:bodyPr>
+          <a:lstStyle/>
+          <a:p>
+            <a:r>
+              <a:rPr lang="en-GB" dirty="0">
+                <a:latin typeface="APL386 Unicode" panose="020B0709000202000203" pitchFamily="50" charset="0"/>
+              </a:rPr>
+              <a:t>]</a:t>
+            </a:r>
+            <a:r>
+              <a:rPr lang="en-GB" dirty="0" err="1">
+                <a:latin typeface="APL386 Unicode" panose="020B0709000202000203" pitchFamily="50" charset="0"/>
+              </a:rPr>
+              <a:t>RunTime</a:t>
+            </a:r>
+            <a:r>
+              <a:rPr lang="en-GB" dirty="0">
+                <a:latin typeface="APL386 Unicode" panose="020B0709000202000203" pitchFamily="50" charset="0"/>
+              </a:rPr>
+              <a:t> -c</a:t>
+            </a:r>
+          </a:p>
+        </p:txBody>
+      </p:sp>
+    </p:spTree>
+    <p:extLst>
+      <p:ext uri="{BB962C8B-B14F-4D97-AF65-F5344CB8AC3E}">
+        <p14:creationId xmlns:p14="http://schemas.microsoft.com/office/powerpoint/2010/main" val="4063073118"/>
+      </p:ext>
+    </p:extLst>
+  </p:cSld>
+  <p:clrMapOvr>
+    <a:masterClrMapping/>
+  </p:clrMapOvr>
+</p:sld>
+</file>
+
+<file path=ppt/slides/slide43.xml><?xml version="1.0" encoding="utf-8"?>
+<p:sld xmlns:a="http://schemas.openxmlformats.org/drawingml/2006/main" xmlns:r="http://schemas.openxmlformats.org/officeDocument/2006/relationships" xmlns:p="http://schemas.openxmlformats.org/presentationml/2006/main">
+  <p:cSld>
+    <p:spTree>
+      <p:nvGrpSpPr>
+        <p:cNvPr id="1" name=""/>
+        <p:cNvGrpSpPr/>
+        <p:nvPr/>
+      </p:nvGrpSpPr>
+      <p:grpSpPr>
+        <a:xfrm>
+          <a:off x="0" y="0"/>
+          <a:ext cx="0" cy="0"/>
+          <a:chOff x="0" y="0"/>
+          <a:chExt cx="0" cy="0"/>
+        </a:xfrm>
+      </p:grpSpPr>
+      <p:sp>
+        <p:nvSpPr>
+          <p:cNvPr id="2" name="Content Placeholder 1">
+            <a:extLst>
+              <a:ext uri="{FF2B5EF4-FFF2-40B4-BE49-F238E27FC236}">
+                <a16:creationId xmlns:a16="http://schemas.microsoft.com/office/drawing/2014/main" id="{AD7A9D09-2F55-417F-9458-C98CD281D714}"/>
+              </a:ext>
+            </a:extLst>
+          </p:cNvPr>
+          <p:cNvSpPr>
+            <a:spLocks noGrp="1"/>
+          </p:cNvSpPr>
+          <p:nvPr>
+            <p:ph idx="10"/>
+          </p:nvPr>
+        </p:nvSpPr>
+        <p:spPr/>
+        <p:txBody>
+          <a:bodyPr/>
+          <a:lstStyle/>
+          <a:p>
+            <a:endParaRPr lang="en-GB"/>
+          </a:p>
+        </p:txBody>
+      </p:sp>
+      <p:graphicFrame>
+        <p:nvGraphicFramePr>
+          <p:cNvPr id="8" name="Content Placeholder 7">
+            <a:extLst>
+              <a:ext uri="{FF2B5EF4-FFF2-40B4-BE49-F238E27FC236}">
+                <a16:creationId xmlns:a16="http://schemas.microsoft.com/office/drawing/2014/main" id="{D73F372D-4DD1-40FA-BC27-57AC2DD58275}"/>
+              </a:ext>
+            </a:extLst>
+          </p:cNvPr>
+          <p:cNvGraphicFramePr>
+            <a:graphicFrameLocks noGrp="1"/>
+          </p:cNvGraphicFramePr>
+          <p:nvPr>
+            <p:ph idx="1"/>
+          </p:nvPr>
+        </p:nvGraphicFramePr>
+        <p:xfrm>
+          <a:off x="1752600" y="1265239"/>
+          <a:ext cx="4664075" cy="2138362"/>
+        </p:xfrm>
+        <a:graphic>
+          <a:graphicData uri="http://schemas.openxmlformats.org/drawingml/2006/chart">
+            <c:chart xmlns:c="http://schemas.openxmlformats.org/drawingml/2006/chart" xmlns:r="http://schemas.openxmlformats.org/officeDocument/2006/relationships" r:id="rId2"/>
+          </a:graphicData>
+        </a:graphic>
+      </p:graphicFrame>
+      <p:sp>
+        <p:nvSpPr>
+          <p:cNvPr id="4" name="Content Placeholder 3">
+            <a:extLst>
+              <a:ext uri="{FF2B5EF4-FFF2-40B4-BE49-F238E27FC236}">
+                <a16:creationId xmlns:a16="http://schemas.microsoft.com/office/drawing/2014/main" id="{2592A6AD-77BB-45AD-A0F4-0B096C2BBE74}"/>
+              </a:ext>
+            </a:extLst>
+          </p:cNvPr>
+          <p:cNvSpPr>
+            <a:spLocks noGrp="1"/>
+          </p:cNvSpPr>
+          <p:nvPr>
+            <p:ph sz="quarter" idx="12"/>
+          </p:nvPr>
+        </p:nvSpPr>
+        <p:spPr/>
+        <p:txBody>
+          <a:bodyPr/>
+          <a:lstStyle/>
+          <a:p>
+            <a:endParaRPr lang="en-GB"/>
+          </a:p>
+        </p:txBody>
+      </p:sp>
+      <p:sp>
+        <p:nvSpPr>
+          <p:cNvPr id="5" name="Title 4">
+            <a:extLst>
+              <a:ext uri="{FF2B5EF4-FFF2-40B4-BE49-F238E27FC236}">
+                <a16:creationId xmlns:a16="http://schemas.microsoft.com/office/drawing/2014/main" id="{CEB5F61B-6CCF-4758-BC6B-E1AAC09FC823}"/>
+              </a:ext>
+            </a:extLst>
+          </p:cNvPr>
+          <p:cNvSpPr>
+            <a:spLocks noGrp="1"/>
+          </p:cNvSpPr>
+          <p:nvPr>
+            <p:ph type="title"/>
+          </p:nvPr>
+        </p:nvSpPr>
+        <p:spPr/>
+        <p:txBody>
+          <a:bodyPr/>
+          <a:lstStyle/>
+          <a:p>
+            <a:r>
+              <a:rPr lang="en-GB" dirty="0"/>
+              <a:t>Performance</a:t>
+            </a:r>
+          </a:p>
+        </p:txBody>
+      </p:sp>
+      <p:sp>
+        <p:nvSpPr>
+          <p:cNvPr id="9" name="TextBox 8">
+            <a:extLst>
+              <a:ext uri="{FF2B5EF4-FFF2-40B4-BE49-F238E27FC236}">
+                <a16:creationId xmlns:a16="http://schemas.microsoft.com/office/drawing/2014/main" id="{E1E4EA88-FFF5-4121-9819-3360F28F5095}"/>
+              </a:ext>
+            </a:extLst>
+          </p:cNvPr>
+          <p:cNvSpPr txBox="1"/>
+          <p:nvPr/>
+        </p:nvSpPr>
+        <p:spPr>
+          <a:xfrm rot="16200000">
+            <a:off x="1178547" y="2253748"/>
+            <a:ext cx="1652794" cy="461665"/>
+          </a:xfrm>
+          <a:prstGeom prst="rect">
+            <a:avLst/>
+          </a:prstGeom>
+          <a:noFill/>
+        </p:spPr>
+        <p:txBody>
+          <a:bodyPr wrap="square" rtlCol="0">
+            <a:spAutoFit/>
+          </a:bodyPr>
+          <a:lstStyle/>
+          <a:p>
+            <a:r>
+              <a:rPr lang="en-GB" sz="2400" cap="small" dirty="0">
+                <a:solidFill>
+                  <a:schemeClr val="bg1"/>
+                </a:solidFill>
+                <a:latin typeface="Sarabun" panose="00000500000000000000" pitchFamily="2" charset="-34"/>
+                <a:cs typeface="Sarabun" panose="00000500000000000000" pitchFamily="2" charset="-34"/>
+              </a:rPr>
+              <a:t>memory</a:t>
+            </a:r>
+            <a:r>
+              <a:rPr lang="en-GB" sz="2400" dirty="0">
+                <a:solidFill>
+                  <a:schemeClr val="bg1"/>
+                </a:solidFill>
+                <a:latin typeface="Sarabun" panose="00000500000000000000" pitchFamily="2" charset="-34"/>
+                <a:cs typeface="Sarabun" panose="00000500000000000000" pitchFamily="2" charset="-34"/>
+              </a:rPr>
+              <a:t> </a:t>
+            </a:r>
+            <a:r>
+              <a:rPr lang="en-GB" sz="2400" b="1" dirty="0">
+                <a:solidFill>
+                  <a:schemeClr val="bg1"/>
+                </a:solidFill>
+                <a:latin typeface="Sarabun" panose="00000500000000000000" pitchFamily="2" charset="-34"/>
+                <a:cs typeface="Sarabun" panose="00000500000000000000" pitchFamily="2" charset="-34"/>
+              </a:rPr>
+              <a:t>→</a:t>
+            </a:r>
+          </a:p>
+        </p:txBody>
+      </p:sp>
+      <p:sp>
+        <p:nvSpPr>
+          <p:cNvPr id="10" name="TextBox 9">
+            <a:extLst>
+              <a:ext uri="{FF2B5EF4-FFF2-40B4-BE49-F238E27FC236}">
+                <a16:creationId xmlns:a16="http://schemas.microsoft.com/office/drawing/2014/main" id="{A13C1FC7-B638-40EB-9163-ECD8ED92AE4E}"/>
+              </a:ext>
+            </a:extLst>
+          </p:cNvPr>
+          <p:cNvSpPr txBox="1"/>
+          <p:nvPr/>
+        </p:nvSpPr>
+        <p:spPr>
+          <a:xfrm>
+            <a:off x="5208104" y="2849313"/>
+            <a:ext cx="1105232" cy="461665"/>
+          </a:xfrm>
+          <a:prstGeom prst="rect">
+            <a:avLst/>
+          </a:prstGeom>
+          <a:noFill/>
+        </p:spPr>
+        <p:txBody>
+          <a:bodyPr wrap="square" rtlCol="0">
+            <a:spAutoFit/>
+          </a:bodyPr>
+          <a:lstStyle/>
+          <a:p>
+            <a:pPr algn="r"/>
+            <a:r>
+              <a:rPr lang="en-GB" sz="2400" cap="small" dirty="0">
+                <a:solidFill>
+                  <a:schemeClr val="bg1"/>
+                </a:solidFill>
+                <a:latin typeface="Sarabun" panose="00000500000000000000" pitchFamily="2" charset="-34"/>
+                <a:cs typeface="Sarabun" panose="00000500000000000000" pitchFamily="2" charset="-34"/>
+              </a:rPr>
+              <a:t>time</a:t>
+            </a:r>
+            <a:r>
+              <a:rPr lang="en-GB" sz="2400" dirty="0">
+                <a:solidFill>
+                  <a:schemeClr val="bg1"/>
+                </a:solidFill>
+                <a:latin typeface="Sarabun" panose="00000500000000000000" pitchFamily="2" charset="-34"/>
+                <a:cs typeface="Sarabun" panose="00000500000000000000" pitchFamily="2" charset="-34"/>
+              </a:rPr>
+              <a:t> </a:t>
+            </a:r>
+            <a:r>
+              <a:rPr lang="en-GB" sz="2400" b="1" dirty="0">
+                <a:solidFill>
+                  <a:schemeClr val="bg1"/>
+                </a:solidFill>
+                <a:latin typeface="Sarabun" panose="00000500000000000000" pitchFamily="2" charset="-34"/>
+                <a:cs typeface="Sarabun" panose="00000500000000000000" pitchFamily="2" charset="-34"/>
+              </a:rPr>
+              <a:t>→</a:t>
+            </a:r>
+          </a:p>
+        </p:txBody>
+      </p:sp>
+      <p:sp>
+        <p:nvSpPr>
+          <p:cNvPr id="3" name="TextBox 2">
+            <a:extLst>
+              <a:ext uri="{FF2B5EF4-FFF2-40B4-BE49-F238E27FC236}">
+                <a16:creationId xmlns:a16="http://schemas.microsoft.com/office/drawing/2014/main" id="{84E8AAAB-B7A6-453B-AC20-1232411B55B5}"/>
+              </a:ext>
+            </a:extLst>
+          </p:cNvPr>
+          <p:cNvSpPr txBox="1"/>
+          <p:nvPr/>
+        </p:nvSpPr>
+        <p:spPr>
+          <a:xfrm>
+            <a:off x="978010" y="1280827"/>
+            <a:ext cx="1844703" cy="369332"/>
+          </a:xfrm>
+          <a:prstGeom prst="rect">
+            <a:avLst/>
+          </a:prstGeom>
+          <a:noFill/>
+        </p:spPr>
+        <p:txBody>
+          <a:bodyPr wrap="square" rtlCol="0">
+            <a:spAutoFit/>
+          </a:bodyPr>
+          <a:lstStyle/>
+          <a:p>
+            <a:r>
+              <a:rPr lang="en-GB" dirty="0">
+                <a:latin typeface="APL386 Unicode" panose="020B0709000202000203" pitchFamily="50" charset="0"/>
+              </a:rPr>
+              <a:t>]</a:t>
+            </a:r>
+            <a:r>
+              <a:rPr lang="en-GB" dirty="0" err="1">
+                <a:latin typeface="APL386 Unicode" panose="020B0709000202000203" pitchFamily="50" charset="0"/>
+              </a:rPr>
+              <a:t>SpaceNeeded</a:t>
+            </a:r>
+            <a:endParaRPr lang="en-GB" dirty="0">
+              <a:latin typeface="APL386 Unicode" panose="020B0709000202000203" pitchFamily="50" charset="0"/>
+            </a:endParaRPr>
+          </a:p>
+        </p:txBody>
+      </p:sp>
+      <p:sp>
+        <p:nvSpPr>
+          <p:cNvPr id="11" name="TextBox 10">
+            <a:extLst>
+              <a:ext uri="{FF2B5EF4-FFF2-40B4-BE49-F238E27FC236}">
+                <a16:creationId xmlns:a16="http://schemas.microsoft.com/office/drawing/2014/main" id="{A928D3E8-CA56-4DB6-B398-8ED66A7E65B6}"/>
+              </a:ext>
+            </a:extLst>
+          </p:cNvPr>
+          <p:cNvSpPr txBox="1"/>
+          <p:nvPr/>
+        </p:nvSpPr>
+        <p:spPr>
+          <a:xfrm>
+            <a:off x="6313336" y="3034269"/>
+            <a:ext cx="1844703" cy="369332"/>
+          </a:xfrm>
+          <a:prstGeom prst="rect">
+            <a:avLst/>
+          </a:prstGeom>
+          <a:noFill/>
+        </p:spPr>
+        <p:txBody>
+          <a:bodyPr wrap="square" rtlCol="0">
+            <a:spAutoFit/>
+          </a:bodyPr>
+          <a:lstStyle/>
+          <a:p>
+            <a:r>
+              <a:rPr lang="en-GB" dirty="0">
+                <a:latin typeface="APL386 Unicode" panose="020B0709000202000203" pitchFamily="50" charset="0"/>
+              </a:rPr>
+              <a:t>]</a:t>
+            </a:r>
+            <a:r>
+              <a:rPr lang="en-GB" dirty="0" err="1">
+                <a:latin typeface="APL386 Unicode" panose="020B0709000202000203" pitchFamily="50" charset="0"/>
+              </a:rPr>
+              <a:t>RunTime</a:t>
+            </a:r>
+            <a:r>
+              <a:rPr lang="en-GB" dirty="0">
+                <a:latin typeface="APL386 Unicode" panose="020B0709000202000203" pitchFamily="50" charset="0"/>
+              </a:rPr>
+              <a:t> -c</a:t>
+            </a:r>
+          </a:p>
+        </p:txBody>
+      </p:sp>
+      <p:sp>
+        <p:nvSpPr>
+          <p:cNvPr id="12" name="TextBox 11">
+            <a:extLst>
+              <a:ext uri="{FF2B5EF4-FFF2-40B4-BE49-F238E27FC236}">
+                <a16:creationId xmlns:a16="http://schemas.microsoft.com/office/drawing/2014/main" id="{DA1C004D-4BF9-4F5E-B954-E7C6FD0A24E2}"/>
+              </a:ext>
+            </a:extLst>
+          </p:cNvPr>
+          <p:cNvSpPr txBox="1"/>
+          <p:nvPr/>
+        </p:nvSpPr>
+        <p:spPr>
+          <a:xfrm>
+            <a:off x="6313335" y="3770616"/>
+            <a:ext cx="2538565" cy="646331"/>
+          </a:xfrm>
+          <a:prstGeom prst="rect">
+            <a:avLst/>
+          </a:prstGeom>
+          <a:noFill/>
+        </p:spPr>
+        <p:txBody>
+          <a:bodyPr wrap="square" rtlCol="0">
+            <a:spAutoFit/>
+          </a:bodyPr>
+          <a:lstStyle/>
+          <a:p>
+            <a:r>
+              <a:rPr lang="en-GB" dirty="0">
+                <a:latin typeface="APL386 Unicode" panose="020B0709000202000203" pitchFamily="50" charset="0"/>
+              </a:rPr>
+              <a:t>'</a:t>
+            </a:r>
+            <a:r>
+              <a:rPr lang="en-GB" dirty="0" err="1">
+                <a:latin typeface="APL386 Unicode" panose="020B0709000202000203" pitchFamily="50" charset="0"/>
+              </a:rPr>
+              <a:t>cmpx</a:t>
+            </a:r>
+            <a:r>
+              <a:rPr lang="en-GB" dirty="0">
+                <a:latin typeface="APL386 Unicode" panose="020B0709000202000203" pitchFamily="50" charset="0"/>
+              </a:rPr>
+              <a:t>'⎕</a:t>
+            </a:r>
+            <a:r>
+              <a:rPr lang="en-GB" dirty="0" err="1">
+                <a:latin typeface="APL386 Unicode" panose="020B0709000202000203" pitchFamily="50" charset="0"/>
+              </a:rPr>
+              <a:t>cy'dfns</a:t>
+            </a:r>
+            <a:r>
+              <a:rPr lang="en-GB" dirty="0">
+                <a:latin typeface="APL386 Unicode" panose="020B0709000202000203" pitchFamily="50" charset="0"/>
+              </a:rPr>
+              <a:t>'</a:t>
+            </a:r>
+          </a:p>
+          <a:p>
+            <a:r>
+              <a:rPr lang="en-GB" dirty="0" err="1">
+                <a:latin typeface="APL386 Unicode" panose="020B0709000202000203" pitchFamily="50" charset="0"/>
+              </a:rPr>
+              <a:t>cmpx</a:t>
+            </a:r>
+            <a:r>
+              <a:rPr lang="en-GB" dirty="0">
+                <a:latin typeface="APL386 Unicode" panose="020B0709000202000203" pitchFamily="50" charset="0"/>
+              </a:rPr>
+              <a:t> '…' '…'</a:t>
+            </a:r>
+          </a:p>
+        </p:txBody>
+      </p:sp>
+    </p:spTree>
+    <p:extLst>
+      <p:ext uri="{BB962C8B-B14F-4D97-AF65-F5344CB8AC3E}">
+        <p14:creationId xmlns:p14="http://schemas.microsoft.com/office/powerpoint/2010/main" val="1442000455"/>
+      </p:ext>
+    </p:extLst>
+  </p:cSld>
+  <p:clrMapOvr>
+    <a:masterClrMapping/>
+  </p:clrMapOvr>
+</p:sld>
+</file>
+
+<file path=ppt/slides/slide44.xml><?xml version="1.0" encoding="utf-8"?>
+<p:sld xmlns:a="http://schemas.openxmlformats.org/drawingml/2006/main" xmlns:r="http://schemas.openxmlformats.org/officeDocument/2006/relationships" xmlns:p="http://schemas.openxmlformats.org/presentationml/2006/main">
+  <p:cSld>
+    <p:spTree>
+      <p:nvGrpSpPr>
+        <p:cNvPr id="1" name=""/>
+        <p:cNvGrpSpPr/>
+        <p:nvPr/>
+      </p:nvGrpSpPr>
+      <p:grpSpPr>
+        <a:xfrm>
+          <a:off x="0" y="0"/>
+          <a:ext cx="0" cy="0"/>
+          <a:chOff x="0" y="0"/>
+          <a:chExt cx="0" cy="0"/>
+        </a:xfrm>
+      </p:grpSpPr>
+      <p:sp>
+        <p:nvSpPr>
+          <p:cNvPr id="2" name="Content Placeholder 1">
+            <a:extLst>
+              <a:ext uri="{FF2B5EF4-FFF2-40B4-BE49-F238E27FC236}">
+                <a16:creationId xmlns:a16="http://schemas.microsoft.com/office/drawing/2014/main" id="{10E83E61-2B69-4CEF-85D4-5FB3099A96B6}"/>
+              </a:ext>
+            </a:extLst>
+          </p:cNvPr>
+          <p:cNvSpPr>
+            <a:spLocks noGrp="1"/>
+          </p:cNvSpPr>
+          <p:nvPr>
+            <p:ph idx="10"/>
+          </p:nvPr>
+        </p:nvSpPr>
+        <p:spPr/>
+        <p:txBody>
+          <a:bodyPr/>
+          <a:lstStyle/>
+          <a:p>
+            <a:endParaRPr lang="en-GB"/>
+          </a:p>
+        </p:txBody>
+      </p:sp>
+      <p:sp>
+        <p:nvSpPr>
+          <p:cNvPr id="3" name="Content Placeholder 2">
+            <a:extLst>
+              <a:ext uri="{FF2B5EF4-FFF2-40B4-BE49-F238E27FC236}">
+                <a16:creationId xmlns:a16="http://schemas.microsoft.com/office/drawing/2014/main" id="{74464F3A-3C90-4BB0-873C-747E2F62F4FC}"/>
+              </a:ext>
+            </a:extLst>
+          </p:cNvPr>
+          <p:cNvSpPr>
+            <a:spLocks noGrp="1"/>
+          </p:cNvSpPr>
+          <p:nvPr>
+            <p:ph idx="1"/>
+          </p:nvPr>
+        </p:nvSpPr>
+        <p:spPr>
+          <a:xfrm>
+            <a:off x="323527" y="1264925"/>
+            <a:ext cx="8528373" cy="3242040"/>
+          </a:xfrm>
+        </p:spPr>
+        <p:txBody>
+          <a:bodyPr/>
+          <a:lstStyle/>
+          <a:p>
+            <a:r>
+              <a:rPr lang="en-GB" dirty="0"/>
+              <a:t>Explore various algorithms</a:t>
+            </a:r>
+          </a:p>
+          <a:p>
+            <a:r>
+              <a:rPr lang="en-GB" dirty="0"/>
+              <a:t>Run-time is usually more important than memory usage</a:t>
+            </a:r>
+          </a:p>
+          <a:p>
+            <a:r>
+              <a:rPr lang="en-GB" dirty="0"/>
+              <a:t>Try differently scaled input sizes</a:t>
+            </a:r>
+          </a:p>
+          <a:p>
+            <a:r>
+              <a:rPr lang="en-GB" dirty="0"/>
+              <a:t>Compare parts of the solution to construct </a:t>
+            </a:r>
+            <a:r>
+              <a:rPr lang="en-GB"/>
+              <a:t>the best combo</a:t>
+            </a:r>
+            <a:br>
+              <a:rPr lang="en-GB" dirty="0"/>
+            </a:br>
+            <a:r>
+              <a:rPr lang="en-GB" dirty="0"/>
+              <a:t>	example: </a:t>
+            </a:r>
+            <a:r>
+              <a:rPr lang="en-GB" dirty="0">
+                <a:hlinkClick r:id="rId2"/>
+              </a:rPr>
+              <a:t>youtu.be/El0_RB4TTPA</a:t>
+            </a:r>
+            <a:endParaRPr lang="en-GB" dirty="0"/>
+          </a:p>
+          <a:p>
+            <a:endParaRPr lang="en-GB" dirty="0"/>
+          </a:p>
+        </p:txBody>
+      </p:sp>
+      <p:sp>
+        <p:nvSpPr>
+          <p:cNvPr id="4" name="Content Placeholder 3">
+            <a:extLst>
+              <a:ext uri="{FF2B5EF4-FFF2-40B4-BE49-F238E27FC236}">
+                <a16:creationId xmlns:a16="http://schemas.microsoft.com/office/drawing/2014/main" id="{A080BE18-F423-443A-9DF3-7E78D42D280F}"/>
+              </a:ext>
+            </a:extLst>
+          </p:cNvPr>
+          <p:cNvSpPr>
+            <a:spLocks noGrp="1"/>
+          </p:cNvSpPr>
+          <p:nvPr>
+            <p:ph sz="quarter" idx="12"/>
+          </p:nvPr>
+        </p:nvSpPr>
+        <p:spPr/>
+        <p:txBody>
+          <a:bodyPr/>
+          <a:lstStyle/>
+          <a:p>
+            <a:endParaRPr lang="en-GB"/>
+          </a:p>
+        </p:txBody>
+      </p:sp>
+      <p:sp>
+        <p:nvSpPr>
+          <p:cNvPr id="5" name="Title 4">
+            <a:extLst>
+              <a:ext uri="{FF2B5EF4-FFF2-40B4-BE49-F238E27FC236}">
+                <a16:creationId xmlns:a16="http://schemas.microsoft.com/office/drawing/2014/main" id="{39D298DB-6B67-4B4E-9433-2AF329E32CCC}"/>
+              </a:ext>
+            </a:extLst>
+          </p:cNvPr>
+          <p:cNvSpPr>
+            <a:spLocks noGrp="1"/>
+          </p:cNvSpPr>
+          <p:nvPr>
+            <p:ph type="title"/>
+          </p:nvPr>
+        </p:nvSpPr>
+        <p:spPr/>
+        <p:txBody>
+          <a:bodyPr/>
+          <a:lstStyle/>
+          <a:p>
+            <a:r>
+              <a:rPr lang="en-GB" dirty="0"/>
+              <a:t>Performance</a:t>
+            </a:r>
+          </a:p>
+        </p:txBody>
+      </p:sp>
+    </p:spTree>
+    <p:extLst>
+      <p:ext uri="{BB962C8B-B14F-4D97-AF65-F5344CB8AC3E}">
+        <p14:creationId xmlns:p14="http://schemas.microsoft.com/office/powerpoint/2010/main" val="1389144237"/>
+      </p:ext>
+    </p:extLst>
+  </p:cSld>
+  <p:clrMapOvr>
+    <a:masterClrMapping/>
+  </p:clrMapOvr>
+  <p:timing>
+    <p:tnLst>
+      <p:par>
+        <p:cTn id="1" dur="indefinite" restart="never" nodeType="tmRoot">
+          <p:childTnLst>
+            <p:seq concurrent="1" nextAc="seek">
+              <p:cTn id="2" dur="indefinite" nodeType="mainSeq">
+                <p:childTnLst>
+                  <p:par>
+                    <p:cTn id="3" fill="hold">
+                      <p:stCondLst>
+                        <p:cond delay="indefinite"/>
+                      </p:stCondLst>
+                      <p:childTnLst>
+                        <p:par>
+                          <p:cTn id="4" fill="hold">
+                            <p:stCondLst>
+                              <p:cond delay="0"/>
+                            </p:stCondLst>
+                            <p:childTnLst>
+                              <p:par>
+                                <p:cTn id="5" presetID="1" presetClass="entr" presetSubtype="0" fill="hold" grpId="0" nodeType="clickEffect">
+                                  <p:stCondLst>
+                                    <p:cond delay="0"/>
+                                  </p:stCondLst>
+                                  <p:childTnLst>
+                                    <p:set>
+                                      <p:cBhvr>
+                                        <p:cTn id="6" dur="1" fill="hold">
+                                          <p:stCondLst>
+                                            <p:cond delay="0"/>
+                                          </p:stCondLst>
+                                        </p:cTn>
+                                        <p:tgtEl>
+                                          <p:spTgt spid="3">
+                                            <p:txEl>
+                                              <p:pRg st="0" end="0"/>
+                                            </p:txEl>
+                                          </p:spTgt>
+                                        </p:tgtEl>
+                                        <p:attrNameLst>
+                                          <p:attrName>style.visibility</p:attrName>
+                                        </p:attrNameLst>
+                                      </p:cBhvr>
+                                      <p:to>
+                                        <p:strVal val="visible"/>
+                                      </p:to>
+                                    </p:set>
+                                  </p:childTnLst>
+                                </p:cTn>
+                              </p:par>
+                            </p:childTnLst>
+                          </p:cTn>
+                        </p:par>
+                      </p:childTnLst>
+                    </p:cTn>
+                  </p:par>
+                  <p:par>
+                    <p:cTn id="7" fill="hold">
+                      <p:stCondLst>
+                        <p:cond delay="indefinite"/>
+                      </p:stCondLst>
+                      <p:childTnLst>
+                        <p:par>
+                          <p:cTn id="8" fill="hold">
+                            <p:stCondLst>
+                              <p:cond delay="0"/>
+                            </p:stCondLst>
+                            <p:childTnLst>
+                              <p:par>
+                                <p:cTn id="9" presetID="1" presetClass="entr" presetSubtype="0" fill="hold" grpId="0" nodeType="clickEffect">
+                                  <p:stCondLst>
+                                    <p:cond delay="0"/>
+                                  </p:stCondLst>
+                                  <p:childTnLst>
+                                    <p:set>
+                                      <p:cBhvr>
+                                        <p:cTn id="10" dur="1" fill="hold">
+                                          <p:stCondLst>
+                                            <p:cond delay="0"/>
+                                          </p:stCondLst>
+                                        </p:cTn>
+                                        <p:tgtEl>
+                                          <p:spTgt spid="3">
+                                            <p:txEl>
+                                              <p:pRg st="1" end="1"/>
+                                            </p:txEl>
+                                          </p:spTgt>
+                                        </p:tgtEl>
+                                        <p:attrNameLst>
+                                          <p:attrName>style.visibility</p:attrName>
+                                        </p:attrNameLst>
+                                      </p:cBhvr>
+                                      <p:to>
+                                        <p:strVal val="visible"/>
+                                      </p:to>
+                                    </p:set>
+                                  </p:childTnLst>
+                                </p:cTn>
+                              </p:par>
+                            </p:childTnLst>
+                          </p:cTn>
+                        </p:par>
+                      </p:childTnLst>
+                    </p:cTn>
+                  </p:par>
+                  <p:par>
+                    <p:cTn id="11" fill="hold">
+                      <p:stCondLst>
+                        <p:cond delay="indefinite"/>
+                      </p:stCondLst>
+                      <p:childTnLst>
+                        <p:par>
+                          <p:cTn id="12" fill="hold">
+                            <p:stCondLst>
+                              <p:cond delay="0"/>
+                            </p:stCondLst>
+                            <p:childTnLst>
+                              <p:par>
+                                <p:cTn id="13" presetID="1" presetClass="entr" presetSubtype="0" fill="hold" grpId="0" nodeType="clickEffect">
+                                  <p:stCondLst>
+                                    <p:cond delay="0"/>
+                                  </p:stCondLst>
+                                  <p:childTnLst>
+                                    <p:set>
+                                      <p:cBhvr>
+                                        <p:cTn id="14" dur="1" fill="hold">
+                                          <p:stCondLst>
+                                            <p:cond delay="0"/>
+                                          </p:stCondLst>
+                                        </p:cTn>
+                                        <p:tgtEl>
+                                          <p:spTgt spid="3">
+                                            <p:txEl>
+                                              <p:pRg st="2" end="2"/>
+                                            </p:txEl>
+                                          </p:spTgt>
+                                        </p:tgtEl>
+                                        <p:attrNameLst>
+                                          <p:attrName>style.visibility</p:attrName>
+                                        </p:attrNameLst>
+                                      </p:cBhvr>
+                                      <p:to>
+                                        <p:strVal val="visible"/>
+                                      </p:to>
+                                    </p:set>
+                                  </p:childTnLst>
+                                </p:cTn>
+                              </p:par>
+                            </p:childTnLst>
+                          </p:cTn>
+                        </p:par>
+                      </p:childTnLst>
+                    </p:cTn>
+                  </p:par>
+                  <p:par>
+                    <p:cTn id="15" fill="hold">
+                      <p:stCondLst>
+                        <p:cond delay="indefinite"/>
+                      </p:stCondLst>
+                      <p:childTnLst>
+                        <p:par>
+                          <p:cTn id="16" fill="hold">
+                            <p:stCondLst>
+                              <p:cond delay="0"/>
+                            </p:stCondLst>
+                            <p:childTnLst>
+                              <p:par>
+                                <p:cTn id="17" presetID="1" presetClass="entr" presetSubtype="0" fill="hold" grpId="0" nodeType="clickEffect">
+                                  <p:stCondLst>
+                                    <p:cond delay="0"/>
+                                  </p:stCondLst>
+                                  <p:childTnLst>
+                                    <p:set>
+                                      <p:cBhvr>
+                                        <p:cTn id="18" dur="1" fill="hold">
+                                          <p:stCondLst>
+                                            <p:cond delay="0"/>
+                                          </p:stCondLst>
+                                        </p:cTn>
+                                        <p:tgtEl>
+                                          <p:spTgt spid="3">
+                                            <p:txEl>
+                                              <p:pRg st="3" end="3"/>
+                                            </p:txEl>
+                                          </p:spTgt>
+                                        </p:tgtEl>
+                                        <p:attrNameLst>
+                                          <p:attrName>style.visibility</p:attrName>
+                                        </p:attrNameLst>
+                                      </p:cBhvr>
+                                      <p:to>
+                                        <p:strVal val="visible"/>
+                                      </p:to>
+                                    </p:set>
+                                  </p:childTnLst>
+                                </p:cTn>
+                              </p:par>
+                            </p:childTnLst>
+                          </p:cTn>
+                        </p:par>
+                      </p:childTnLst>
+                    </p:cTn>
+                  </p:par>
+                </p:childTnLst>
+              </p:cTn>
+              <p:prevCondLst>
+                <p:cond evt="onPrev" delay="0">
+                  <p:tgtEl>
+                    <p:sldTgt/>
+                  </p:tgtEl>
+                </p:cond>
+              </p:prevCondLst>
+              <p:nextCondLst>
+                <p:cond evt="onNext" delay="0">
+                  <p:tgtEl>
+                    <p:sldTgt/>
+                  </p:tgtEl>
+                </p:cond>
+              </p:nextCondLst>
+            </p:seq>
+          </p:childTnLst>
+        </p:cTn>
+      </p:par>
+    </p:tnLst>
+    <p:bldLst>
+      <p:bldP spid="3" grpId="0" build="p"/>
+    </p:bldLst>
+  </p:timing>
+</p:sld>
+</file>
+
+<file path=ppt/slides/slide45.xml><?xml version="1.0" encoding="utf-8"?>
+<p:sld xmlns:a="http://schemas.openxmlformats.org/drawingml/2006/main" xmlns:r="http://schemas.openxmlformats.org/officeDocument/2006/relationships" xmlns:p="http://schemas.openxmlformats.org/presentationml/2006/main">
+  <p:cSld>
+    <p:spTree>
+      <p:nvGrpSpPr>
+        <p:cNvPr id="1" name=""/>
+        <p:cNvGrpSpPr/>
+        <p:nvPr/>
+      </p:nvGrpSpPr>
+      <p:grpSpPr>
+        <a:xfrm>
+          <a:off x="0" y="0"/>
+          <a:ext cx="0" cy="0"/>
+          <a:chOff x="0" y="0"/>
+          <a:chExt cx="0" cy="0"/>
+        </a:xfrm>
+      </p:grpSpPr>
+      <p:sp>
+        <p:nvSpPr>
+          <p:cNvPr id="3" name="Content Placeholder 2">
+            <a:extLst>
+              <a:ext uri="{FF2B5EF4-FFF2-40B4-BE49-F238E27FC236}">
+                <a16:creationId xmlns:a16="http://schemas.microsoft.com/office/drawing/2014/main" id="{F397A966-46E0-46BD-BF37-1DF4B3FBA1AC}"/>
+              </a:ext>
+            </a:extLst>
+          </p:cNvPr>
+          <p:cNvSpPr>
+            <a:spLocks noGrp="1"/>
+          </p:cNvSpPr>
+          <p:nvPr>
+            <p:ph idx="1"/>
+          </p:nvPr>
+        </p:nvSpPr>
+        <p:spPr/>
+        <p:txBody>
+          <a:bodyPr/>
+          <a:lstStyle/>
+          <a:p>
+            <a:r>
+              <a:rPr lang="en-GB" dirty="0"/>
+              <a:t>Control iterations with:</a:t>
+            </a:r>
+          </a:p>
+          <a:p>
+            <a:pPr lvl="1"/>
+            <a:r>
+              <a:rPr lang="en-GB" dirty="0">
+                <a:latin typeface="APL385 Unicode" panose="020B0709000202000203" pitchFamily="49" charset="0"/>
+              </a:rPr>
+              <a:t>:While counter</a:t>
+            </a:r>
+          </a:p>
+          <a:p>
+            <a:pPr lvl="1"/>
+            <a:r>
+              <a:rPr lang="en-GB" dirty="0">
+                <a:latin typeface="APL385 Unicode" panose="020B0709000202000203" pitchFamily="49" charset="0"/>
+              </a:rPr>
+              <a:t>:For ... :In ⍳</a:t>
+            </a:r>
+            <a:r>
+              <a:rPr lang="en-GB" dirty="0" err="1">
+                <a:latin typeface="APL385 Unicode" panose="020B0709000202000203" pitchFamily="49" charset="0"/>
+              </a:rPr>
+              <a:t>max_iter</a:t>
+            </a:r>
+            <a:endParaRPr lang="en-GB" dirty="0">
+              <a:latin typeface="APL385 Unicode" panose="020B0709000202000203" pitchFamily="49" charset="0"/>
+            </a:endParaRPr>
+          </a:p>
+          <a:p>
+            <a:pPr lvl="1"/>
+            <a:r>
+              <a:rPr lang="en-GB" dirty="0">
+                <a:latin typeface="APL385 Unicode" panose="020B0709000202000203" pitchFamily="49" charset="0"/>
+              </a:rPr>
+              <a:t>{...}⍣</a:t>
+            </a:r>
+            <a:r>
+              <a:rPr lang="en-GB" dirty="0" err="1">
+                <a:latin typeface="APL385 Unicode" panose="020B0709000202000203" pitchFamily="49" charset="0"/>
+              </a:rPr>
+              <a:t>max_iter</a:t>
+            </a:r>
+            <a:endParaRPr lang="en-GB" dirty="0">
+              <a:latin typeface="APL385 Unicode" panose="020B0709000202000203" pitchFamily="49" charset="0"/>
+            </a:endParaRPr>
+          </a:p>
+        </p:txBody>
+      </p:sp>
+      <p:sp>
+        <p:nvSpPr>
+          <p:cNvPr id="6" name="Title 5">
+            <a:extLst>
+              <a:ext uri="{FF2B5EF4-FFF2-40B4-BE49-F238E27FC236}">
+                <a16:creationId xmlns:a16="http://schemas.microsoft.com/office/drawing/2014/main" id="{A59BF89F-4028-453C-AC2E-567195DA93CB}"/>
+              </a:ext>
+            </a:extLst>
+          </p:cNvPr>
+          <p:cNvSpPr>
+            <a:spLocks noGrp="1"/>
+          </p:cNvSpPr>
+          <p:nvPr>
+            <p:ph type="title"/>
+          </p:nvPr>
+        </p:nvSpPr>
+        <p:spPr/>
+        <p:txBody>
+          <a:bodyPr/>
+          <a:lstStyle/>
+          <a:p>
+            <a:r>
+              <a:rPr lang="en-GB" dirty="0"/>
+              <a:t>Performant </a:t>
+            </a:r>
+            <a:r>
+              <a:rPr lang="en-GB" dirty="0">
+                <a:latin typeface="APL385 Unicode" panose="020B0709000202000203" pitchFamily="49" charset="0"/>
+              </a:rPr>
+              <a:t>Simulate</a:t>
+            </a:r>
+          </a:p>
+        </p:txBody>
+      </p:sp>
+      <p:sp>
+        <p:nvSpPr>
+          <p:cNvPr id="5" name="Content Placeholder 4">
+            <a:extLst>
+              <a:ext uri="{FF2B5EF4-FFF2-40B4-BE49-F238E27FC236}">
+                <a16:creationId xmlns:a16="http://schemas.microsoft.com/office/drawing/2014/main" id="{6A71AFEE-C0A1-4E08-A725-6A0A6888C16D}"/>
+              </a:ext>
+            </a:extLst>
+          </p:cNvPr>
+          <p:cNvSpPr>
+            <a:spLocks noGrp="1"/>
+          </p:cNvSpPr>
+          <p:nvPr>
+            <p:ph idx="10"/>
+          </p:nvPr>
+        </p:nvSpPr>
+        <p:spPr/>
+        <p:txBody>
+          <a:bodyPr/>
+          <a:lstStyle/>
+          <a:p>
+            <a:endParaRPr lang="en-US"/>
+          </a:p>
+        </p:txBody>
+      </p:sp>
+    </p:spTree>
+    <p:extLst>
+      <p:ext uri="{BB962C8B-B14F-4D97-AF65-F5344CB8AC3E}">
+        <p14:creationId xmlns:p14="http://schemas.microsoft.com/office/powerpoint/2010/main" val="480623556"/>
+      </p:ext>
+    </p:extLst>
+  </p:cSld>
+  <p:clrMapOvr>
+    <a:masterClrMapping/>
+  </p:clrMapOvr>
+</p:sld>
+</file>
+
+<file path=ppt/slides/slide46.xml><?xml version="1.0" encoding="utf-8"?>
+<p:sld xmlns:a="http://schemas.openxmlformats.org/drawingml/2006/main" xmlns:r="http://schemas.openxmlformats.org/officeDocument/2006/relationships" xmlns:p="http://schemas.openxmlformats.org/presentationml/2006/main">
+  <p:cSld>
+    <p:spTree>
+      <p:nvGrpSpPr>
+        <p:cNvPr id="1" name=""/>
+        <p:cNvGrpSpPr/>
+        <p:nvPr/>
+      </p:nvGrpSpPr>
+      <p:grpSpPr>
+        <a:xfrm>
+          <a:off x="0" y="0"/>
+          <a:ext cx="0" cy="0"/>
+          <a:chOff x="0" y="0"/>
+          <a:chExt cx="0" cy="0"/>
+        </a:xfrm>
+      </p:grpSpPr>
+      <p:sp>
+        <p:nvSpPr>
+          <p:cNvPr id="3" name="Content Placeholder 2">
+            <a:extLst>
+              <a:ext uri="{FF2B5EF4-FFF2-40B4-BE49-F238E27FC236}">
+                <a16:creationId xmlns:a16="http://schemas.microsoft.com/office/drawing/2014/main" id="{F397A966-46E0-46BD-BF37-1DF4B3FBA1AC}"/>
+              </a:ext>
+            </a:extLst>
+          </p:cNvPr>
+          <p:cNvSpPr>
+            <a:spLocks noGrp="1"/>
+          </p:cNvSpPr>
+          <p:nvPr>
+            <p:ph idx="1"/>
+          </p:nvPr>
+        </p:nvSpPr>
+        <p:spPr/>
+        <p:txBody>
+          <a:bodyPr/>
+          <a:lstStyle/>
+          <a:p>
+            <a:r>
+              <a:rPr lang="en-GB" dirty="0"/>
+              <a:t>Determine new spin with:</a:t>
+            </a:r>
+          </a:p>
+          <a:p>
+            <a:pPr lvl="1"/>
+            <a:r>
+              <a:rPr lang="en-GB" dirty="0">
+                <a:latin typeface="Sarabun" panose="020B0604020202020204" charset="-34"/>
+                <a:cs typeface="Sarabun" panose="020B0604020202020204" charset="-34"/>
+              </a:rPr>
+              <a:t>Mathematical computation</a:t>
+            </a:r>
+            <a:r>
+              <a:rPr lang="en-GB" dirty="0">
+                <a:latin typeface="APL385 Unicode" panose="020B0709000202000203" pitchFamily="49" charset="0"/>
+              </a:rPr>
+              <a:t> (¯1*...)</a:t>
+            </a:r>
+          </a:p>
+          <a:p>
+            <a:pPr lvl="1"/>
+            <a:r>
+              <a:rPr lang="en-GB" dirty="0">
+                <a:latin typeface="Sarabun" panose="020B0604020202020204" charset="-34"/>
+                <a:cs typeface="Sarabun" panose="020B0604020202020204" charset="-34"/>
+              </a:rPr>
+              <a:t>Data-driven conditional</a:t>
+            </a:r>
+            <a:r>
+              <a:rPr lang="en-GB" dirty="0">
+                <a:latin typeface="APL385 Unicode" panose="020B0709000202000203" pitchFamily="49" charset="0"/>
+              </a:rPr>
+              <a:t> (...⊃¯1 1)</a:t>
+            </a:r>
+          </a:p>
+        </p:txBody>
+      </p:sp>
+      <p:sp>
+        <p:nvSpPr>
+          <p:cNvPr id="6" name="Title 5">
+            <a:extLst>
+              <a:ext uri="{FF2B5EF4-FFF2-40B4-BE49-F238E27FC236}">
+                <a16:creationId xmlns:a16="http://schemas.microsoft.com/office/drawing/2014/main" id="{A59BF89F-4028-453C-AC2E-567195DA93CB}"/>
+              </a:ext>
+            </a:extLst>
+          </p:cNvPr>
+          <p:cNvSpPr>
+            <a:spLocks noGrp="1"/>
+          </p:cNvSpPr>
+          <p:nvPr>
+            <p:ph type="title"/>
+          </p:nvPr>
+        </p:nvSpPr>
+        <p:spPr/>
+        <p:txBody>
+          <a:bodyPr/>
+          <a:lstStyle/>
+          <a:p>
+            <a:r>
+              <a:rPr lang="en-GB" dirty="0"/>
+              <a:t>Performant </a:t>
+            </a:r>
+            <a:r>
+              <a:rPr lang="en-GB" dirty="0">
+                <a:latin typeface="APL385 Unicode" panose="020B0709000202000203" pitchFamily="49" charset="0"/>
+              </a:rPr>
+              <a:t>Simulate</a:t>
+            </a:r>
+          </a:p>
+        </p:txBody>
+      </p:sp>
+      <p:sp>
+        <p:nvSpPr>
+          <p:cNvPr id="5" name="Content Placeholder 4">
+            <a:extLst>
+              <a:ext uri="{FF2B5EF4-FFF2-40B4-BE49-F238E27FC236}">
+                <a16:creationId xmlns:a16="http://schemas.microsoft.com/office/drawing/2014/main" id="{6A71AFEE-C0A1-4E08-A725-6A0A6888C16D}"/>
+              </a:ext>
+            </a:extLst>
+          </p:cNvPr>
+          <p:cNvSpPr>
+            <a:spLocks noGrp="1"/>
+          </p:cNvSpPr>
+          <p:nvPr>
+            <p:ph idx="10"/>
+          </p:nvPr>
+        </p:nvSpPr>
+        <p:spPr/>
+        <p:txBody>
+          <a:bodyPr/>
+          <a:lstStyle/>
+          <a:p>
+            <a:endParaRPr lang="en-US"/>
+          </a:p>
+        </p:txBody>
+      </p:sp>
+    </p:spTree>
+    <p:extLst>
+      <p:ext uri="{BB962C8B-B14F-4D97-AF65-F5344CB8AC3E}">
+        <p14:creationId xmlns:p14="http://schemas.microsoft.com/office/powerpoint/2010/main" val="803329065"/>
+      </p:ext>
+    </p:extLst>
+  </p:cSld>
+  <p:clrMapOvr>
+    <a:masterClrMapping/>
+  </p:clrMapOvr>
+</p:sld>
+</file>
+
+<file path=ppt/slides/slide47.xml><?xml version="1.0" encoding="utf-8"?>
+<p:sld xmlns:a="http://schemas.openxmlformats.org/drawingml/2006/main" xmlns:r="http://schemas.openxmlformats.org/officeDocument/2006/relationships" xmlns:p="http://schemas.openxmlformats.org/presentationml/2006/main">
+  <p:cSld>
+    <p:spTree>
+      <p:nvGrpSpPr>
+        <p:cNvPr id="1" name=""/>
+        <p:cNvGrpSpPr/>
+        <p:nvPr/>
+      </p:nvGrpSpPr>
+      <p:grpSpPr>
+        <a:xfrm>
+          <a:off x="0" y="0"/>
+          <a:ext cx="0" cy="0"/>
+          <a:chOff x="0" y="0"/>
+          <a:chExt cx="0" cy="0"/>
+        </a:xfrm>
+      </p:grpSpPr>
+      <p:sp>
+        <p:nvSpPr>
+          <p:cNvPr id="3" name="Content Placeholder 2">
+            <a:extLst>
+              <a:ext uri="{FF2B5EF4-FFF2-40B4-BE49-F238E27FC236}">
+                <a16:creationId xmlns:a16="http://schemas.microsoft.com/office/drawing/2014/main" id="{F397A966-46E0-46BD-BF37-1DF4B3FBA1AC}"/>
+              </a:ext>
+            </a:extLst>
+          </p:cNvPr>
+          <p:cNvSpPr>
+            <a:spLocks noGrp="1"/>
+          </p:cNvSpPr>
+          <p:nvPr>
+            <p:ph idx="1"/>
+          </p:nvPr>
+        </p:nvSpPr>
+        <p:spPr/>
+        <p:txBody>
+          <a:bodyPr/>
+          <a:lstStyle/>
+          <a:p>
+            <a:r>
+              <a:rPr lang="en-GB" dirty="0"/>
+              <a:t>Assign new spin with:</a:t>
+            </a:r>
+          </a:p>
+          <a:p>
+            <a:pPr lvl="1"/>
+            <a:r>
+              <a:rPr lang="en-GB" dirty="0" err="1">
+                <a:latin typeface="APL385 Unicode" panose="020B0709000202000203" pitchFamily="49" charset="0"/>
+                <a:cs typeface="Sarabun" panose="020B0604020202020204" charset="-34"/>
+              </a:rPr>
+              <a:t>new_spin@position</a:t>
+            </a:r>
+            <a:endParaRPr lang="en-GB" dirty="0">
+              <a:latin typeface="APL385 Unicode" panose="020B0709000202000203" pitchFamily="49" charset="0"/>
+              <a:cs typeface="Sarabun" panose="020B0604020202020204" charset="-34"/>
+            </a:endParaRPr>
+          </a:p>
+          <a:p>
+            <a:pPr lvl="1"/>
+            <a:r>
+              <a:rPr lang="en-GB" dirty="0">
+                <a:latin typeface="APL385 Unicode" panose="020B0709000202000203" pitchFamily="49" charset="0"/>
+                <a:cs typeface="Sarabun" panose="020B0604020202020204" charset="-34"/>
+              </a:rPr>
+              <a:t>grid[position] ← </a:t>
+            </a:r>
+            <a:r>
+              <a:rPr lang="en-GB" dirty="0" err="1">
+                <a:latin typeface="APL385 Unicode" panose="020B0709000202000203" pitchFamily="49" charset="0"/>
+                <a:cs typeface="Sarabun" panose="020B0604020202020204" charset="-34"/>
+              </a:rPr>
+              <a:t>new_spin</a:t>
+            </a:r>
+            <a:endParaRPr lang="en-GB" dirty="0">
+              <a:latin typeface="APL385 Unicode" panose="020B0709000202000203" pitchFamily="49" charset="0"/>
+            </a:endParaRPr>
+          </a:p>
+        </p:txBody>
+      </p:sp>
+      <p:sp>
+        <p:nvSpPr>
+          <p:cNvPr id="6" name="Title 5">
+            <a:extLst>
+              <a:ext uri="{FF2B5EF4-FFF2-40B4-BE49-F238E27FC236}">
+                <a16:creationId xmlns:a16="http://schemas.microsoft.com/office/drawing/2014/main" id="{A59BF89F-4028-453C-AC2E-567195DA93CB}"/>
+              </a:ext>
+            </a:extLst>
+          </p:cNvPr>
+          <p:cNvSpPr>
+            <a:spLocks noGrp="1"/>
+          </p:cNvSpPr>
+          <p:nvPr>
+            <p:ph type="title"/>
+          </p:nvPr>
+        </p:nvSpPr>
+        <p:spPr/>
+        <p:txBody>
+          <a:bodyPr/>
+          <a:lstStyle/>
+          <a:p>
+            <a:r>
+              <a:rPr lang="en-GB" dirty="0"/>
+              <a:t>Performant </a:t>
+            </a:r>
+            <a:r>
+              <a:rPr lang="en-GB" dirty="0">
+                <a:latin typeface="APL385 Unicode" panose="020B0709000202000203" pitchFamily="49" charset="0"/>
+              </a:rPr>
+              <a:t>Simulate</a:t>
+            </a:r>
+          </a:p>
+        </p:txBody>
+      </p:sp>
+      <p:sp>
+        <p:nvSpPr>
+          <p:cNvPr id="5" name="Content Placeholder 4">
+            <a:extLst>
+              <a:ext uri="{FF2B5EF4-FFF2-40B4-BE49-F238E27FC236}">
+                <a16:creationId xmlns:a16="http://schemas.microsoft.com/office/drawing/2014/main" id="{6A71AFEE-C0A1-4E08-A725-6A0A6888C16D}"/>
+              </a:ext>
+            </a:extLst>
+          </p:cNvPr>
+          <p:cNvSpPr>
+            <a:spLocks noGrp="1"/>
+          </p:cNvSpPr>
+          <p:nvPr>
+            <p:ph idx="10"/>
+          </p:nvPr>
+        </p:nvSpPr>
+        <p:spPr/>
+        <p:txBody>
+          <a:bodyPr/>
+          <a:lstStyle/>
+          <a:p>
+            <a:endParaRPr lang="en-US"/>
+          </a:p>
+        </p:txBody>
+      </p:sp>
+    </p:spTree>
+    <p:extLst>
+      <p:ext uri="{BB962C8B-B14F-4D97-AF65-F5344CB8AC3E}">
+        <p14:creationId xmlns:p14="http://schemas.microsoft.com/office/powerpoint/2010/main" val="3135252389"/>
+      </p:ext>
+    </p:extLst>
+  </p:cSld>
+  <p:clrMapOvr>
+    <a:masterClrMapping/>
+  </p:clrMapOvr>
+</p:sld>
+</file>
+
+<file path=ppt/slides/slide48.xml><?xml version="1.0" encoding="utf-8"?>
+<p:sld xmlns:a="http://schemas.openxmlformats.org/drawingml/2006/main" xmlns:r="http://schemas.openxmlformats.org/officeDocument/2006/relationships" xmlns:p="http://schemas.openxmlformats.org/presentationml/2006/main">
+  <p:cSld>
+    <p:spTree>
+      <p:nvGrpSpPr>
+        <p:cNvPr id="1" name=""/>
+        <p:cNvGrpSpPr/>
+        <p:nvPr/>
+      </p:nvGrpSpPr>
+      <p:grpSpPr>
+        <a:xfrm>
+          <a:off x="0" y="0"/>
+          <a:ext cx="0" cy="0"/>
+          <a:chOff x="0" y="0"/>
+          <a:chExt cx="0" cy="0"/>
+        </a:xfrm>
+      </p:grpSpPr>
+      <p:sp>
+        <p:nvSpPr>
+          <p:cNvPr id="3" name="Content Placeholder 2">
+            <a:extLst>
+              <a:ext uri="{FF2B5EF4-FFF2-40B4-BE49-F238E27FC236}">
+                <a16:creationId xmlns:a16="http://schemas.microsoft.com/office/drawing/2014/main" id="{F397A966-46E0-46BD-BF37-1DF4B3FBA1AC}"/>
+              </a:ext>
+            </a:extLst>
+          </p:cNvPr>
+          <p:cNvSpPr>
+            <a:spLocks noGrp="1"/>
+          </p:cNvSpPr>
+          <p:nvPr>
+            <p:ph idx="1"/>
+          </p:nvPr>
+        </p:nvSpPr>
+        <p:spPr/>
+        <p:txBody>
+          <a:bodyPr/>
+          <a:lstStyle/>
+          <a:p>
+            <a:r>
+              <a:rPr lang="en-GB" dirty="0"/>
+              <a:t>Compute spin contributions:</a:t>
+            </a:r>
+          </a:p>
+          <a:p>
+            <a:pPr lvl="1"/>
+            <a:r>
+              <a:rPr lang="en-GB" dirty="0"/>
+              <a:t>NESW neighbours, then halve</a:t>
+            </a:r>
+          </a:p>
+          <a:p>
+            <a:pPr lvl="1"/>
+            <a:endParaRPr lang="en-GB" dirty="0"/>
+          </a:p>
+        </p:txBody>
+      </p:sp>
+      <p:sp>
+        <p:nvSpPr>
+          <p:cNvPr id="6" name="Title 5">
+            <a:extLst>
+              <a:ext uri="{FF2B5EF4-FFF2-40B4-BE49-F238E27FC236}">
+                <a16:creationId xmlns:a16="http://schemas.microsoft.com/office/drawing/2014/main" id="{A59BF89F-4028-453C-AC2E-567195DA93CB}"/>
+              </a:ext>
+            </a:extLst>
+          </p:cNvPr>
+          <p:cNvSpPr>
+            <a:spLocks noGrp="1"/>
+          </p:cNvSpPr>
+          <p:nvPr>
+            <p:ph type="title"/>
+          </p:nvPr>
+        </p:nvSpPr>
+        <p:spPr/>
+        <p:txBody>
+          <a:bodyPr/>
+          <a:lstStyle/>
+          <a:p>
+            <a:r>
+              <a:rPr lang="en-GB" dirty="0"/>
+              <a:t>Performant </a:t>
+            </a:r>
+            <a:r>
+              <a:rPr lang="en-GB" dirty="0">
+                <a:latin typeface="APL385 Unicode" panose="020B0709000202000203" pitchFamily="49" charset="0"/>
+              </a:rPr>
+              <a:t>Simulate</a:t>
+            </a:r>
+          </a:p>
+        </p:txBody>
+      </p:sp>
+      <p:sp>
+        <p:nvSpPr>
+          <p:cNvPr id="5" name="Content Placeholder 4">
+            <a:extLst>
+              <a:ext uri="{FF2B5EF4-FFF2-40B4-BE49-F238E27FC236}">
+                <a16:creationId xmlns:a16="http://schemas.microsoft.com/office/drawing/2014/main" id="{6A71AFEE-C0A1-4E08-A725-6A0A6888C16D}"/>
+              </a:ext>
+            </a:extLst>
+          </p:cNvPr>
+          <p:cNvSpPr>
+            <a:spLocks noGrp="1"/>
+          </p:cNvSpPr>
+          <p:nvPr>
+            <p:ph idx="10"/>
+          </p:nvPr>
+        </p:nvSpPr>
+        <p:spPr/>
+        <p:txBody>
+          <a:bodyPr/>
+          <a:lstStyle/>
+          <a:p>
+            <a:endParaRPr lang="en-US"/>
+          </a:p>
+        </p:txBody>
+      </p:sp>
+    </p:spTree>
+    <p:extLst>
+      <p:ext uri="{BB962C8B-B14F-4D97-AF65-F5344CB8AC3E}">
+        <p14:creationId xmlns:p14="http://schemas.microsoft.com/office/powerpoint/2010/main" val="1334894292"/>
+      </p:ext>
+    </p:extLst>
+  </p:cSld>
+  <p:clrMapOvr>
+    <a:masterClrMapping/>
+  </p:clrMapOvr>
+</p:sld>
+</file>
+
+<file path=ppt/slides/slide49.xml><?xml version="1.0" encoding="utf-8"?>
+<p:sld xmlns:a="http://schemas.openxmlformats.org/drawingml/2006/main" xmlns:r="http://schemas.openxmlformats.org/officeDocument/2006/relationships" xmlns:p="http://schemas.openxmlformats.org/presentationml/2006/main">
+  <p:cSld>
+    <p:spTree>
+      <p:nvGrpSpPr>
+        <p:cNvPr id="1" name=""/>
+        <p:cNvGrpSpPr/>
+        <p:nvPr/>
+      </p:nvGrpSpPr>
+      <p:grpSpPr>
+        <a:xfrm>
+          <a:off x="0" y="0"/>
+          <a:ext cx="0" cy="0"/>
+          <a:chOff x="0" y="0"/>
+          <a:chExt cx="0" cy="0"/>
+        </a:xfrm>
+      </p:grpSpPr>
+      <p:pic>
+        <p:nvPicPr>
+          <p:cNvPr id="3" name="Picture 2" descr="A picture containing icon&#10;&#10;Description automatically generated">
+            <a:extLst>
+              <a:ext uri="{FF2B5EF4-FFF2-40B4-BE49-F238E27FC236}">
+                <a16:creationId xmlns:a16="http://schemas.microsoft.com/office/drawing/2014/main" id="{55610F1C-7F62-454E-B415-1BDD8EA8D347}"/>
+              </a:ext>
+            </a:extLst>
+          </p:cNvPr>
+          <p:cNvPicPr>
+            <a:picLocks noChangeAspect="1"/>
+          </p:cNvPicPr>
+          <p:nvPr/>
+        </p:nvPicPr>
+        <p:blipFill>
+          <a:blip r:embed="rId2">
+            <a:extLst>
+              <a:ext uri="{28A0092B-C50C-407E-A947-70E740481C1C}">
+                <a14:useLocalDpi xmlns:a14="http://schemas.microsoft.com/office/drawing/2010/main" val="0"/>
+              </a:ext>
+            </a:extLst>
+          </a:blip>
+          <a:stretch>
+            <a:fillRect/>
+          </a:stretch>
+        </p:blipFill>
+        <p:spPr>
+          <a:xfrm>
+            <a:off x="1842706" y="795089"/>
+            <a:ext cx="5458587" cy="3553321"/>
+          </a:xfrm>
+          <a:prstGeom prst="rect">
+            <a:avLst/>
+          </a:prstGeom>
+        </p:spPr>
+      </p:pic>
+    </p:spTree>
+    <p:extLst>
+      <p:ext uri="{BB962C8B-B14F-4D97-AF65-F5344CB8AC3E}">
+        <p14:creationId xmlns:p14="http://schemas.microsoft.com/office/powerpoint/2010/main" val="1045207558"/>
+      </p:ext>
+    </p:extLst>
+  </p:cSld>
+  <p:clrMapOvr>
+    <a:masterClrMapping/>
+  </p:clrMapOvr>
+</p:sld>
+</file>
+
 <file path=ppt/slides/slide5.xml><?xml version="1.0" encoding="utf-8"?>
 <p:sld xmlns:a="http://schemas.openxmlformats.org/drawingml/2006/main" xmlns:r="http://schemas.openxmlformats.org/officeDocument/2006/relationships" xmlns:p="http://schemas.openxmlformats.org/presentationml/2006/main">
   <p:cSld>
@@ -18944,6 +24920,843 @@
       </p:transition>
     </mc:Fallback>
   </mc:AlternateContent>
+</p:sld>
+</file>
+
+<file path=ppt/slides/slide50.xml><?xml version="1.0" encoding="utf-8"?>
+<p:sld xmlns:a="http://schemas.openxmlformats.org/drawingml/2006/main" xmlns:r="http://schemas.openxmlformats.org/officeDocument/2006/relationships" xmlns:p="http://schemas.openxmlformats.org/presentationml/2006/main">
+  <p:cSld>
+    <p:spTree>
+      <p:nvGrpSpPr>
+        <p:cNvPr id="1" name=""/>
+        <p:cNvGrpSpPr/>
+        <p:nvPr/>
+      </p:nvGrpSpPr>
+      <p:grpSpPr>
+        <a:xfrm>
+          <a:off x="0" y="0"/>
+          <a:ext cx="0" cy="0"/>
+          <a:chOff x="0" y="0"/>
+          <a:chExt cx="0" cy="0"/>
+        </a:xfrm>
+      </p:grpSpPr>
+      <p:pic>
+        <p:nvPicPr>
+          <p:cNvPr id="4" name="Picture 3" descr="A picture containing arrow&#10;&#10;Description automatically generated">
+            <a:extLst>
+              <a:ext uri="{FF2B5EF4-FFF2-40B4-BE49-F238E27FC236}">
+                <a16:creationId xmlns:a16="http://schemas.microsoft.com/office/drawing/2014/main" id="{B683DE3C-BCC0-425A-BDE6-B078F0D60669}"/>
+              </a:ext>
+            </a:extLst>
+          </p:cNvPr>
+          <p:cNvPicPr>
+            <a:picLocks noChangeAspect="1"/>
+          </p:cNvPicPr>
+          <p:nvPr/>
+        </p:nvPicPr>
+        <p:blipFill>
+          <a:blip r:embed="rId2">
+            <a:extLst>
+              <a:ext uri="{28A0092B-C50C-407E-A947-70E740481C1C}">
+                <a14:useLocalDpi xmlns:a14="http://schemas.microsoft.com/office/drawing/2010/main" val="0"/>
+              </a:ext>
+            </a:extLst>
+          </a:blip>
+          <a:stretch>
+            <a:fillRect/>
+          </a:stretch>
+        </p:blipFill>
+        <p:spPr>
+          <a:xfrm>
+            <a:off x="1842706" y="795089"/>
+            <a:ext cx="5458587" cy="3553321"/>
+          </a:xfrm>
+          <a:prstGeom prst="rect">
+            <a:avLst/>
+          </a:prstGeom>
+        </p:spPr>
+      </p:pic>
+    </p:spTree>
+    <p:extLst>
+      <p:ext uri="{BB962C8B-B14F-4D97-AF65-F5344CB8AC3E}">
+        <p14:creationId xmlns:p14="http://schemas.microsoft.com/office/powerpoint/2010/main" val="3200508148"/>
+      </p:ext>
+    </p:extLst>
+  </p:cSld>
+  <p:clrMapOvr>
+    <a:masterClrMapping/>
+  </p:clrMapOvr>
+</p:sld>
+</file>
+
+<file path=ppt/slides/slide51.xml><?xml version="1.0" encoding="utf-8"?>
+<p:sld xmlns:a="http://schemas.openxmlformats.org/drawingml/2006/main" xmlns:r="http://schemas.openxmlformats.org/officeDocument/2006/relationships" xmlns:p="http://schemas.openxmlformats.org/presentationml/2006/main">
+  <p:cSld>
+    <p:spTree>
+      <p:nvGrpSpPr>
+        <p:cNvPr id="1" name=""/>
+        <p:cNvGrpSpPr/>
+        <p:nvPr/>
+      </p:nvGrpSpPr>
+      <p:grpSpPr>
+        <a:xfrm>
+          <a:off x="0" y="0"/>
+          <a:ext cx="0" cy="0"/>
+          <a:chOff x="0" y="0"/>
+          <a:chExt cx="0" cy="0"/>
+        </a:xfrm>
+      </p:grpSpPr>
+      <p:sp>
+        <p:nvSpPr>
+          <p:cNvPr id="3" name="Content Placeholder 2">
+            <a:extLst>
+              <a:ext uri="{FF2B5EF4-FFF2-40B4-BE49-F238E27FC236}">
+                <a16:creationId xmlns:a16="http://schemas.microsoft.com/office/drawing/2014/main" id="{F397A966-46E0-46BD-BF37-1DF4B3FBA1AC}"/>
+              </a:ext>
+            </a:extLst>
+          </p:cNvPr>
+          <p:cNvSpPr>
+            <a:spLocks noGrp="1"/>
+          </p:cNvSpPr>
+          <p:nvPr>
+            <p:ph idx="1"/>
+          </p:nvPr>
+        </p:nvSpPr>
+        <p:spPr/>
+        <p:txBody>
+          <a:bodyPr/>
+          <a:lstStyle/>
+          <a:p>
+            <a:r>
+              <a:rPr lang="en-GB" dirty="0"/>
+              <a:t>Compute spin contributions:</a:t>
+            </a:r>
+          </a:p>
+          <a:p>
+            <a:pPr lvl="1"/>
+            <a:r>
+              <a:rPr lang="en-GB" dirty="0"/>
+              <a:t>NSEW neighbours, then halve</a:t>
+            </a:r>
+          </a:p>
+          <a:p>
+            <a:pPr lvl="1"/>
+            <a:r>
+              <a:rPr lang="en-GB" dirty="0"/>
+              <a:t>2 neighbours, then tile</a:t>
+            </a:r>
+          </a:p>
+          <a:p>
+            <a:pPr lvl="1"/>
+            <a:endParaRPr lang="en-GB" dirty="0"/>
+          </a:p>
+        </p:txBody>
+      </p:sp>
+      <p:sp>
+        <p:nvSpPr>
+          <p:cNvPr id="6" name="Title 5">
+            <a:extLst>
+              <a:ext uri="{FF2B5EF4-FFF2-40B4-BE49-F238E27FC236}">
+                <a16:creationId xmlns:a16="http://schemas.microsoft.com/office/drawing/2014/main" id="{A59BF89F-4028-453C-AC2E-567195DA93CB}"/>
+              </a:ext>
+            </a:extLst>
+          </p:cNvPr>
+          <p:cNvSpPr>
+            <a:spLocks noGrp="1"/>
+          </p:cNvSpPr>
+          <p:nvPr>
+            <p:ph type="title"/>
+          </p:nvPr>
+        </p:nvSpPr>
+        <p:spPr/>
+        <p:txBody>
+          <a:bodyPr/>
+          <a:lstStyle/>
+          <a:p>
+            <a:r>
+              <a:rPr lang="en-GB" dirty="0"/>
+              <a:t>Performant </a:t>
+            </a:r>
+            <a:r>
+              <a:rPr lang="en-GB" dirty="0">
+                <a:latin typeface="APL385 Unicode" panose="020B0709000202000203" pitchFamily="49" charset="0"/>
+              </a:rPr>
+              <a:t>Simulate</a:t>
+            </a:r>
+          </a:p>
+        </p:txBody>
+      </p:sp>
+      <p:sp>
+        <p:nvSpPr>
+          <p:cNvPr id="5" name="Content Placeholder 4">
+            <a:extLst>
+              <a:ext uri="{FF2B5EF4-FFF2-40B4-BE49-F238E27FC236}">
+                <a16:creationId xmlns:a16="http://schemas.microsoft.com/office/drawing/2014/main" id="{6A71AFEE-C0A1-4E08-A725-6A0A6888C16D}"/>
+              </a:ext>
+            </a:extLst>
+          </p:cNvPr>
+          <p:cNvSpPr>
+            <a:spLocks noGrp="1"/>
+          </p:cNvSpPr>
+          <p:nvPr>
+            <p:ph idx="10"/>
+          </p:nvPr>
+        </p:nvSpPr>
+        <p:spPr/>
+        <p:txBody>
+          <a:bodyPr/>
+          <a:lstStyle/>
+          <a:p>
+            <a:endParaRPr lang="en-US"/>
+          </a:p>
+        </p:txBody>
+      </p:sp>
+    </p:spTree>
+    <p:extLst>
+      <p:ext uri="{BB962C8B-B14F-4D97-AF65-F5344CB8AC3E}">
+        <p14:creationId xmlns:p14="http://schemas.microsoft.com/office/powerpoint/2010/main" val="1647174737"/>
+      </p:ext>
+    </p:extLst>
+  </p:cSld>
+  <p:clrMapOvr>
+    <a:masterClrMapping/>
+  </p:clrMapOvr>
+</p:sld>
+</file>
+
+<file path=ppt/slides/slide52.xml><?xml version="1.0" encoding="utf-8"?>
+<p:sld xmlns:a="http://schemas.openxmlformats.org/drawingml/2006/main" xmlns:r="http://schemas.openxmlformats.org/officeDocument/2006/relationships" xmlns:p="http://schemas.openxmlformats.org/presentationml/2006/main">
+  <p:cSld>
+    <p:spTree>
+      <p:nvGrpSpPr>
+        <p:cNvPr id="1" name=""/>
+        <p:cNvGrpSpPr/>
+        <p:nvPr/>
+      </p:nvGrpSpPr>
+      <p:grpSpPr>
+        <a:xfrm>
+          <a:off x="0" y="0"/>
+          <a:ext cx="0" cy="0"/>
+          <a:chOff x="0" y="0"/>
+          <a:chExt cx="0" cy="0"/>
+        </a:xfrm>
+      </p:grpSpPr>
+      <p:pic>
+        <p:nvPicPr>
+          <p:cNvPr id="3" name="Picture 2" descr="A picture containing icon&#10;&#10;Description automatically generated">
+            <a:extLst>
+              <a:ext uri="{FF2B5EF4-FFF2-40B4-BE49-F238E27FC236}">
+                <a16:creationId xmlns:a16="http://schemas.microsoft.com/office/drawing/2014/main" id="{9D7175BE-B921-4AEF-BF18-9DAD35973787}"/>
+              </a:ext>
+            </a:extLst>
+          </p:cNvPr>
+          <p:cNvPicPr>
+            <a:picLocks noChangeAspect="1"/>
+          </p:cNvPicPr>
+          <p:nvPr/>
+        </p:nvPicPr>
+        <p:blipFill>
+          <a:blip r:embed="rId2">
+            <a:extLst>
+              <a:ext uri="{28A0092B-C50C-407E-A947-70E740481C1C}">
+                <a14:useLocalDpi xmlns:a14="http://schemas.microsoft.com/office/drawing/2010/main" val="0"/>
+              </a:ext>
+            </a:extLst>
+          </a:blip>
+          <a:stretch>
+            <a:fillRect/>
+          </a:stretch>
+        </p:blipFill>
+        <p:spPr>
+          <a:xfrm>
+            <a:off x="1971312" y="995142"/>
+            <a:ext cx="5201376" cy="3153215"/>
+          </a:xfrm>
+          <a:prstGeom prst="rect">
+            <a:avLst/>
+          </a:prstGeom>
+        </p:spPr>
+      </p:pic>
+    </p:spTree>
+    <p:extLst>
+      <p:ext uri="{BB962C8B-B14F-4D97-AF65-F5344CB8AC3E}">
+        <p14:creationId xmlns:p14="http://schemas.microsoft.com/office/powerpoint/2010/main" val="2295487175"/>
+      </p:ext>
+    </p:extLst>
+  </p:cSld>
+  <p:clrMapOvr>
+    <a:masterClrMapping/>
+  </p:clrMapOvr>
+</p:sld>
+</file>
+
+<file path=ppt/slides/slide53.xml><?xml version="1.0" encoding="utf-8"?>
+<p:sld xmlns:a="http://schemas.openxmlformats.org/drawingml/2006/main" xmlns:r="http://schemas.openxmlformats.org/officeDocument/2006/relationships" xmlns:p="http://schemas.openxmlformats.org/presentationml/2006/main">
+  <p:cSld>
+    <p:spTree>
+      <p:nvGrpSpPr>
+        <p:cNvPr id="1" name=""/>
+        <p:cNvGrpSpPr/>
+        <p:nvPr/>
+      </p:nvGrpSpPr>
+      <p:grpSpPr>
+        <a:xfrm>
+          <a:off x="0" y="0"/>
+          <a:ext cx="0" cy="0"/>
+          <a:chOff x="0" y="0"/>
+          <a:chExt cx="0" cy="0"/>
+        </a:xfrm>
+      </p:grpSpPr>
+      <p:pic>
+        <p:nvPicPr>
+          <p:cNvPr id="4" name="Picture 3" descr="Diagram&#10;&#10;Description automatically generated">
+            <a:extLst>
+              <a:ext uri="{FF2B5EF4-FFF2-40B4-BE49-F238E27FC236}">
+                <a16:creationId xmlns:a16="http://schemas.microsoft.com/office/drawing/2014/main" id="{8CA32691-FD2F-4ADA-9B81-34F5631A3259}"/>
+              </a:ext>
+            </a:extLst>
+          </p:cNvPr>
+          <p:cNvPicPr>
+            <a:picLocks noChangeAspect="1"/>
+          </p:cNvPicPr>
+          <p:nvPr/>
+        </p:nvPicPr>
+        <p:blipFill>
+          <a:blip r:embed="rId2">
+            <a:extLst>
+              <a:ext uri="{28A0092B-C50C-407E-A947-70E740481C1C}">
+                <a14:useLocalDpi xmlns:a14="http://schemas.microsoft.com/office/drawing/2010/main" val="0"/>
+              </a:ext>
+            </a:extLst>
+          </a:blip>
+          <a:stretch>
+            <a:fillRect/>
+          </a:stretch>
+        </p:blipFill>
+        <p:spPr>
+          <a:xfrm>
+            <a:off x="1971312" y="995142"/>
+            <a:ext cx="5201376" cy="3153215"/>
+          </a:xfrm>
+          <a:prstGeom prst="rect">
+            <a:avLst/>
+          </a:prstGeom>
+        </p:spPr>
+      </p:pic>
+    </p:spTree>
+    <p:extLst>
+      <p:ext uri="{BB962C8B-B14F-4D97-AF65-F5344CB8AC3E}">
+        <p14:creationId xmlns:p14="http://schemas.microsoft.com/office/powerpoint/2010/main" val="2782367760"/>
+      </p:ext>
+    </p:extLst>
+  </p:cSld>
+  <p:clrMapOvr>
+    <a:masterClrMapping/>
+  </p:clrMapOvr>
+</p:sld>
+</file>
+
+<file path=ppt/slides/slide54.xml><?xml version="1.0" encoding="utf-8"?>
+<p:sld xmlns:a="http://schemas.openxmlformats.org/drawingml/2006/main" xmlns:r="http://schemas.openxmlformats.org/officeDocument/2006/relationships" xmlns:p="http://schemas.openxmlformats.org/presentationml/2006/main">
+  <p:cSld>
+    <p:spTree>
+      <p:nvGrpSpPr>
+        <p:cNvPr id="1" name=""/>
+        <p:cNvGrpSpPr/>
+        <p:nvPr/>
+      </p:nvGrpSpPr>
+      <p:grpSpPr>
+        <a:xfrm>
+          <a:off x="0" y="0"/>
+          <a:ext cx="0" cy="0"/>
+          <a:chOff x="0" y="0"/>
+          <a:chExt cx="0" cy="0"/>
+        </a:xfrm>
+      </p:grpSpPr>
+      <p:sp>
+        <p:nvSpPr>
+          <p:cNvPr id="3" name="Content Placeholder 2">
+            <a:extLst>
+              <a:ext uri="{FF2B5EF4-FFF2-40B4-BE49-F238E27FC236}">
+                <a16:creationId xmlns:a16="http://schemas.microsoft.com/office/drawing/2014/main" id="{F397A966-46E0-46BD-BF37-1DF4B3FBA1AC}"/>
+              </a:ext>
+            </a:extLst>
+          </p:cNvPr>
+          <p:cNvSpPr>
+            <a:spLocks noGrp="1"/>
+          </p:cNvSpPr>
+          <p:nvPr>
+            <p:ph idx="1"/>
+          </p:nvPr>
+        </p:nvSpPr>
+        <p:spPr/>
+        <p:txBody>
+          <a:bodyPr/>
+          <a:lstStyle/>
+          <a:p>
+            <a:r>
+              <a:rPr lang="en-GB" dirty="0"/>
+              <a:t>Cache current total energy</a:t>
+            </a:r>
+          </a:p>
+          <a:p>
+            <a:pPr lvl="1"/>
+            <a:endParaRPr lang="en-GB" dirty="0"/>
+          </a:p>
+        </p:txBody>
+      </p:sp>
+      <p:sp>
+        <p:nvSpPr>
+          <p:cNvPr id="6" name="Title 5">
+            <a:extLst>
+              <a:ext uri="{FF2B5EF4-FFF2-40B4-BE49-F238E27FC236}">
+                <a16:creationId xmlns:a16="http://schemas.microsoft.com/office/drawing/2014/main" id="{A59BF89F-4028-453C-AC2E-567195DA93CB}"/>
+              </a:ext>
+            </a:extLst>
+          </p:cNvPr>
+          <p:cNvSpPr>
+            <a:spLocks noGrp="1"/>
+          </p:cNvSpPr>
+          <p:nvPr>
+            <p:ph type="title"/>
+          </p:nvPr>
+        </p:nvSpPr>
+        <p:spPr/>
+        <p:txBody>
+          <a:bodyPr/>
+          <a:lstStyle/>
+          <a:p>
+            <a:r>
+              <a:rPr lang="en-GB" dirty="0"/>
+              <a:t>Performant </a:t>
+            </a:r>
+            <a:r>
+              <a:rPr lang="en-GB" dirty="0">
+                <a:latin typeface="APL385 Unicode" panose="020B0709000202000203" pitchFamily="49" charset="0"/>
+              </a:rPr>
+              <a:t>Simulate</a:t>
+            </a:r>
+          </a:p>
+        </p:txBody>
+      </p:sp>
+      <p:sp>
+        <p:nvSpPr>
+          <p:cNvPr id="5" name="Content Placeholder 4">
+            <a:extLst>
+              <a:ext uri="{FF2B5EF4-FFF2-40B4-BE49-F238E27FC236}">
+                <a16:creationId xmlns:a16="http://schemas.microsoft.com/office/drawing/2014/main" id="{6A71AFEE-C0A1-4E08-A725-6A0A6888C16D}"/>
+              </a:ext>
+            </a:extLst>
+          </p:cNvPr>
+          <p:cNvSpPr>
+            <a:spLocks noGrp="1"/>
+          </p:cNvSpPr>
+          <p:nvPr>
+            <p:ph idx="10"/>
+          </p:nvPr>
+        </p:nvSpPr>
+        <p:spPr/>
+        <p:txBody>
+          <a:bodyPr/>
+          <a:lstStyle/>
+          <a:p>
+            <a:endParaRPr lang="en-US"/>
+          </a:p>
+        </p:txBody>
+      </p:sp>
+    </p:spTree>
+    <p:extLst>
+      <p:ext uri="{BB962C8B-B14F-4D97-AF65-F5344CB8AC3E}">
+        <p14:creationId xmlns:p14="http://schemas.microsoft.com/office/powerpoint/2010/main" val="1743652504"/>
+      </p:ext>
+    </p:extLst>
+  </p:cSld>
+  <p:clrMapOvr>
+    <a:masterClrMapping/>
+  </p:clrMapOvr>
+</p:sld>
+</file>
+
+<file path=ppt/slides/slide55.xml><?xml version="1.0" encoding="utf-8"?>
+<p:sld xmlns:a="http://schemas.openxmlformats.org/drawingml/2006/main" xmlns:r="http://schemas.openxmlformats.org/officeDocument/2006/relationships" xmlns:p="http://schemas.openxmlformats.org/presentationml/2006/main">
+  <p:cSld>
+    <p:spTree>
+      <p:nvGrpSpPr>
+        <p:cNvPr id="1" name=""/>
+        <p:cNvGrpSpPr/>
+        <p:nvPr/>
+      </p:nvGrpSpPr>
+      <p:grpSpPr>
+        <a:xfrm>
+          <a:off x="0" y="0"/>
+          <a:ext cx="0" cy="0"/>
+          <a:chOff x="0" y="0"/>
+          <a:chExt cx="0" cy="0"/>
+        </a:xfrm>
+      </p:grpSpPr>
+      <p:sp>
+        <p:nvSpPr>
+          <p:cNvPr id="3" name="Content Placeholder 2">
+            <a:extLst>
+              <a:ext uri="{FF2B5EF4-FFF2-40B4-BE49-F238E27FC236}">
+                <a16:creationId xmlns:a16="http://schemas.microsoft.com/office/drawing/2014/main" id="{F397A966-46E0-46BD-BF37-1DF4B3FBA1AC}"/>
+              </a:ext>
+            </a:extLst>
+          </p:cNvPr>
+          <p:cNvSpPr>
+            <a:spLocks noGrp="1"/>
+          </p:cNvSpPr>
+          <p:nvPr>
+            <p:ph idx="1"/>
+          </p:nvPr>
+        </p:nvSpPr>
+        <p:spPr/>
+        <p:txBody>
+          <a:bodyPr/>
+          <a:lstStyle/>
+          <a:p>
+            <a:r>
+              <a:rPr lang="en-GB" dirty="0"/>
+              <a:t>Change in energy:</a:t>
+            </a:r>
+          </a:p>
+          <a:p>
+            <a:pPr lvl="1"/>
+            <a:r>
+              <a:rPr lang="en-GB" dirty="0"/>
+              <a:t>Difference in total</a:t>
+            </a:r>
+          </a:p>
+          <a:p>
+            <a:pPr lvl="1"/>
+            <a:r>
+              <a:rPr lang="en-GB" dirty="0"/>
+              <a:t>Difference in the neighbourhood</a:t>
+            </a:r>
+          </a:p>
+          <a:p>
+            <a:pPr lvl="1"/>
+            <a:endParaRPr lang="en-GB" dirty="0"/>
+          </a:p>
+        </p:txBody>
+      </p:sp>
+      <p:sp>
+        <p:nvSpPr>
+          <p:cNvPr id="6" name="Title 5">
+            <a:extLst>
+              <a:ext uri="{FF2B5EF4-FFF2-40B4-BE49-F238E27FC236}">
+                <a16:creationId xmlns:a16="http://schemas.microsoft.com/office/drawing/2014/main" id="{A59BF89F-4028-453C-AC2E-567195DA93CB}"/>
+              </a:ext>
+            </a:extLst>
+          </p:cNvPr>
+          <p:cNvSpPr>
+            <a:spLocks noGrp="1"/>
+          </p:cNvSpPr>
+          <p:nvPr>
+            <p:ph type="title"/>
+          </p:nvPr>
+        </p:nvSpPr>
+        <p:spPr/>
+        <p:txBody>
+          <a:bodyPr/>
+          <a:lstStyle/>
+          <a:p>
+            <a:r>
+              <a:rPr lang="en-GB" dirty="0"/>
+              <a:t>Performant </a:t>
+            </a:r>
+            <a:r>
+              <a:rPr lang="en-GB" dirty="0">
+                <a:latin typeface="APL385 Unicode" panose="020B0709000202000203" pitchFamily="49" charset="0"/>
+              </a:rPr>
+              <a:t>Simulate</a:t>
+            </a:r>
+          </a:p>
+        </p:txBody>
+      </p:sp>
+      <p:sp>
+        <p:nvSpPr>
+          <p:cNvPr id="5" name="Content Placeholder 4">
+            <a:extLst>
+              <a:ext uri="{FF2B5EF4-FFF2-40B4-BE49-F238E27FC236}">
+                <a16:creationId xmlns:a16="http://schemas.microsoft.com/office/drawing/2014/main" id="{6A71AFEE-C0A1-4E08-A725-6A0A6888C16D}"/>
+              </a:ext>
+            </a:extLst>
+          </p:cNvPr>
+          <p:cNvSpPr>
+            <a:spLocks noGrp="1"/>
+          </p:cNvSpPr>
+          <p:nvPr>
+            <p:ph idx="10"/>
+          </p:nvPr>
+        </p:nvSpPr>
+        <p:spPr/>
+        <p:txBody>
+          <a:bodyPr/>
+          <a:lstStyle/>
+          <a:p>
+            <a:endParaRPr lang="en-US"/>
+          </a:p>
+        </p:txBody>
+      </p:sp>
+      <p:pic>
+        <p:nvPicPr>
+          <p:cNvPr id="7" name="Picture 6" descr="A picture containing icon&#10;&#10;Description automatically generated">
+            <a:extLst>
+              <a:ext uri="{FF2B5EF4-FFF2-40B4-BE49-F238E27FC236}">
+                <a16:creationId xmlns:a16="http://schemas.microsoft.com/office/drawing/2014/main" id="{E9758616-9DAC-46C9-980A-3D5DFF09B249}"/>
+              </a:ext>
+            </a:extLst>
+          </p:cNvPr>
+          <p:cNvPicPr>
+            <a:picLocks noChangeAspect="1"/>
+          </p:cNvPicPr>
+          <p:nvPr/>
+        </p:nvPicPr>
+        <p:blipFill>
+          <a:blip r:embed="rId2" cstate="print">
+            <a:extLst>
+              <a:ext uri="{28A0092B-C50C-407E-A947-70E740481C1C}">
+                <a14:useLocalDpi xmlns:a14="http://schemas.microsoft.com/office/drawing/2010/main" val="0"/>
+              </a:ext>
+            </a:extLst>
+          </a:blip>
+          <a:stretch>
+            <a:fillRect/>
+          </a:stretch>
+        </p:blipFill>
+        <p:spPr>
+          <a:xfrm>
+            <a:off x="3458990" y="2571750"/>
+            <a:ext cx="2226020" cy="1449050"/>
+          </a:xfrm>
+          <a:prstGeom prst="rect">
+            <a:avLst/>
+          </a:prstGeom>
+        </p:spPr>
+      </p:pic>
+    </p:spTree>
+    <p:extLst>
+      <p:ext uri="{BB962C8B-B14F-4D97-AF65-F5344CB8AC3E}">
+        <p14:creationId xmlns:p14="http://schemas.microsoft.com/office/powerpoint/2010/main" val="74020135"/>
+      </p:ext>
+    </p:extLst>
+  </p:cSld>
+  <p:clrMapOvr>
+    <a:masterClrMapping/>
+  </p:clrMapOvr>
+</p:sld>
+</file>
+
+<file path=ppt/slides/slide56.xml><?xml version="1.0" encoding="utf-8"?>
+<p:sld xmlns:a="http://schemas.openxmlformats.org/drawingml/2006/main" xmlns:r="http://schemas.openxmlformats.org/officeDocument/2006/relationships" xmlns:p="http://schemas.openxmlformats.org/presentationml/2006/main">
+  <p:cSld>
+    <p:spTree>
+      <p:nvGrpSpPr>
+        <p:cNvPr id="1" name=""/>
+        <p:cNvGrpSpPr/>
+        <p:nvPr/>
+      </p:nvGrpSpPr>
+      <p:grpSpPr>
+        <a:xfrm>
+          <a:off x="0" y="0"/>
+          <a:ext cx="0" cy="0"/>
+          <a:chOff x="0" y="0"/>
+          <a:chExt cx="0" cy="0"/>
+        </a:xfrm>
+      </p:grpSpPr>
+      <p:sp>
+        <p:nvSpPr>
+          <p:cNvPr id="2" name="Title 1">
+            <a:extLst>
+              <a:ext uri="{FF2B5EF4-FFF2-40B4-BE49-F238E27FC236}">
+                <a16:creationId xmlns:a16="http://schemas.microsoft.com/office/drawing/2014/main" id="{CA03ABD4-C518-4141-BEFE-F3FDCBE13F50}"/>
+              </a:ext>
+            </a:extLst>
+          </p:cNvPr>
+          <p:cNvSpPr>
+            <a:spLocks noGrp="1"/>
+          </p:cNvSpPr>
+          <p:nvPr>
+            <p:ph type="title"/>
+          </p:nvPr>
+        </p:nvSpPr>
+        <p:spPr>
+          <a:xfrm>
+            <a:off x="445060" y="1688053"/>
+            <a:ext cx="5298515" cy="1767394"/>
+          </a:xfrm>
+        </p:spPr>
+        <p:txBody>
+          <a:bodyPr/>
+          <a:lstStyle/>
+          <a:p>
+            <a:r>
+              <a:rPr lang="en-GB" dirty="0"/>
+              <a:t>We're here for you!</a:t>
+            </a:r>
+            <a:br>
+              <a:rPr lang="en-GB" dirty="0"/>
+            </a:br>
+            <a:br>
+              <a:rPr lang="en-GB" dirty="0"/>
+            </a:br>
+            <a:endParaRPr lang="en-GB" dirty="0"/>
+          </a:p>
+        </p:txBody>
+      </p:sp>
+      <p:sp>
+        <p:nvSpPr>
+          <p:cNvPr id="3" name="Text Placeholder 2">
+            <a:extLst>
+              <a:ext uri="{FF2B5EF4-FFF2-40B4-BE49-F238E27FC236}">
+                <a16:creationId xmlns:a16="http://schemas.microsoft.com/office/drawing/2014/main" id="{291D985C-C2CE-4956-A0F3-397B5A0D2634}"/>
+              </a:ext>
+            </a:extLst>
+          </p:cNvPr>
+          <p:cNvSpPr>
+            <a:spLocks noGrp="1"/>
+          </p:cNvSpPr>
+          <p:nvPr>
+            <p:ph type="body" sz="quarter" idx="10"/>
+          </p:nvPr>
+        </p:nvSpPr>
+        <p:spPr>
+          <a:xfrm>
+            <a:off x="445060" y="3741620"/>
+            <a:ext cx="6695210" cy="1024109"/>
+          </a:xfrm>
+        </p:spPr>
+        <p:txBody>
+          <a:bodyPr anchor="b" anchorCtr="0"/>
+          <a:lstStyle/>
+          <a:p>
+            <a:pPr>
+              <a:tabLst>
+                <a:tab pos="2957513" algn="l"/>
+              </a:tabLst>
+            </a:pPr>
+            <a:r>
+              <a:rPr lang="en-GB" dirty="0"/>
+              <a:t>General support	</a:t>
+            </a:r>
+            <a:r>
+              <a:rPr lang="en-GB" i="0" dirty="0"/>
+              <a:t>support@dyalog.com</a:t>
+            </a:r>
+            <a:br>
+              <a:rPr lang="en-GB" i="0" dirty="0"/>
+            </a:br>
+            <a:r>
+              <a:rPr lang="en-GB" dirty="0"/>
+              <a:t>Forums</a:t>
+            </a:r>
+            <a:r>
+              <a:rPr lang="en-GB" i="0" dirty="0"/>
+              <a:t>	forums.dyalog.com</a:t>
+            </a:r>
+            <a:br>
+              <a:rPr lang="en-GB" i="0" dirty="0"/>
+            </a:br>
+            <a:r>
+              <a:rPr lang="en-GB" dirty="0"/>
+              <a:t>Chat room</a:t>
+            </a:r>
+            <a:r>
+              <a:rPr lang="en-GB" i="0" dirty="0"/>
+              <a:t>	</a:t>
+            </a:r>
+            <a:r>
+              <a:rPr lang="en-GB" i="0" dirty="0" err="1"/>
+              <a:t>apl.chat</a:t>
+            </a:r>
+            <a:br>
+              <a:rPr lang="en-GB" i="0" dirty="0"/>
+            </a:br>
+            <a:r>
+              <a:rPr lang="en-GB" dirty="0"/>
+              <a:t>Adám Brudzewsky	</a:t>
+            </a:r>
+            <a:r>
+              <a:rPr lang="en-GB" i="0" dirty="0"/>
+              <a:t>adam@dyalog.com</a:t>
+            </a:r>
+            <a:br>
+              <a:rPr lang="en-GB" dirty="0"/>
+            </a:br>
+            <a:r>
+              <a:rPr lang="en-GB" dirty="0"/>
+              <a:t>Richard Park	</a:t>
+            </a:r>
+            <a:r>
+              <a:rPr lang="en-GB" i="0" dirty="0"/>
+              <a:t>rpark@dyalog.com</a:t>
+            </a:r>
+            <a:br>
+              <a:rPr lang="en-GB" dirty="0"/>
+            </a:br>
+            <a:r>
+              <a:rPr lang="en-GB" dirty="0"/>
+              <a:t>Rodrigo </a:t>
+            </a:r>
+            <a:r>
+              <a:rPr lang="en-GB" dirty="0" err="1"/>
+              <a:t>Girão</a:t>
+            </a:r>
+            <a:r>
+              <a:rPr lang="en-GB" dirty="0"/>
+              <a:t> </a:t>
+            </a:r>
+            <a:r>
+              <a:rPr lang="en-GB" dirty="0" err="1"/>
+              <a:t>Serrão</a:t>
+            </a:r>
+            <a:r>
+              <a:rPr lang="en-GB" dirty="0"/>
+              <a:t>	</a:t>
+            </a:r>
+            <a:r>
+              <a:rPr lang="en-GB" i="0" dirty="0"/>
+              <a:t>rodrigo@dyalog.com</a:t>
+            </a:r>
+          </a:p>
+        </p:txBody>
+      </p:sp>
+      <p:sp>
+        <p:nvSpPr>
+          <p:cNvPr id="4" name="Content Placeholder 3">
+            <a:extLst>
+              <a:ext uri="{FF2B5EF4-FFF2-40B4-BE49-F238E27FC236}">
+                <a16:creationId xmlns:a16="http://schemas.microsoft.com/office/drawing/2014/main" id="{5FB740D1-6116-46CC-8E22-DF7E1B66A40F}"/>
+              </a:ext>
+            </a:extLst>
+          </p:cNvPr>
+          <p:cNvSpPr>
+            <a:spLocks noGrp="1"/>
+          </p:cNvSpPr>
+          <p:nvPr>
+            <p:ph sz="quarter" idx="12"/>
+          </p:nvPr>
+        </p:nvSpPr>
+        <p:spPr/>
+        <p:txBody>
+          <a:bodyPr/>
+          <a:lstStyle/>
+          <a:p>
+            <a:endParaRPr lang="en-GB"/>
+          </a:p>
+        </p:txBody>
+      </p:sp>
+    </p:spTree>
+    <p:extLst>
+      <p:ext uri="{BB962C8B-B14F-4D97-AF65-F5344CB8AC3E}">
+        <p14:creationId xmlns:p14="http://schemas.microsoft.com/office/powerpoint/2010/main" val="1709987749"/>
+      </p:ext>
+    </p:extLst>
+  </p:cSld>
+  <p:clrMapOvr>
+    <a:masterClrMapping/>
+  </p:clrMapOvr>
 </p:sld>
 </file>
 

--- a/magnets/slides.pptx
+++ b/magnets/slides.pptx
@@ -22887,13 +22887,13 @@
           <a:p>
             <a:r>
               <a:rPr lang="en-GB" dirty="0"/>
+              <a:t>Run-time is usually more important than memory usage</a:t>
+            </a:r>
+          </a:p>
+          <a:p>
+            <a:r>
+              <a:rPr lang="en-GB" dirty="0"/>
               <a:t>Explore various algorithms</a:t>
-            </a:r>
-          </a:p>
-          <a:p>
-            <a:r>
-              <a:rPr lang="en-GB" dirty="0"/>
-              <a:t>Run-time is usually more important than memory usage</a:t>
             </a:r>
           </a:p>
           <a:p>
@@ -22905,11 +22905,7 @@
           <a:p>
             <a:r>
               <a:rPr lang="en-GB" dirty="0"/>
-              <a:t>Compare parts of the solution to construct </a:t>
-            </a:r>
-            <a:r>
-              <a:rPr lang="en-GB"/>
-              <a:t>the best combo</a:t>
+              <a:t>Compare parts of the solution to construct the best combo</a:t>
             </a:r>
             <a:br>
               <a:rPr lang="en-GB" dirty="0"/>

--- a/magnets/slides.pptx
+++ b/magnets/slides.pptx
@@ -5,10 +5,10 @@
     <p:sldMasterId id="2147483648" r:id="rId1"/>
   </p:sldMasterIdLst>
   <p:notesMasterIdLst>
-    <p:notesMasterId r:id="rId58"/>
+    <p:notesMasterId r:id="rId57"/>
   </p:notesMasterIdLst>
   <p:handoutMasterIdLst>
-    <p:handoutMasterId r:id="rId59"/>
+    <p:handoutMasterId r:id="rId58"/>
   </p:handoutMasterIdLst>
   <p:sldIdLst>
     <p:sldId id="261" r:id="rId2"/>
@@ -45,72 +45,71 @@
     <p:sldId id="310" r:id="rId33"/>
     <p:sldId id="287" r:id="rId34"/>
     <p:sldId id="288" r:id="rId35"/>
-    <p:sldId id="289" r:id="rId36"/>
-    <p:sldId id="290" r:id="rId37"/>
-    <p:sldId id="291" r:id="rId38"/>
-    <p:sldId id="292" r:id="rId39"/>
-    <p:sldId id="308" r:id="rId40"/>
-    <p:sldId id="311" r:id="rId41"/>
-    <p:sldId id="312" r:id="rId42"/>
-    <p:sldId id="313" r:id="rId43"/>
-    <p:sldId id="314" r:id="rId44"/>
-    <p:sldId id="315" r:id="rId45"/>
-    <p:sldId id="298" r:id="rId46"/>
-    <p:sldId id="299" r:id="rId47"/>
-    <p:sldId id="300" r:id="rId48"/>
-    <p:sldId id="301" r:id="rId49"/>
-    <p:sldId id="260" r:id="rId50"/>
-    <p:sldId id="302" r:id="rId51"/>
-    <p:sldId id="303" r:id="rId52"/>
-    <p:sldId id="304" r:id="rId53"/>
-    <p:sldId id="305" r:id="rId54"/>
-    <p:sldId id="306" r:id="rId55"/>
-    <p:sldId id="307" r:id="rId56"/>
-    <p:sldId id="316" r:id="rId57"/>
+    <p:sldId id="292" r:id="rId36"/>
+    <p:sldId id="289" r:id="rId37"/>
+    <p:sldId id="290" r:id="rId38"/>
+    <p:sldId id="308" r:id="rId39"/>
+    <p:sldId id="311" r:id="rId40"/>
+    <p:sldId id="312" r:id="rId41"/>
+    <p:sldId id="313" r:id="rId42"/>
+    <p:sldId id="314" r:id="rId43"/>
+    <p:sldId id="315" r:id="rId44"/>
+    <p:sldId id="298" r:id="rId45"/>
+    <p:sldId id="299" r:id="rId46"/>
+    <p:sldId id="300" r:id="rId47"/>
+    <p:sldId id="301" r:id="rId48"/>
+    <p:sldId id="260" r:id="rId49"/>
+    <p:sldId id="302" r:id="rId50"/>
+    <p:sldId id="303" r:id="rId51"/>
+    <p:sldId id="304" r:id="rId52"/>
+    <p:sldId id="305" r:id="rId53"/>
+    <p:sldId id="306" r:id="rId54"/>
+    <p:sldId id="307" r:id="rId55"/>
+    <p:sldId id="316" r:id="rId56"/>
   </p:sldIdLst>
   <p:sldSz cx="9144000" cy="5143500" type="screen16x9"/>
   <p:notesSz cx="6858000" cy="9144000"/>
   <p:embeddedFontLst>
     <p:embeddedFont>
       <p:font typeface="APL333" panose="020B0700000202000203" pitchFamily="34" charset="0"/>
+      <p:regular r:id="rId59"/>
+    </p:embeddedFont>
+    <p:embeddedFont>
+      <p:font typeface="APL385 Unicode" panose="020B0709000202000203" pitchFamily="49" charset="0"/>
       <p:regular r:id="rId60"/>
     </p:embeddedFont>
     <p:embeddedFont>
-      <p:font typeface="APL385 Unicode" panose="020B0709000202000203" pitchFamily="49" charset="0"/>
+      <p:font typeface="APL386 Unicode" panose="020B0709000202000203" pitchFamily="50" charset="0"/>
       <p:regular r:id="rId61"/>
     </p:embeddedFont>
     <p:embeddedFont>
-      <p:font typeface="APL386 Unicode" panose="020B0709000202000203" pitchFamily="50" charset="0"/>
+      <p:font typeface="Atkinson Hyperlegible" pitchFamily="50" charset="0"/>
       <p:regular r:id="rId62"/>
-    </p:embeddedFont>
-    <p:embeddedFont>
-      <p:font typeface="Atkinson Hyperlegible" pitchFamily="50" charset="0"/>
-      <p:regular r:id="rId63"/>
-      <p:bold r:id="rId64"/>
-      <p:italic r:id="rId65"/>
-      <p:boldItalic r:id="rId66"/>
+      <p:bold r:id="rId63"/>
+      <p:italic r:id="rId64"/>
+      <p:boldItalic r:id="rId65"/>
     </p:embeddedFont>
     <p:embeddedFont>
       <p:font typeface="Calibri" panose="020F0502020204030204" pitchFamily="34" charset="0"/>
-      <p:regular r:id="rId61"/>
-      <p:bold r:id="rId61"/>
-      <p:italic r:id="rId61"/>
-      <p:boldItalic r:id="rId61"/>
+      <p:regular r:id="rId60"/>
+      <p:bold r:id="rId60"/>
+      <p:italic r:id="rId60"/>
+      <p:boldItalic r:id="rId60"/>
     </p:embeddedFont>
     <p:embeddedFont>
       <p:font typeface="Cambria Math" panose="02040503050406030204" pitchFamily="18" charset="0"/>
-      <p:regular r:id="rId67"/>
+      <p:regular r:id="rId66"/>
     </p:embeddedFont>
     <p:embeddedFont>
       <p:font typeface="Sarabun" panose="00000500000000000000" pitchFamily="2" charset="-34"/>
-      <p:regular r:id="rId68"/>
-      <p:bold r:id="rId69"/>
-      <p:italic r:id="rId70"/>
-      <p:boldItalic r:id="rId71"/>
+      <p:regular r:id="rId67"/>
+      <p:bold r:id="rId68"/>
+      <p:italic r:id="rId69"/>
+      <p:boldItalic r:id="rId70"/>
     </p:embeddedFont>
     <p:embeddedFont>
       <p:font typeface="Wingdings 2" panose="05020102010507070707" pitchFamily="18" charset="2"/>
-      <p:regular r:id="rId61"/>
+      <p:regular r:id="rId60"/>
     </p:embeddedFont>
   </p:embeddedFontLst>
   <p:defaultTextStyle>
@@ -19434,6 +19433,154 @@
           <p:cNvPr id="2" name="Content Placeholder 1">
             <a:extLst>
               <a:ext uri="{FF2B5EF4-FFF2-40B4-BE49-F238E27FC236}">
+                <a16:creationId xmlns:a16="http://schemas.microsoft.com/office/drawing/2014/main" id="{8F5B6868-2280-420B-AB8D-8B425BED5D3F}"/>
+              </a:ext>
+            </a:extLst>
+          </p:cNvPr>
+          <p:cNvSpPr>
+            <a:spLocks noGrp="1"/>
+          </p:cNvSpPr>
+          <p:nvPr>
+            <p:ph idx="10"/>
+          </p:nvPr>
+        </p:nvSpPr>
+        <p:spPr/>
+        <p:txBody>
+          <a:bodyPr/>
+          <a:lstStyle/>
+          <a:p>
+            <a:endParaRPr lang="en-GB"/>
+          </a:p>
+        </p:txBody>
+      </p:sp>
+      <p:sp>
+        <p:nvSpPr>
+          <p:cNvPr id="3" name="Content Placeholder 2">
+            <a:extLst>
+              <a:ext uri="{FF2B5EF4-FFF2-40B4-BE49-F238E27FC236}">
+                <a16:creationId xmlns:a16="http://schemas.microsoft.com/office/drawing/2014/main" id="{0E0769C4-7FA1-40EF-8D40-DD51B9CB51E2}"/>
+              </a:ext>
+            </a:extLst>
+          </p:cNvPr>
+          <p:cNvSpPr>
+            <a:spLocks noGrp="1"/>
+          </p:cNvSpPr>
+          <p:nvPr>
+            <p:ph idx="1"/>
+          </p:nvPr>
+        </p:nvSpPr>
+        <p:spPr/>
+        <p:txBody>
+          <a:bodyPr/>
+          <a:lstStyle/>
+          <a:p>
+            <a:r>
+              <a:rPr lang="en-GB" dirty="0"/>
+              <a:t>Simple visualisation</a:t>
+            </a:r>
+          </a:p>
+          <a:p>
+            <a:r>
+              <a:rPr lang="en-GB" dirty="0"/>
+              <a:t>Logging</a:t>
+            </a:r>
+          </a:p>
+          <a:p>
+            <a:r>
+              <a:rPr lang="en-GB" dirty="0"/>
+              <a:t>Plotting</a:t>
+            </a:r>
+          </a:p>
+        </p:txBody>
+      </p:sp>
+      <p:sp>
+        <p:nvSpPr>
+          <p:cNvPr id="4" name="Content Placeholder 3">
+            <a:extLst>
+              <a:ext uri="{FF2B5EF4-FFF2-40B4-BE49-F238E27FC236}">
+                <a16:creationId xmlns:a16="http://schemas.microsoft.com/office/drawing/2014/main" id="{49AFC736-C93E-4184-B113-4AA45D5CCDFF}"/>
+              </a:ext>
+            </a:extLst>
+          </p:cNvPr>
+          <p:cNvSpPr>
+            <a:spLocks noGrp="1"/>
+          </p:cNvSpPr>
+          <p:nvPr>
+            <p:ph sz="quarter" idx="12"/>
+          </p:nvPr>
+        </p:nvSpPr>
+        <p:spPr/>
+        <p:txBody>
+          <a:bodyPr/>
+          <a:lstStyle/>
+          <a:p>
+            <a:endParaRPr lang="en-GB"/>
+          </a:p>
+        </p:txBody>
+      </p:sp>
+      <p:sp>
+        <p:nvSpPr>
+          <p:cNvPr id="5" name="Title 4">
+            <a:extLst>
+              <a:ext uri="{FF2B5EF4-FFF2-40B4-BE49-F238E27FC236}">
+                <a16:creationId xmlns:a16="http://schemas.microsoft.com/office/drawing/2014/main" id="{9CEC96E3-8EB1-487C-A2AD-599B7CABB6EF}"/>
+              </a:ext>
+            </a:extLst>
+          </p:cNvPr>
+          <p:cNvSpPr>
+            <a:spLocks noGrp="1"/>
+          </p:cNvSpPr>
+          <p:nvPr>
+            <p:ph type="title"/>
+          </p:nvPr>
+        </p:nvSpPr>
+        <p:spPr/>
+        <p:txBody>
+          <a:bodyPr/>
+          <a:lstStyle/>
+          <a:p>
+            <a:r>
+              <a:rPr lang="en-GB" dirty="0"/>
+              <a:t>How to detect / prevent errors?</a:t>
+            </a:r>
+          </a:p>
+        </p:txBody>
+      </p:sp>
+    </p:spTree>
+    <p:extLst>
+      <p:ext uri="{BB962C8B-B14F-4D97-AF65-F5344CB8AC3E}">
+        <p14:creationId xmlns:p14="http://schemas.microsoft.com/office/powerpoint/2010/main" val="2758702767"/>
+      </p:ext>
+    </p:extLst>
+  </p:cSld>
+  <p:clrMapOvr>
+    <a:masterClrMapping/>
+  </p:clrMapOvr>
+</p:sld>
+</file>
+
+<file path=ppt/slides/slide36.xml><?xml version="1.0" encoding="utf-8"?>
+<p:sld xmlns:a="http://schemas.openxmlformats.org/drawingml/2006/main" xmlns:r="http://schemas.openxmlformats.org/officeDocument/2006/relationships" xmlns:p="http://schemas.openxmlformats.org/presentationml/2006/main">
+  <p:cSld>
+    <p:spTree>
+      <p:nvGrpSpPr>
+        <p:cNvPr id="1" name=""/>
+        <p:cNvGrpSpPr/>
+        <p:nvPr/>
+      </p:nvGrpSpPr>
+      <p:grpSpPr>
+        <a:xfrm>
+          <a:off x="0" y="0"/>
+          <a:ext cx="0" cy="0"/>
+          <a:chOff x="0" y="0"/>
+          <a:chExt cx="0" cy="0"/>
+        </a:xfrm>
+      </p:grpSpPr>
+      <p:sp>
+        <p:nvSpPr>
+          <p:cNvPr id="2" name="Content Placeholder 1">
+            <a:extLst>
+              <a:ext uri="{FF2B5EF4-FFF2-40B4-BE49-F238E27FC236}">
                 <a16:creationId xmlns:a16="http://schemas.microsoft.com/office/drawing/2014/main" id="{A24ADA78-0D4B-4EEF-8E39-43EEBA9B4A6E}"/>
               </a:ext>
             </a:extLst>
@@ -19597,7 +19744,7 @@
 </p:sld>
 </file>
 
-<file path=ppt/slides/slide36.xml><?xml version="1.0" encoding="utf-8"?>
+<file path=ppt/slides/slide37.xml><?xml version="1.0" encoding="utf-8"?>
 <p:sld xmlns:a="http://schemas.openxmlformats.org/drawingml/2006/main" xmlns:r="http://schemas.openxmlformats.org/officeDocument/2006/relationships" xmlns:p="http://schemas.openxmlformats.org/presentationml/2006/main">
   <p:cSld>
     <p:spTree>
@@ -19952,366 +20099,7 @@
 </p:sld>
 </file>
 
-<file path=ppt/slides/slide37.xml><?xml version="1.0" encoding="utf-8"?>
-<p:sld xmlns:a="http://schemas.openxmlformats.org/drawingml/2006/main" xmlns:r="http://schemas.openxmlformats.org/officeDocument/2006/relationships" xmlns:p="http://schemas.openxmlformats.org/presentationml/2006/main">
-  <p:cSld>
-    <p:spTree>
-      <p:nvGrpSpPr>
-        <p:cNvPr id="1" name=""/>
-        <p:cNvGrpSpPr/>
-        <p:nvPr/>
-      </p:nvGrpSpPr>
-      <p:grpSpPr>
-        <a:xfrm>
-          <a:off x="0" y="0"/>
-          <a:ext cx="0" cy="0"/>
-          <a:chOff x="0" y="0"/>
-          <a:chExt cx="0" cy="0"/>
-        </a:xfrm>
-      </p:grpSpPr>
-      <p:sp>
-        <p:nvSpPr>
-          <p:cNvPr id="2" name="Content Placeholder 1">
-            <a:extLst>
-              <a:ext uri="{FF2B5EF4-FFF2-40B4-BE49-F238E27FC236}">
-                <a16:creationId xmlns:a16="http://schemas.microsoft.com/office/drawing/2014/main" id="{A24ADA78-0D4B-4EEF-8E39-43EEBA9B4A6E}"/>
-              </a:ext>
-            </a:extLst>
-          </p:cNvPr>
-          <p:cNvSpPr>
-            <a:spLocks noGrp="1"/>
-          </p:cNvSpPr>
-          <p:nvPr>
-            <p:ph idx="10"/>
-          </p:nvPr>
-        </p:nvSpPr>
-        <p:spPr>
-          <a:xfrm>
-            <a:off x="2057400" y="3193473"/>
-            <a:ext cx="5029200" cy="685102"/>
-          </a:xfrm>
-          <a:ln w="28575">
-            <a:solidFill>
-              <a:schemeClr val="tx1"/>
-            </a:solidFill>
-          </a:ln>
-        </p:spPr>
-        <p:txBody>
-          <a:bodyPr>
-            <a:noAutofit/>
-          </a:bodyPr>
-          <a:lstStyle/>
-          <a:p>
-            <a:pPr marL="0" indent="0">
-              <a:buNone/>
-            </a:pPr>
-            <a:r>
-              <a:rPr lang="en-US" dirty="0">
-                <a:latin typeface="APL386 Unicode" panose="020B0709000202000203" pitchFamily="50" charset="0"/>
-              </a:rPr>
-              <a:t>shape</a:t>
-            </a:r>
-            <a:r>
-              <a:rPr lang="en-GB" dirty="0">
-                <a:latin typeface="APL386 Unicode" panose="020B0709000202000203" pitchFamily="50" charset="0"/>
-              </a:rPr>
-              <a:t>←⍴</a:t>
-            </a:r>
-            <a:r>
-              <a:rPr lang="en-GB" dirty="0" err="1">
-                <a:latin typeface="APL386 Unicode" panose="020B0709000202000203" pitchFamily="50" charset="0"/>
-              </a:rPr>
-              <a:t>lat</a:t>
-            </a:r>
-            <a:endParaRPr lang="en-US" dirty="0">
-              <a:latin typeface="APL386 Unicode" panose="020B0709000202000203" pitchFamily="50" charset="0"/>
-            </a:endParaRPr>
-          </a:p>
-          <a:p>
-            <a:pPr marL="0" indent="0">
-              <a:buNone/>
-            </a:pPr>
-            <a:r>
-              <a:rPr lang="en-US" dirty="0" err="1">
-                <a:latin typeface="APL386 Unicode" panose="020B0709000202000203" pitchFamily="50" charset="0"/>
-              </a:rPr>
-              <a:t>all_random</a:t>
-            </a:r>
-            <a:r>
-              <a:rPr lang="en-US" dirty="0">
-                <a:latin typeface="APL386 Unicode" panose="020B0709000202000203" pitchFamily="50" charset="0"/>
-              </a:rPr>
-              <a:t> ← 1+shape⊥⍉?n 2⍴shape-2</a:t>
-            </a:r>
-            <a:endParaRPr lang="en-GB" dirty="0">
-              <a:latin typeface="APL386 Unicode" panose="020B0709000202000203" pitchFamily="50" charset="0"/>
-            </a:endParaRPr>
-          </a:p>
-        </p:txBody>
-      </p:sp>
-      <p:sp>
-        <p:nvSpPr>
-          <p:cNvPr id="3" name="Content Placeholder 2">
-            <a:extLst>
-              <a:ext uri="{FF2B5EF4-FFF2-40B4-BE49-F238E27FC236}">
-                <a16:creationId xmlns:a16="http://schemas.microsoft.com/office/drawing/2014/main" id="{C1E84232-AD72-46DD-93FE-547DFB1B8D0E}"/>
-              </a:ext>
-            </a:extLst>
-          </p:cNvPr>
-          <p:cNvSpPr>
-            <a:spLocks noGrp="1"/>
-          </p:cNvSpPr>
-          <p:nvPr>
-            <p:ph idx="1"/>
-          </p:nvPr>
-        </p:nvSpPr>
-        <p:spPr>
-          <a:xfrm>
-            <a:off x="323528" y="1264925"/>
-            <a:ext cx="6395928" cy="1873130"/>
-          </a:xfrm>
-        </p:spPr>
-        <p:txBody>
-          <a:bodyPr/>
-          <a:lstStyle/>
-          <a:p>
-            <a:pPr marL="0" indent="0">
-              <a:buNone/>
-            </a:pPr>
-            <a:r>
-              <a:rPr lang="en-GB" dirty="0"/>
-              <a:t>This code supposedly chooses all random spins to flip, for the entire simulation, at once.</a:t>
-            </a:r>
-          </a:p>
-          <a:p>
-            <a:pPr marL="0" indent="0">
-              <a:buNone/>
-            </a:pPr>
-            <a:endParaRPr lang="en-GB" dirty="0"/>
-          </a:p>
-          <a:p>
-            <a:r>
-              <a:rPr lang="en-GB" dirty="0"/>
-              <a:t>Can you spot the mistake?</a:t>
-            </a:r>
-          </a:p>
-        </p:txBody>
-      </p:sp>
-      <p:sp>
-        <p:nvSpPr>
-          <p:cNvPr id="4" name="Content Placeholder 3">
-            <a:extLst>
-              <a:ext uri="{FF2B5EF4-FFF2-40B4-BE49-F238E27FC236}">
-                <a16:creationId xmlns:a16="http://schemas.microsoft.com/office/drawing/2014/main" id="{46417817-8B45-4690-ABA1-D2371F0EE6D8}"/>
-              </a:ext>
-            </a:extLst>
-          </p:cNvPr>
-          <p:cNvSpPr>
-            <a:spLocks noGrp="1"/>
-          </p:cNvSpPr>
-          <p:nvPr>
-            <p:ph sz="quarter" idx="12"/>
-          </p:nvPr>
-        </p:nvSpPr>
-        <p:spPr/>
-        <p:txBody>
-          <a:bodyPr/>
-          <a:lstStyle/>
-          <a:p>
-            <a:endParaRPr lang="en-GB"/>
-          </a:p>
-        </p:txBody>
-      </p:sp>
-      <p:sp>
-        <p:nvSpPr>
-          <p:cNvPr id="5" name="Title 4">
-            <a:extLst>
-              <a:ext uri="{FF2B5EF4-FFF2-40B4-BE49-F238E27FC236}">
-                <a16:creationId xmlns:a16="http://schemas.microsoft.com/office/drawing/2014/main" id="{C117640E-E07C-43C6-9DEE-433456B47132}"/>
-              </a:ext>
-            </a:extLst>
-          </p:cNvPr>
-          <p:cNvSpPr>
-            <a:spLocks noGrp="1"/>
-          </p:cNvSpPr>
-          <p:nvPr>
-            <p:ph type="title"/>
-          </p:nvPr>
-        </p:nvSpPr>
-        <p:spPr/>
-        <p:txBody>
-          <a:bodyPr/>
-          <a:lstStyle/>
-          <a:p>
-            <a:r>
-              <a:rPr lang="en-GB" dirty="0"/>
-              <a:t>Code Review: Bonus</a:t>
-            </a:r>
-          </a:p>
-        </p:txBody>
-      </p:sp>
-    </p:spTree>
-    <p:extLst>
-      <p:ext uri="{BB962C8B-B14F-4D97-AF65-F5344CB8AC3E}">
-        <p14:creationId xmlns:p14="http://schemas.microsoft.com/office/powerpoint/2010/main" val="2964726619"/>
-      </p:ext>
-    </p:extLst>
-  </p:cSld>
-  <p:clrMapOvr>
-    <a:masterClrMapping/>
-  </p:clrMapOvr>
-</p:sld>
-</file>
-
 <file path=ppt/slides/slide38.xml><?xml version="1.0" encoding="utf-8"?>
-<p:sld xmlns:a="http://schemas.openxmlformats.org/drawingml/2006/main" xmlns:r="http://schemas.openxmlformats.org/officeDocument/2006/relationships" xmlns:p="http://schemas.openxmlformats.org/presentationml/2006/main">
-  <p:cSld>
-    <p:spTree>
-      <p:nvGrpSpPr>
-        <p:cNvPr id="1" name=""/>
-        <p:cNvGrpSpPr/>
-        <p:nvPr/>
-      </p:nvGrpSpPr>
-      <p:grpSpPr>
-        <a:xfrm>
-          <a:off x="0" y="0"/>
-          <a:ext cx="0" cy="0"/>
-          <a:chOff x="0" y="0"/>
-          <a:chExt cx="0" cy="0"/>
-        </a:xfrm>
-      </p:grpSpPr>
-      <p:sp>
-        <p:nvSpPr>
-          <p:cNvPr id="2" name="Content Placeholder 1">
-            <a:extLst>
-              <a:ext uri="{FF2B5EF4-FFF2-40B4-BE49-F238E27FC236}">
-                <a16:creationId xmlns:a16="http://schemas.microsoft.com/office/drawing/2014/main" id="{8F5B6868-2280-420B-AB8D-8B425BED5D3F}"/>
-              </a:ext>
-            </a:extLst>
-          </p:cNvPr>
-          <p:cNvSpPr>
-            <a:spLocks noGrp="1"/>
-          </p:cNvSpPr>
-          <p:nvPr>
-            <p:ph idx="10"/>
-          </p:nvPr>
-        </p:nvSpPr>
-        <p:spPr/>
-        <p:txBody>
-          <a:bodyPr/>
-          <a:lstStyle/>
-          <a:p>
-            <a:endParaRPr lang="en-GB"/>
-          </a:p>
-        </p:txBody>
-      </p:sp>
-      <p:sp>
-        <p:nvSpPr>
-          <p:cNvPr id="3" name="Content Placeholder 2">
-            <a:extLst>
-              <a:ext uri="{FF2B5EF4-FFF2-40B4-BE49-F238E27FC236}">
-                <a16:creationId xmlns:a16="http://schemas.microsoft.com/office/drawing/2014/main" id="{0E0769C4-7FA1-40EF-8D40-DD51B9CB51E2}"/>
-              </a:ext>
-            </a:extLst>
-          </p:cNvPr>
-          <p:cNvSpPr>
-            <a:spLocks noGrp="1"/>
-          </p:cNvSpPr>
-          <p:nvPr>
-            <p:ph idx="1"/>
-          </p:nvPr>
-        </p:nvSpPr>
-        <p:spPr/>
-        <p:txBody>
-          <a:bodyPr/>
-          <a:lstStyle/>
-          <a:p>
-            <a:r>
-              <a:rPr lang="en-GB" dirty="0"/>
-              <a:t>Simple visualisation</a:t>
-            </a:r>
-          </a:p>
-          <a:p>
-            <a:r>
-              <a:rPr lang="en-GB" dirty="0"/>
-              <a:t>Logging</a:t>
-            </a:r>
-          </a:p>
-          <a:p>
-            <a:r>
-              <a:rPr lang="en-GB" dirty="0"/>
-              <a:t>Plotting</a:t>
-            </a:r>
-          </a:p>
-        </p:txBody>
-      </p:sp>
-      <p:sp>
-        <p:nvSpPr>
-          <p:cNvPr id="4" name="Content Placeholder 3">
-            <a:extLst>
-              <a:ext uri="{FF2B5EF4-FFF2-40B4-BE49-F238E27FC236}">
-                <a16:creationId xmlns:a16="http://schemas.microsoft.com/office/drawing/2014/main" id="{49AFC736-C93E-4184-B113-4AA45D5CCDFF}"/>
-              </a:ext>
-            </a:extLst>
-          </p:cNvPr>
-          <p:cNvSpPr>
-            <a:spLocks noGrp="1"/>
-          </p:cNvSpPr>
-          <p:nvPr>
-            <p:ph sz="quarter" idx="12"/>
-          </p:nvPr>
-        </p:nvSpPr>
-        <p:spPr/>
-        <p:txBody>
-          <a:bodyPr/>
-          <a:lstStyle/>
-          <a:p>
-            <a:endParaRPr lang="en-GB"/>
-          </a:p>
-        </p:txBody>
-      </p:sp>
-      <p:sp>
-        <p:nvSpPr>
-          <p:cNvPr id="5" name="Title 4">
-            <a:extLst>
-              <a:ext uri="{FF2B5EF4-FFF2-40B4-BE49-F238E27FC236}">
-                <a16:creationId xmlns:a16="http://schemas.microsoft.com/office/drawing/2014/main" id="{9CEC96E3-8EB1-487C-A2AD-599B7CABB6EF}"/>
-              </a:ext>
-            </a:extLst>
-          </p:cNvPr>
-          <p:cNvSpPr>
-            <a:spLocks noGrp="1"/>
-          </p:cNvSpPr>
-          <p:nvPr>
-            <p:ph type="title"/>
-          </p:nvPr>
-        </p:nvSpPr>
-        <p:spPr/>
-        <p:txBody>
-          <a:bodyPr/>
-          <a:lstStyle/>
-          <a:p>
-            <a:r>
-              <a:rPr lang="en-GB" dirty="0"/>
-              <a:t>How to detect / prevent errors?</a:t>
-            </a:r>
-          </a:p>
-        </p:txBody>
-      </p:sp>
-    </p:spTree>
-    <p:extLst>
-      <p:ext uri="{BB962C8B-B14F-4D97-AF65-F5344CB8AC3E}">
-        <p14:creationId xmlns:p14="http://schemas.microsoft.com/office/powerpoint/2010/main" val="2758702767"/>
-      </p:ext>
-    </p:extLst>
-  </p:cSld>
-  <p:clrMapOvr>
-    <a:masterClrMapping/>
-  </p:clrMapOvr>
-</p:sld>
-</file>
-
-<file path=ppt/slides/slide39.xml><?xml version="1.0" encoding="utf-8"?>
 <p:sld xmlns:a="http://schemas.openxmlformats.org/drawingml/2006/main" xmlns:r="http://schemas.openxmlformats.org/officeDocument/2006/relationships" xmlns:p="http://schemas.openxmlformats.org/presentationml/2006/main">
   <p:cSld>
     <p:spTree>
@@ -20435,6 +20223,268 @@
     <p:extLst>
       <p:ext uri="{BB962C8B-B14F-4D97-AF65-F5344CB8AC3E}">
         <p14:creationId xmlns:p14="http://schemas.microsoft.com/office/powerpoint/2010/main" val="1739035859"/>
+      </p:ext>
+    </p:extLst>
+  </p:cSld>
+  <p:clrMapOvr>
+    <a:masterClrMapping/>
+  </p:clrMapOvr>
+</p:sld>
+</file>
+
+<file path=ppt/slides/slide39.xml><?xml version="1.0" encoding="utf-8"?>
+<p:sld xmlns:a="http://schemas.openxmlformats.org/drawingml/2006/main" xmlns:r="http://schemas.openxmlformats.org/officeDocument/2006/relationships" xmlns:p="http://schemas.openxmlformats.org/presentationml/2006/main">
+  <p:cSld>
+    <p:spTree>
+      <p:nvGrpSpPr>
+        <p:cNvPr id="1" name=""/>
+        <p:cNvGrpSpPr/>
+        <p:nvPr/>
+      </p:nvGrpSpPr>
+      <p:grpSpPr>
+        <a:xfrm>
+          <a:off x="0" y="0"/>
+          <a:ext cx="0" cy="0"/>
+          <a:chOff x="0" y="0"/>
+          <a:chExt cx="0" cy="0"/>
+        </a:xfrm>
+      </p:grpSpPr>
+      <p:sp>
+        <p:nvSpPr>
+          <p:cNvPr id="2" name="Content Placeholder 1">
+            <a:extLst>
+              <a:ext uri="{FF2B5EF4-FFF2-40B4-BE49-F238E27FC236}">
+                <a16:creationId xmlns:a16="http://schemas.microsoft.com/office/drawing/2014/main" id="{AD7A9D09-2F55-417F-9458-C98CD281D714}"/>
+              </a:ext>
+            </a:extLst>
+          </p:cNvPr>
+          <p:cNvSpPr>
+            <a:spLocks noGrp="1"/>
+          </p:cNvSpPr>
+          <p:nvPr>
+            <p:ph idx="10"/>
+          </p:nvPr>
+        </p:nvSpPr>
+        <p:spPr/>
+        <p:txBody>
+          <a:bodyPr/>
+          <a:lstStyle/>
+          <a:p>
+            <a:endParaRPr lang="en-GB"/>
+          </a:p>
+        </p:txBody>
+      </p:sp>
+      <p:graphicFrame>
+        <p:nvGraphicFramePr>
+          <p:cNvPr id="8" name="Content Placeholder 7">
+            <a:extLst>
+              <a:ext uri="{FF2B5EF4-FFF2-40B4-BE49-F238E27FC236}">
+                <a16:creationId xmlns:a16="http://schemas.microsoft.com/office/drawing/2014/main" id="{D73F372D-4DD1-40FA-BC27-57AC2DD58275}"/>
+              </a:ext>
+            </a:extLst>
+          </p:cNvPr>
+          <p:cNvGraphicFramePr>
+            <a:graphicFrameLocks noGrp="1"/>
+          </p:cNvGraphicFramePr>
+          <p:nvPr>
+            <p:ph idx="1"/>
+            <p:extLst>
+              <p:ext uri="{D42A27DB-BD31-4B8C-83A1-F6EECF244321}">
+                <p14:modId xmlns:p14="http://schemas.microsoft.com/office/powerpoint/2010/main" val="326249788"/>
+              </p:ext>
+            </p:extLst>
+          </p:nvPr>
+        </p:nvGraphicFramePr>
+        <p:xfrm>
+          <a:off x="1752600" y="1265239"/>
+          <a:ext cx="4664075" cy="2138362"/>
+        </p:xfrm>
+        <a:graphic>
+          <a:graphicData uri="http://schemas.openxmlformats.org/drawingml/2006/chart">
+            <c:chart xmlns:c="http://schemas.openxmlformats.org/drawingml/2006/chart" xmlns:r="http://schemas.openxmlformats.org/officeDocument/2006/relationships" r:id="rId2"/>
+          </a:graphicData>
+        </a:graphic>
+      </p:graphicFrame>
+      <p:sp>
+        <p:nvSpPr>
+          <p:cNvPr id="4" name="Content Placeholder 3">
+            <a:extLst>
+              <a:ext uri="{FF2B5EF4-FFF2-40B4-BE49-F238E27FC236}">
+                <a16:creationId xmlns:a16="http://schemas.microsoft.com/office/drawing/2014/main" id="{2592A6AD-77BB-45AD-A0F4-0B096C2BBE74}"/>
+              </a:ext>
+            </a:extLst>
+          </p:cNvPr>
+          <p:cNvSpPr>
+            <a:spLocks noGrp="1"/>
+          </p:cNvSpPr>
+          <p:nvPr>
+            <p:ph sz="quarter" idx="12"/>
+          </p:nvPr>
+        </p:nvSpPr>
+        <p:spPr/>
+        <p:txBody>
+          <a:bodyPr/>
+          <a:lstStyle/>
+          <a:p>
+            <a:endParaRPr lang="en-GB"/>
+          </a:p>
+        </p:txBody>
+      </p:sp>
+      <p:sp>
+        <p:nvSpPr>
+          <p:cNvPr id="5" name="Title 4">
+            <a:extLst>
+              <a:ext uri="{FF2B5EF4-FFF2-40B4-BE49-F238E27FC236}">
+                <a16:creationId xmlns:a16="http://schemas.microsoft.com/office/drawing/2014/main" id="{CEB5F61B-6CCF-4758-BC6B-E1AAC09FC823}"/>
+              </a:ext>
+            </a:extLst>
+          </p:cNvPr>
+          <p:cNvSpPr>
+            <a:spLocks noGrp="1"/>
+          </p:cNvSpPr>
+          <p:nvPr>
+            <p:ph type="title"/>
+          </p:nvPr>
+        </p:nvSpPr>
+        <p:spPr/>
+        <p:txBody>
+          <a:bodyPr/>
+          <a:lstStyle/>
+          <a:p>
+            <a:r>
+              <a:rPr lang="en-GB" dirty="0"/>
+              <a:t>Performance</a:t>
+            </a:r>
+          </a:p>
+        </p:txBody>
+      </p:sp>
+      <p:sp>
+        <p:nvSpPr>
+          <p:cNvPr id="9" name="TextBox 8">
+            <a:extLst>
+              <a:ext uri="{FF2B5EF4-FFF2-40B4-BE49-F238E27FC236}">
+                <a16:creationId xmlns:a16="http://schemas.microsoft.com/office/drawing/2014/main" id="{E1E4EA88-FFF5-4121-9819-3360F28F5095}"/>
+              </a:ext>
+            </a:extLst>
+          </p:cNvPr>
+          <p:cNvSpPr txBox="1"/>
+          <p:nvPr/>
+        </p:nvSpPr>
+        <p:spPr>
+          <a:xfrm rot="16200000">
+            <a:off x="1178547" y="2253748"/>
+            <a:ext cx="1652794" cy="461665"/>
+          </a:xfrm>
+          <a:prstGeom prst="rect">
+            <a:avLst/>
+          </a:prstGeom>
+          <a:noFill/>
+        </p:spPr>
+        <p:txBody>
+          <a:bodyPr wrap="square" rtlCol="0">
+            <a:spAutoFit/>
+          </a:bodyPr>
+          <a:lstStyle/>
+          <a:p>
+            <a:r>
+              <a:rPr lang="en-GB" sz="2400" cap="small" dirty="0">
+                <a:solidFill>
+                  <a:schemeClr val="bg1"/>
+                </a:solidFill>
+                <a:latin typeface="Sarabun" panose="00000500000000000000" pitchFamily="2" charset="-34"/>
+                <a:cs typeface="Sarabun" panose="00000500000000000000" pitchFamily="2" charset="-34"/>
+              </a:rPr>
+              <a:t>memory</a:t>
+            </a:r>
+            <a:r>
+              <a:rPr lang="en-GB" sz="2400" dirty="0">
+                <a:solidFill>
+                  <a:schemeClr val="bg1"/>
+                </a:solidFill>
+                <a:latin typeface="Sarabun" panose="00000500000000000000" pitchFamily="2" charset="-34"/>
+                <a:cs typeface="Sarabun" panose="00000500000000000000" pitchFamily="2" charset="-34"/>
+              </a:rPr>
+              <a:t> </a:t>
+            </a:r>
+            <a:r>
+              <a:rPr lang="en-GB" sz="2400" b="1" dirty="0">
+                <a:solidFill>
+                  <a:schemeClr val="bg1"/>
+                </a:solidFill>
+                <a:latin typeface="Sarabun" panose="00000500000000000000" pitchFamily="2" charset="-34"/>
+                <a:cs typeface="Sarabun" panose="00000500000000000000" pitchFamily="2" charset="-34"/>
+              </a:rPr>
+              <a:t>→</a:t>
+            </a:r>
+          </a:p>
+        </p:txBody>
+      </p:sp>
+      <p:sp>
+        <p:nvSpPr>
+          <p:cNvPr id="10" name="TextBox 9">
+            <a:extLst>
+              <a:ext uri="{FF2B5EF4-FFF2-40B4-BE49-F238E27FC236}">
+                <a16:creationId xmlns:a16="http://schemas.microsoft.com/office/drawing/2014/main" id="{A13C1FC7-B638-40EB-9163-ECD8ED92AE4E}"/>
+              </a:ext>
+            </a:extLst>
+          </p:cNvPr>
+          <p:cNvSpPr txBox="1"/>
+          <p:nvPr/>
+        </p:nvSpPr>
+        <p:spPr>
+          <a:xfrm>
+            <a:off x="5208104" y="2849313"/>
+            <a:ext cx="1105232" cy="461665"/>
+          </a:xfrm>
+          <a:prstGeom prst="rect">
+            <a:avLst/>
+          </a:prstGeom>
+          <a:noFill/>
+        </p:spPr>
+        <p:txBody>
+          <a:bodyPr wrap="square" rtlCol="0">
+            <a:spAutoFit/>
+          </a:bodyPr>
+          <a:lstStyle/>
+          <a:p>
+            <a:pPr algn="r"/>
+            <a:r>
+              <a:rPr lang="en-GB" sz="2400" cap="small" dirty="0">
+                <a:solidFill>
+                  <a:schemeClr val="bg1"/>
+                </a:solidFill>
+                <a:latin typeface="Sarabun" panose="00000500000000000000" pitchFamily="2" charset="-34"/>
+                <a:cs typeface="Sarabun" panose="00000500000000000000" pitchFamily="2" charset="-34"/>
+              </a:rPr>
+              <a:t>time</a:t>
+            </a:r>
+            <a:r>
+              <a:rPr lang="en-GB" sz="2400" dirty="0">
+                <a:solidFill>
+                  <a:schemeClr val="bg1"/>
+                </a:solidFill>
+                <a:latin typeface="Sarabun" panose="00000500000000000000" pitchFamily="2" charset="-34"/>
+                <a:cs typeface="Sarabun" panose="00000500000000000000" pitchFamily="2" charset="-34"/>
+              </a:rPr>
+              <a:t> </a:t>
+            </a:r>
+            <a:r>
+              <a:rPr lang="en-GB" sz="2400" b="1" dirty="0">
+                <a:solidFill>
+                  <a:schemeClr val="bg1"/>
+                </a:solidFill>
+                <a:latin typeface="Sarabun" panose="00000500000000000000" pitchFamily="2" charset="-34"/>
+                <a:cs typeface="Sarabun" panose="00000500000000000000" pitchFamily="2" charset="-34"/>
+              </a:rPr>
+              <a:t>→</a:t>
+            </a:r>
+          </a:p>
+        </p:txBody>
+      </p:sp>
+    </p:spTree>
+    <p:extLst>
+      <p:ext uri="{BB962C8B-B14F-4D97-AF65-F5344CB8AC3E}">
+        <p14:creationId xmlns:p14="http://schemas.microsoft.com/office/powerpoint/2010/main" val="364367661"/>
       </p:ext>
     </p:extLst>
   </p:cSld>
@@ -21529,11 +21579,6 @@
           </p:cNvGraphicFramePr>
           <p:nvPr>
             <p:ph idx="1"/>
-            <p:extLst>
-              <p:ext uri="{D42A27DB-BD31-4B8C-83A1-F6EECF244321}">
-                <p14:modId xmlns:p14="http://schemas.microsoft.com/office/powerpoint/2010/main" val="326249788"/>
-              </p:ext>
-            </p:extLst>
           </p:nvPr>
         </p:nvGraphicFramePr>
         <p:xfrm>
@@ -21722,10 +21767,56 @@
           </a:p>
         </p:txBody>
       </p:sp>
+      <p:sp>
+        <p:nvSpPr>
+          <p:cNvPr id="3" name="TextBox 2">
+            <a:extLst>
+              <a:ext uri="{FF2B5EF4-FFF2-40B4-BE49-F238E27FC236}">
+                <a16:creationId xmlns:a16="http://schemas.microsoft.com/office/drawing/2014/main" id="{84E8AAAB-B7A6-453B-AC20-1232411B55B5}"/>
+              </a:ext>
+            </a:extLst>
+          </p:cNvPr>
+          <p:cNvSpPr txBox="1"/>
+          <p:nvPr/>
+        </p:nvSpPr>
+        <p:spPr>
+          <a:xfrm>
+            <a:off x="978010" y="1280827"/>
+            <a:ext cx="1844703" cy="369332"/>
+          </a:xfrm>
+          <a:prstGeom prst="rect">
+            <a:avLst/>
+          </a:prstGeom>
+          <a:noFill/>
+        </p:spPr>
+        <p:txBody>
+          <a:bodyPr wrap="square" rtlCol="0">
+            <a:spAutoFit/>
+          </a:bodyPr>
+          <a:lstStyle/>
+          <a:p>
+            <a:r>
+              <a:rPr lang="en-GB" dirty="0">
+                <a:latin typeface="APL386 Unicode" panose="020B0709000202000203" pitchFamily="50" charset="0"/>
+              </a:rPr>
+              <a:t>]</a:t>
+            </a:r>
+            <a:r>
+              <a:rPr lang="en-GB" dirty="0" err="1">
+                <a:latin typeface="APL386 Unicode" panose="020B0709000202000203" pitchFamily="50" charset="0"/>
+              </a:rPr>
+              <a:t>SpaceNeeded</a:t>
+            </a:r>
+            <a:endParaRPr lang="en-GB" dirty="0">
+              <a:latin typeface="APL386 Unicode" panose="020B0709000202000203" pitchFamily="50" charset="0"/>
+            </a:endParaRPr>
+          </a:p>
+        </p:txBody>
+      </p:sp>
     </p:spTree>
     <p:extLst>
       <p:ext uri="{BB962C8B-B14F-4D97-AF65-F5344CB8AC3E}">
-        <p14:creationId xmlns:p14="http://schemas.microsoft.com/office/powerpoint/2010/main" val="364367661"/>
+        <p14:creationId xmlns:p14="http://schemas.microsoft.com/office/powerpoint/2010/main" val="1181302012"/>
       </p:ext>
     </p:extLst>
   </p:cSld>
@@ -22025,10 +22116,59 @@
           </a:p>
         </p:txBody>
       </p:sp>
+      <p:sp>
+        <p:nvSpPr>
+          <p:cNvPr id="11" name="TextBox 10">
+            <a:extLst>
+              <a:ext uri="{FF2B5EF4-FFF2-40B4-BE49-F238E27FC236}">
+                <a16:creationId xmlns:a16="http://schemas.microsoft.com/office/drawing/2014/main" id="{A928D3E8-CA56-4DB6-B398-8ED66A7E65B6}"/>
+              </a:ext>
+            </a:extLst>
+          </p:cNvPr>
+          <p:cNvSpPr txBox="1"/>
+          <p:nvPr/>
+        </p:nvSpPr>
+        <p:spPr>
+          <a:xfrm>
+            <a:off x="6313336" y="3034269"/>
+            <a:ext cx="1844703" cy="369332"/>
+          </a:xfrm>
+          <a:prstGeom prst="rect">
+            <a:avLst/>
+          </a:prstGeom>
+          <a:noFill/>
+        </p:spPr>
+        <p:txBody>
+          <a:bodyPr wrap="square" rtlCol="0">
+            <a:spAutoFit/>
+          </a:bodyPr>
+          <a:lstStyle/>
+          <a:p>
+            <a:r>
+              <a:rPr lang="en-GB" dirty="0">
+                <a:latin typeface="APL386 Unicode" panose="020B0709000202000203" pitchFamily="50" charset="0"/>
+              </a:rPr>
+              <a:t>]</a:t>
+            </a:r>
+            <a:r>
+              <a:rPr lang="en-GB" dirty="0" err="1">
+                <a:latin typeface="APL386 Unicode" panose="020B0709000202000203" pitchFamily="50" charset="0"/>
+              </a:rPr>
+              <a:t>RunTime</a:t>
+            </a:r>
+            <a:r>
+              <a:rPr lang="en-GB" dirty="0">
+                <a:latin typeface="APL386 Unicode" panose="020B0709000202000203" pitchFamily="50" charset="0"/>
+              </a:rPr>
+              <a:t> -c</a:t>
+            </a:r>
+          </a:p>
+        </p:txBody>
+      </p:sp>
     </p:spTree>
     <p:extLst>
       <p:ext uri="{BB962C8B-B14F-4D97-AF65-F5344CB8AC3E}">
-        <p14:creationId xmlns:p14="http://schemas.microsoft.com/office/powerpoint/2010/main" val="1181302012"/>
+        <p14:creationId xmlns:p14="http://schemas.microsoft.com/office/powerpoint/2010/main" val="4063073118"/>
       </p:ext>
     </p:extLst>
   </p:cSld>
@@ -22377,358 +22517,6 @@
           </a:p>
         </p:txBody>
       </p:sp>
-    </p:spTree>
-    <p:extLst>
-      <p:ext uri="{BB962C8B-B14F-4D97-AF65-F5344CB8AC3E}">
-        <p14:creationId xmlns:p14="http://schemas.microsoft.com/office/powerpoint/2010/main" val="4063073118"/>
-      </p:ext>
-    </p:extLst>
-  </p:cSld>
-  <p:clrMapOvr>
-    <a:masterClrMapping/>
-  </p:clrMapOvr>
-</p:sld>
-</file>
-
-<file path=ppt/slides/slide43.xml><?xml version="1.0" encoding="utf-8"?>
-<p:sld xmlns:a="http://schemas.openxmlformats.org/drawingml/2006/main" xmlns:r="http://schemas.openxmlformats.org/officeDocument/2006/relationships" xmlns:p="http://schemas.openxmlformats.org/presentationml/2006/main">
-  <p:cSld>
-    <p:spTree>
-      <p:nvGrpSpPr>
-        <p:cNvPr id="1" name=""/>
-        <p:cNvGrpSpPr/>
-        <p:nvPr/>
-      </p:nvGrpSpPr>
-      <p:grpSpPr>
-        <a:xfrm>
-          <a:off x="0" y="0"/>
-          <a:ext cx="0" cy="0"/>
-          <a:chOff x="0" y="0"/>
-          <a:chExt cx="0" cy="0"/>
-        </a:xfrm>
-      </p:grpSpPr>
-      <p:sp>
-        <p:nvSpPr>
-          <p:cNvPr id="2" name="Content Placeholder 1">
-            <a:extLst>
-              <a:ext uri="{FF2B5EF4-FFF2-40B4-BE49-F238E27FC236}">
-                <a16:creationId xmlns:a16="http://schemas.microsoft.com/office/drawing/2014/main" id="{AD7A9D09-2F55-417F-9458-C98CD281D714}"/>
-              </a:ext>
-            </a:extLst>
-          </p:cNvPr>
-          <p:cNvSpPr>
-            <a:spLocks noGrp="1"/>
-          </p:cNvSpPr>
-          <p:nvPr>
-            <p:ph idx="10"/>
-          </p:nvPr>
-        </p:nvSpPr>
-        <p:spPr/>
-        <p:txBody>
-          <a:bodyPr/>
-          <a:lstStyle/>
-          <a:p>
-            <a:endParaRPr lang="en-GB"/>
-          </a:p>
-        </p:txBody>
-      </p:sp>
-      <p:graphicFrame>
-        <p:nvGraphicFramePr>
-          <p:cNvPr id="8" name="Content Placeholder 7">
-            <a:extLst>
-              <a:ext uri="{FF2B5EF4-FFF2-40B4-BE49-F238E27FC236}">
-                <a16:creationId xmlns:a16="http://schemas.microsoft.com/office/drawing/2014/main" id="{D73F372D-4DD1-40FA-BC27-57AC2DD58275}"/>
-              </a:ext>
-            </a:extLst>
-          </p:cNvPr>
-          <p:cNvGraphicFramePr>
-            <a:graphicFrameLocks noGrp="1"/>
-          </p:cNvGraphicFramePr>
-          <p:nvPr>
-            <p:ph idx="1"/>
-          </p:nvPr>
-        </p:nvGraphicFramePr>
-        <p:xfrm>
-          <a:off x="1752600" y="1265239"/>
-          <a:ext cx="4664075" cy="2138362"/>
-        </p:xfrm>
-        <a:graphic>
-          <a:graphicData uri="http://schemas.openxmlformats.org/drawingml/2006/chart">
-            <c:chart xmlns:c="http://schemas.openxmlformats.org/drawingml/2006/chart" xmlns:r="http://schemas.openxmlformats.org/officeDocument/2006/relationships" r:id="rId2"/>
-          </a:graphicData>
-        </a:graphic>
-      </p:graphicFrame>
-      <p:sp>
-        <p:nvSpPr>
-          <p:cNvPr id="4" name="Content Placeholder 3">
-            <a:extLst>
-              <a:ext uri="{FF2B5EF4-FFF2-40B4-BE49-F238E27FC236}">
-                <a16:creationId xmlns:a16="http://schemas.microsoft.com/office/drawing/2014/main" id="{2592A6AD-77BB-45AD-A0F4-0B096C2BBE74}"/>
-              </a:ext>
-            </a:extLst>
-          </p:cNvPr>
-          <p:cNvSpPr>
-            <a:spLocks noGrp="1"/>
-          </p:cNvSpPr>
-          <p:nvPr>
-            <p:ph sz="quarter" idx="12"/>
-          </p:nvPr>
-        </p:nvSpPr>
-        <p:spPr/>
-        <p:txBody>
-          <a:bodyPr/>
-          <a:lstStyle/>
-          <a:p>
-            <a:endParaRPr lang="en-GB"/>
-          </a:p>
-        </p:txBody>
-      </p:sp>
-      <p:sp>
-        <p:nvSpPr>
-          <p:cNvPr id="5" name="Title 4">
-            <a:extLst>
-              <a:ext uri="{FF2B5EF4-FFF2-40B4-BE49-F238E27FC236}">
-                <a16:creationId xmlns:a16="http://schemas.microsoft.com/office/drawing/2014/main" id="{CEB5F61B-6CCF-4758-BC6B-E1AAC09FC823}"/>
-              </a:ext>
-            </a:extLst>
-          </p:cNvPr>
-          <p:cNvSpPr>
-            <a:spLocks noGrp="1"/>
-          </p:cNvSpPr>
-          <p:nvPr>
-            <p:ph type="title"/>
-          </p:nvPr>
-        </p:nvSpPr>
-        <p:spPr/>
-        <p:txBody>
-          <a:bodyPr/>
-          <a:lstStyle/>
-          <a:p>
-            <a:r>
-              <a:rPr lang="en-GB" dirty="0"/>
-              <a:t>Performance</a:t>
-            </a:r>
-          </a:p>
-        </p:txBody>
-      </p:sp>
-      <p:sp>
-        <p:nvSpPr>
-          <p:cNvPr id="9" name="TextBox 8">
-            <a:extLst>
-              <a:ext uri="{FF2B5EF4-FFF2-40B4-BE49-F238E27FC236}">
-                <a16:creationId xmlns:a16="http://schemas.microsoft.com/office/drawing/2014/main" id="{E1E4EA88-FFF5-4121-9819-3360F28F5095}"/>
-              </a:ext>
-            </a:extLst>
-          </p:cNvPr>
-          <p:cNvSpPr txBox="1"/>
-          <p:nvPr/>
-        </p:nvSpPr>
-        <p:spPr>
-          <a:xfrm rot="16200000">
-            <a:off x="1178547" y="2253748"/>
-            <a:ext cx="1652794" cy="461665"/>
-          </a:xfrm>
-          <a:prstGeom prst="rect">
-            <a:avLst/>
-          </a:prstGeom>
-          <a:noFill/>
-        </p:spPr>
-        <p:txBody>
-          <a:bodyPr wrap="square" rtlCol="0">
-            <a:spAutoFit/>
-          </a:bodyPr>
-          <a:lstStyle/>
-          <a:p>
-            <a:r>
-              <a:rPr lang="en-GB" sz="2400" cap="small" dirty="0">
-                <a:solidFill>
-                  <a:schemeClr val="bg1"/>
-                </a:solidFill>
-                <a:latin typeface="Sarabun" panose="00000500000000000000" pitchFamily="2" charset="-34"/>
-                <a:cs typeface="Sarabun" panose="00000500000000000000" pitchFamily="2" charset="-34"/>
-              </a:rPr>
-              <a:t>memory</a:t>
-            </a:r>
-            <a:r>
-              <a:rPr lang="en-GB" sz="2400" dirty="0">
-                <a:solidFill>
-                  <a:schemeClr val="bg1"/>
-                </a:solidFill>
-                <a:latin typeface="Sarabun" panose="00000500000000000000" pitchFamily="2" charset="-34"/>
-                <a:cs typeface="Sarabun" panose="00000500000000000000" pitchFamily="2" charset="-34"/>
-              </a:rPr>
-              <a:t> </a:t>
-            </a:r>
-            <a:r>
-              <a:rPr lang="en-GB" sz="2400" b="1" dirty="0">
-                <a:solidFill>
-                  <a:schemeClr val="bg1"/>
-                </a:solidFill>
-                <a:latin typeface="Sarabun" panose="00000500000000000000" pitchFamily="2" charset="-34"/>
-                <a:cs typeface="Sarabun" panose="00000500000000000000" pitchFamily="2" charset="-34"/>
-              </a:rPr>
-              <a:t>→</a:t>
-            </a:r>
-          </a:p>
-        </p:txBody>
-      </p:sp>
-      <p:sp>
-        <p:nvSpPr>
-          <p:cNvPr id="10" name="TextBox 9">
-            <a:extLst>
-              <a:ext uri="{FF2B5EF4-FFF2-40B4-BE49-F238E27FC236}">
-                <a16:creationId xmlns:a16="http://schemas.microsoft.com/office/drawing/2014/main" id="{A13C1FC7-B638-40EB-9163-ECD8ED92AE4E}"/>
-              </a:ext>
-            </a:extLst>
-          </p:cNvPr>
-          <p:cNvSpPr txBox="1"/>
-          <p:nvPr/>
-        </p:nvSpPr>
-        <p:spPr>
-          <a:xfrm>
-            <a:off x="5208104" y="2849313"/>
-            <a:ext cx="1105232" cy="461665"/>
-          </a:xfrm>
-          <a:prstGeom prst="rect">
-            <a:avLst/>
-          </a:prstGeom>
-          <a:noFill/>
-        </p:spPr>
-        <p:txBody>
-          <a:bodyPr wrap="square" rtlCol="0">
-            <a:spAutoFit/>
-          </a:bodyPr>
-          <a:lstStyle/>
-          <a:p>
-            <a:pPr algn="r"/>
-            <a:r>
-              <a:rPr lang="en-GB" sz="2400" cap="small" dirty="0">
-                <a:solidFill>
-                  <a:schemeClr val="bg1"/>
-                </a:solidFill>
-                <a:latin typeface="Sarabun" panose="00000500000000000000" pitchFamily="2" charset="-34"/>
-                <a:cs typeface="Sarabun" panose="00000500000000000000" pitchFamily="2" charset="-34"/>
-              </a:rPr>
-              <a:t>time</a:t>
-            </a:r>
-            <a:r>
-              <a:rPr lang="en-GB" sz="2400" dirty="0">
-                <a:solidFill>
-                  <a:schemeClr val="bg1"/>
-                </a:solidFill>
-                <a:latin typeface="Sarabun" panose="00000500000000000000" pitchFamily="2" charset="-34"/>
-                <a:cs typeface="Sarabun" panose="00000500000000000000" pitchFamily="2" charset="-34"/>
-              </a:rPr>
-              <a:t> </a:t>
-            </a:r>
-            <a:r>
-              <a:rPr lang="en-GB" sz="2400" b="1" dirty="0">
-                <a:solidFill>
-                  <a:schemeClr val="bg1"/>
-                </a:solidFill>
-                <a:latin typeface="Sarabun" panose="00000500000000000000" pitchFamily="2" charset="-34"/>
-                <a:cs typeface="Sarabun" panose="00000500000000000000" pitchFamily="2" charset="-34"/>
-              </a:rPr>
-              <a:t>→</a:t>
-            </a:r>
-          </a:p>
-        </p:txBody>
-      </p:sp>
-      <p:sp>
-        <p:nvSpPr>
-          <p:cNvPr id="3" name="TextBox 2">
-            <a:extLst>
-              <a:ext uri="{FF2B5EF4-FFF2-40B4-BE49-F238E27FC236}">
-                <a16:creationId xmlns:a16="http://schemas.microsoft.com/office/drawing/2014/main" id="{84E8AAAB-B7A6-453B-AC20-1232411B55B5}"/>
-              </a:ext>
-            </a:extLst>
-          </p:cNvPr>
-          <p:cNvSpPr txBox="1"/>
-          <p:nvPr/>
-        </p:nvSpPr>
-        <p:spPr>
-          <a:xfrm>
-            <a:off x="978010" y="1280827"/>
-            <a:ext cx="1844703" cy="369332"/>
-          </a:xfrm>
-          <a:prstGeom prst="rect">
-            <a:avLst/>
-          </a:prstGeom>
-          <a:noFill/>
-        </p:spPr>
-        <p:txBody>
-          <a:bodyPr wrap="square" rtlCol="0">
-            <a:spAutoFit/>
-          </a:bodyPr>
-          <a:lstStyle/>
-          <a:p>
-            <a:r>
-              <a:rPr lang="en-GB" dirty="0">
-                <a:latin typeface="APL386 Unicode" panose="020B0709000202000203" pitchFamily="50" charset="0"/>
-              </a:rPr>
-              <a:t>]</a:t>
-            </a:r>
-            <a:r>
-              <a:rPr lang="en-GB" dirty="0" err="1">
-                <a:latin typeface="APL386 Unicode" panose="020B0709000202000203" pitchFamily="50" charset="0"/>
-              </a:rPr>
-              <a:t>SpaceNeeded</a:t>
-            </a:r>
-            <a:endParaRPr lang="en-GB" dirty="0">
-              <a:latin typeface="APL386 Unicode" panose="020B0709000202000203" pitchFamily="50" charset="0"/>
-            </a:endParaRPr>
-          </a:p>
-        </p:txBody>
-      </p:sp>
-      <p:sp>
-        <p:nvSpPr>
-          <p:cNvPr id="11" name="TextBox 10">
-            <a:extLst>
-              <a:ext uri="{FF2B5EF4-FFF2-40B4-BE49-F238E27FC236}">
-                <a16:creationId xmlns:a16="http://schemas.microsoft.com/office/drawing/2014/main" id="{A928D3E8-CA56-4DB6-B398-8ED66A7E65B6}"/>
-              </a:ext>
-            </a:extLst>
-          </p:cNvPr>
-          <p:cNvSpPr txBox="1"/>
-          <p:nvPr/>
-        </p:nvSpPr>
-        <p:spPr>
-          <a:xfrm>
-            <a:off x="6313336" y="3034269"/>
-            <a:ext cx="1844703" cy="369332"/>
-          </a:xfrm>
-          <a:prstGeom prst="rect">
-            <a:avLst/>
-          </a:prstGeom>
-          <a:noFill/>
-        </p:spPr>
-        <p:txBody>
-          <a:bodyPr wrap="square" rtlCol="0">
-            <a:spAutoFit/>
-          </a:bodyPr>
-          <a:lstStyle/>
-          <a:p>
-            <a:r>
-              <a:rPr lang="en-GB" dirty="0">
-                <a:latin typeface="APL386 Unicode" panose="020B0709000202000203" pitchFamily="50" charset="0"/>
-              </a:rPr>
-              <a:t>]</a:t>
-            </a:r>
-            <a:r>
-              <a:rPr lang="en-GB" dirty="0" err="1">
-                <a:latin typeface="APL386 Unicode" panose="020B0709000202000203" pitchFamily="50" charset="0"/>
-              </a:rPr>
-              <a:t>RunTime</a:t>
-            </a:r>
-            <a:r>
-              <a:rPr lang="en-GB" dirty="0">
-                <a:latin typeface="APL386 Unicode" panose="020B0709000202000203" pitchFamily="50" charset="0"/>
-              </a:rPr>
-              <a:t> -c</a:t>
-            </a:r>
-          </a:p>
-        </p:txBody>
-      </p:sp>
       <p:sp>
         <p:nvSpPr>
           <p:cNvPr id="12" name="TextBox 11">
@@ -22817,7 +22605,7 @@
 </p:sld>
 </file>
 
-<file path=ppt/slides/slide44.xml><?xml version="1.0" encoding="utf-8"?>
+<file path=ppt/slides/slide43.xml><?xml version="1.0" encoding="utf-8"?>
 <p:sld xmlns:a="http://schemas.openxmlformats.org/drawingml/2006/main" xmlns:r="http://schemas.openxmlformats.org/officeDocument/2006/relationships" xmlns:p="http://schemas.openxmlformats.org/presentationml/2006/main">
   <p:cSld>
     <p:spTree>
@@ -23222,6 +23010,168 @@
 </p:sld>
 </file>
 
+<file path=ppt/slides/slide44.xml><?xml version="1.0" encoding="utf-8"?>
+<p:sld xmlns:a="http://schemas.openxmlformats.org/drawingml/2006/main" xmlns:r="http://schemas.openxmlformats.org/officeDocument/2006/relationships" xmlns:p="http://schemas.openxmlformats.org/presentationml/2006/main">
+  <p:cSld>
+    <p:spTree>
+      <p:nvGrpSpPr>
+        <p:cNvPr id="1" name=""/>
+        <p:cNvGrpSpPr/>
+        <p:nvPr/>
+      </p:nvGrpSpPr>
+      <p:grpSpPr>
+        <a:xfrm>
+          <a:off x="0" y="0"/>
+          <a:ext cx="0" cy="0"/>
+          <a:chOff x="0" y="0"/>
+          <a:chExt cx="0" cy="0"/>
+        </a:xfrm>
+      </p:grpSpPr>
+      <p:sp>
+        <p:nvSpPr>
+          <p:cNvPr id="3" name="Content Placeholder 2">
+            <a:extLst>
+              <a:ext uri="{FF2B5EF4-FFF2-40B4-BE49-F238E27FC236}">
+                <a16:creationId xmlns:a16="http://schemas.microsoft.com/office/drawing/2014/main" id="{F397A966-46E0-46BD-BF37-1DF4B3FBA1AC}"/>
+              </a:ext>
+            </a:extLst>
+          </p:cNvPr>
+          <p:cNvSpPr>
+            <a:spLocks noGrp="1"/>
+          </p:cNvSpPr>
+          <p:nvPr>
+            <p:ph idx="1"/>
+          </p:nvPr>
+        </p:nvSpPr>
+        <p:spPr/>
+        <p:txBody>
+          <a:bodyPr/>
+          <a:lstStyle/>
+          <a:p>
+            <a:r>
+              <a:rPr lang="en-GB" dirty="0"/>
+              <a:t>Control iterations with:</a:t>
+            </a:r>
+          </a:p>
+          <a:p>
+            <a:pPr lvl="1"/>
+            <a:r>
+              <a:rPr lang="en-GB" dirty="0">
+                <a:latin typeface="APL385 Unicode" panose="020B0709000202000203" pitchFamily="49" charset="0"/>
+              </a:rPr>
+              <a:t>:While counter</a:t>
+            </a:r>
+          </a:p>
+          <a:p>
+            <a:pPr lvl="1"/>
+            <a:r>
+              <a:rPr lang="en-GB" dirty="0">
+                <a:latin typeface="APL385 Unicode" panose="020B0709000202000203" pitchFamily="49" charset="0"/>
+              </a:rPr>
+              <a:t>:For ... :In ⍳</a:t>
+            </a:r>
+            <a:r>
+              <a:rPr lang="en-GB" dirty="0" err="1">
+                <a:latin typeface="APL385 Unicode" panose="020B0709000202000203" pitchFamily="49" charset="0"/>
+              </a:rPr>
+              <a:t>max_iter</a:t>
+            </a:r>
+            <a:endParaRPr lang="en-GB" dirty="0">
+              <a:latin typeface="APL385 Unicode" panose="020B0709000202000203" pitchFamily="49" charset="0"/>
+            </a:endParaRPr>
+          </a:p>
+          <a:p>
+            <a:pPr lvl="1"/>
+            <a:r>
+              <a:rPr lang="en-GB" dirty="0">
+                <a:latin typeface="APL385 Unicode" panose="020B0709000202000203" pitchFamily="49" charset="0"/>
+              </a:rPr>
+              <a:t>{...}⍣</a:t>
+            </a:r>
+            <a:r>
+              <a:rPr lang="en-GB" dirty="0" err="1">
+                <a:latin typeface="APL385 Unicode" panose="020B0709000202000203" pitchFamily="49" charset="0"/>
+              </a:rPr>
+              <a:t>max_iter</a:t>
+            </a:r>
+            <a:endParaRPr lang="en-GB" dirty="0">
+              <a:latin typeface="APL385 Unicode" panose="020B0709000202000203" pitchFamily="49" charset="0"/>
+            </a:endParaRPr>
+          </a:p>
+        </p:txBody>
+      </p:sp>
+      <p:sp>
+        <p:nvSpPr>
+          <p:cNvPr id="6" name="Title 5">
+            <a:extLst>
+              <a:ext uri="{FF2B5EF4-FFF2-40B4-BE49-F238E27FC236}">
+                <a16:creationId xmlns:a16="http://schemas.microsoft.com/office/drawing/2014/main" id="{A59BF89F-4028-453C-AC2E-567195DA93CB}"/>
+              </a:ext>
+            </a:extLst>
+          </p:cNvPr>
+          <p:cNvSpPr>
+            <a:spLocks noGrp="1"/>
+          </p:cNvSpPr>
+          <p:nvPr>
+            <p:ph type="title"/>
+          </p:nvPr>
+        </p:nvSpPr>
+        <p:spPr/>
+        <p:txBody>
+          <a:bodyPr/>
+          <a:lstStyle/>
+          <a:p>
+            <a:r>
+              <a:rPr lang="en-GB" dirty="0"/>
+              <a:t>Performant </a:t>
+            </a:r>
+            <a:r>
+              <a:rPr lang="en-GB" dirty="0">
+                <a:latin typeface="APL385 Unicode" panose="020B0709000202000203" pitchFamily="49" charset="0"/>
+              </a:rPr>
+              <a:t>Simulate</a:t>
+            </a:r>
+          </a:p>
+        </p:txBody>
+      </p:sp>
+      <p:sp>
+        <p:nvSpPr>
+          <p:cNvPr id="5" name="Content Placeholder 4">
+            <a:extLst>
+              <a:ext uri="{FF2B5EF4-FFF2-40B4-BE49-F238E27FC236}">
+                <a16:creationId xmlns:a16="http://schemas.microsoft.com/office/drawing/2014/main" id="{6A71AFEE-C0A1-4E08-A725-6A0A6888C16D}"/>
+              </a:ext>
+            </a:extLst>
+          </p:cNvPr>
+          <p:cNvSpPr>
+            <a:spLocks noGrp="1"/>
+          </p:cNvSpPr>
+          <p:nvPr>
+            <p:ph idx="10"/>
+          </p:nvPr>
+        </p:nvSpPr>
+        <p:spPr/>
+        <p:txBody>
+          <a:bodyPr/>
+          <a:lstStyle/>
+          <a:p>
+            <a:endParaRPr lang="en-US"/>
+          </a:p>
+        </p:txBody>
+      </p:sp>
+    </p:spTree>
+    <p:extLst>
+      <p:ext uri="{BB962C8B-B14F-4D97-AF65-F5344CB8AC3E}">
+        <p14:creationId xmlns:p14="http://schemas.microsoft.com/office/powerpoint/2010/main" val="480623556"/>
+      </p:ext>
+    </p:extLst>
+  </p:cSld>
+  <p:clrMapOvr>
+    <a:masterClrMapping/>
+  </p:clrMapOvr>
+</p:sld>
+</file>
+
 <file path=ppt/slides/slide45.xml><?xml version="1.0" encoding="utf-8"?>
 <p:sld xmlns:a="http://schemas.openxmlformats.org/drawingml/2006/main" xmlns:r="http://schemas.openxmlformats.org/officeDocument/2006/relationships" xmlns:p="http://schemas.openxmlformats.org/presentationml/2006/main">
   <p:cSld>
@@ -23262,53 +23212,40 @@
           <a:p>
             <a:r>
               <a:rPr lang="en-GB" dirty="0"/>
-              <a:t>Control iterations with:</a:t>
+              <a:t>Determine new spin with:</a:t>
             </a:r>
           </a:p>
           <a:p>
             <a:pPr lvl="1"/>
+            <a:r>
+              <a:rPr lang="en-GB" dirty="0">
+                <a:latin typeface="Sarabun" panose="020B0604020202020204" charset="-34"/>
+                <a:cs typeface="Sarabun" panose="020B0604020202020204" charset="-34"/>
+              </a:rPr>
+              <a:t>Mathematical computation</a:t>
+            </a:r>
             <a:r>
               <a:rPr lang="en-GB" dirty="0">
                 <a:latin typeface="APL385 Unicode" panose="020B0709000202000203" pitchFamily="49" charset="0"/>
               </a:rPr>
-              <a:t>:While counter</a:t>
+              <a:t> (¯1*...)</a:t>
             </a:r>
           </a:p>
           <a:p>
             <a:pPr lvl="1"/>
+            <a:r>
+              <a:rPr lang="en-GB" dirty="0">
+                <a:latin typeface="Sarabun" panose="020B0604020202020204" charset="-34"/>
+                <a:cs typeface="Sarabun" panose="020B0604020202020204" charset="-34"/>
+              </a:rPr>
+              <a:t>Data-driven conditional</a:t>
+            </a:r>
             <a:r>
               <a:rPr lang="en-GB" dirty="0">
                 <a:latin typeface="APL385 Unicode" panose="020B0709000202000203" pitchFamily="49" charset="0"/>
               </a:rPr>
-              <a:t>:For ... :In ⍳</a:t>
-            </a:r>
-            <a:r>
-              <a:rPr lang="en-GB" dirty="0" err="1">
-                <a:latin typeface="APL385 Unicode" panose="020B0709000202000203" pitchFamily="49" charset="0"/>
-              </a:rPr>
-              <a:t>max_iter</a:t>
-            </a:r>
-            <a:endParaRPr lang="en-GB" dirty="0">
-              <a:latin typeface="APL385 Unicode" panose="020B0709000202000203" pitchFamily="49" charset="0"/>
-            </a:endParaRPr>
-          </a:p>
-          <a:p>
-            <a:pPr lvl="1"/>
-            <a:r>
-              <a:rPr lang="en-GB" dirty="0">
-                <a:latin typeface="APL385 Unicode" panose="020B0709000202000203" pitchFamily="49" charset="0"/>
-              </a:rPr>
-              <a:t>{...}⍣</a:t>
-            </a:r>
-            <a:r>
-              <a:rPr lang="en-GB" dirty="0" err="1">
-                <a:latin typeface="APL385 Unicode" panose="020B0709000202000203" pitchFamily="49" charset="0"/>
-              </a:rPr>
-              <a:t>max_iter</a:t>
-            </a:r>
-            <a:endParaRPr lang="en-GB" dirty="0">
-              <a:latin typeface="APL385 Unicode" panose="020B0709000202000203" pitchFamily="49" charset="0"/>
-            </a:endParaRPr>
+              <a:t> (...⊃¯1 1)</a:t>
+            </a:r>
           </a:p>
         </p:txBody>
       </p:sp>
@@ -23374,7 +23311,7 @@
     </p:spTree>
     <p:extLst>
       <p:ext uri="{BB962C8B-B14F-4D97-AF65-F5344CB8AC3E}">
-        <p14:creationId xmlns:p14="http://schemas.microsoft.com/office/powerpoint/2010/main" val="480623556"/>
+        <p14:creationId xmlns:p14="http://schemas.microsoft.com/office/powerpoint/2010/main" val="803329065"/>
       </p:ext>
     </p:extLst>
   </p:cSld>
@@ -23424,40 +23361,42 @@
           <a:p>
             <a:r>
               <a:rPr lang="en-GB" dirty="0"/>
-              <a:t>Determine new spin with:</a:t>
+              <a:t>Assign new spin with:</a:t>
             </a:r>
           </a:p>
           <a:p>
             <a:pPr lvl="1"/>
             <a:r>
-              <a:rPr lang="en-GB" dirty="0">
-                <a:latin typeface="Sarabun" panose="020B0604020202020204" charset="-34"/>
+              <a:rPr lang="en-GB" dirty="0" err="1">
+                <a:latin typeface="APL385 Unicode" panose="020B0709000202000203" pitchFamily="49" charset="0"/>
                 <a:cs typeface="Sarabun" panose="020B0604020202020204" charset="-34"/>
               </a:rPr>
-              <a:t>Mathematical computation</a:t>
-            </a:r>
+              <a:t>new_spin@position</a:t>
+            </a:r>
+            <a:endParaRPr lang="en-GB" dirty="0">
+              <a:latin typeface="APL385 Unicode" panose="020B0709000202000203" pitchFamily="49" charset="0"/>
+              <a:cs typeface="Sarabun" panose="020B0604020202020204" charset="-34"/>
+            </a:endParaRPr>
+          </a:p>
+          <a:p>
+            <a:pPr lvl="1"/>
             <a:r>
               <a:rPr lang="en-GB" dirty="0">
                 <a:latin typeface="APL385 Unicode" panose="020B0709000202000203" pitchFamily="49" charset="0"/>
-              </a:rPr>
-              <a:t> (¯1*...)</a:t>
-            </a:r>
-          </a:p>
-          <a:p>
-            <a:pPr lvl="1"/>
-            <a:r>
-              <a:rPr lang="en-GB" dirty="0">
-                <a:latin typeface="Sarabun" panose="020B0604020202020204" charset="-34"/>
                 <a:cs typeface="Sarabun" panose="020B0604020202020204" charset="-34"/>
               </a:rPr>
-              <a:t>Data-driven conditional</a:t>
-            </a:r>
-            <a:r>
-              <a:rPr lang="en-GB" dirty="0">
+              <a:t>grid[position] ← </a:t>
+            </a:r>
+            <a:r>
+              <a:rPr lang="en-GB" dirty="0" err="1">
                 <a:latin typeface="APL385 Unicode" panose="020B0709000202000203" pitchFamily="49" charset="0"/>
+                <a:cs typeface="Sarabun" panose="020B0604020202020204" charset="-34"/>
               </a:rPr>
-              <a:t> (...⊃¯1 1)</a:t>
-            </a:r>
+              <a:t>new_spin</a:t>
+            </a:r>
+            <a:endParaRPr lang="en-GB" dirty="0">
+              <a:latin typeface="APL385 Unicode" panose="020B0709000202000203" pitchFamily="49" charset="0"/>
+            </a:endParaRPr>
           </a:p>
         </p:txBody>
       </p:sp>
@@ -23523,7 +23462,7 @@
     </p:spTree>
     <p:extLst>
       <p:ext uri="{BB962C8B-B14F-4D97-AF65-F5344CB8AC3E}">
-        <p14:creationId xmlns:p14="http://schemas.microsoft.com/office/powerpoint/2010/main" val="803329065"/>
+        <p14:creationId xmlns:p14="http://schemas.microsoft.com/office/powerpoint/2010/main" val="3135252389"/>
       </p:ext>
     </p:extLst>
   </p:cSld>
@@ -23573,42 +23512,19 @@
           <a:p>
             <a:r>
               <a:rPr lang="en-GB" dirty="0"/>
-              <a:t>Assign new spin with:</a:t>
+              <a:t>Compute spin contributions:</a:t>
             </a:r>
           </a:p>
           <a:p>
             <a:pPr lvl="1"/>
             <a:r>
-              <a:rPr lang="en-GB" dirty="0" err="1">
-                <a:latin typeface="APL385 Unicode" panose="020B0709000202000203" pitchFamily="49" charset="0"/>
-                <a:cs typeface="Sarabun" panose="020B0604020202020204" charset="-34"/>
-              </a:rPr>
-              <a:t>new_spin@position</a:t>
-            </a:r>
-            <a:endParaRPr lang="en-GB" dirty="0">
-              <a:latin typeface="APL385 Unicode" panose="020B0709000202000203" pitchFamily="49" charset="0"/>
-              <a:cs typeface="Sarabun" panose="020B0604020202020204" charset="-34"/>
-            </a:endParaRPr>
+              <a:rPr lang="en-GB" dirty="0"/>
+              <a:t>NESW neighbours, then halve</a:t>
+            </a:r>
           </a:p>
           <a:p>
             <a:pPr lvl="1"/>
-            <a:r>
-              <a:rPr lang="en-GB" dirty="0">
-                <a:latin typeface="APL385 Unicode" panose="020B0709000202000203" pitchFamily="49" charset="0"/>
-                <a:cs typeface="Sarabun" panose="020B0604020202020204" charset="-34"/>
-              </a:rPr>
-              <a:t>grid[position] ← </a:t>
-            </a:r>
-            <a:r>
-              <a:rPr lang="en-GB" dirty="0" err="1">
-                <a:latin typeface="APL385 Unicode" panose="020B0709000202000203" pitchFamily="49" charset="0"/>
-                <a:cs typeface="Sarabun" panose="020B0604020202020204" charset="-34"/>
-              </a:rPr>
-              <a:t>new_spin</a:t>
-            </a:r>
-            <a:endParaRPr lang="en-GB" dirty="0">
-              <a:latin typeface="APL385 Unicode" panose="020B0709000202000203" pitchFamily="49" charset="0"/>
-            </a:endParaRPr>
+            <a:endParaRPr lang="en-GB" dirty="0"/>
           </a:p>
         </p:txBody>
       </p:sp>
@@ -23674,7 +23590,7 @@
     </p:spTree>
     <p:extLst>
       <p:ext uri="{BB962C8B-B14F-4D97-AF65-F5344CB8AC3E}">
-        <p14:creationId xmlns:p14="http://schemas.microsoft.com/office/powerpoint/2010/main" val="3135252389"/>
+        <p14:creationId xmlns:p14="http://schemas.microsoft.com/office/powerpoint/2010/main" val="1334894292"/>
       </p:ext>
     </p:extLst>
   </p:cSld>
@@ -23685,134 +23601,6 @@
 </file>
 
 <file path=ppt/slides/slide48.xml><?xml version="1.0" encoding="utf-8"?>
-<p:sld xmlns:a="http://schemas.openxmlformats.org/drawingml/2006/main" xmlns:r="http://schemas.openxmlformats.org/officeDocument/2006/relationships" xmlns:p="http://schemas.openxmlformats.org/presentationml/2006/main">
-  <p:cSld>
-    <p:spTree>
-      <p:nvGrpSpPr>
-        <p:cNvPr id="1" name=""/>
-        <p:cNvGrpSpPr/>
-        <p:nvPr/>
-      </p:nvGrpSpPr>
-      <p:grpSpPr>
-        <a:xfrm>
-          <a:off x="0" y="0"/>
-          <a:ext cx="0" cy="0"/>
-          <a:chOff x="0" y="0"/>
-          <a:chExt cx="0" cy="0"/>
-        </a:xfrm>
-      </p:grpSpPr>
-      <p:sp>
-        <p:nvSpPr>
-          <p:cNvPr id="3" name="Content Placeholder 2">
-            <a:extLst>
-              <a:ext uri="{FF2B5EF4-FFF2-40B4-BE49-F238E27FC236}">
-                <a16:creationId xmlns:a16="http://schemas.microsoft.com/office/drawing/2014/main" id="{F397A966-46E0-46BD-BF37-1DF4B3FBA1AC}"/>
-              </a:ext>
-            </a:extLst>
-          </p:cNvPr>
-          <p:cNvSpPr>
-            <a:spLocks noGrp="1"/>
-          </p:cNvSpPr>
-          <p:nvPr>
-            <p:ph idx="1"/>
-          </p:nvPr>
-        </p:nvSpPr>
-        <p:spPr/>
-        <p:txBody>
-          <a:bodyPr/>
-          <a:lstStyle/>
-          <a:p>
-            <a:r>
-              <a:rPr lang="en-GB" dirty="0"/>
-              <a:t>Compute spin contributions:</a:t>
-            </a:r>
-          </a:p>
-          <a:p>
-            <a:pPr lvl="1"/>
-            <a:r>
-              <a:rPr lang="en-GB" dirty="0"/>
-              <a:t>NESW neighbours, then halve</a:t>
-            </a:r>
-          </a:p>
-          <a:p>
-            <a:pPr lvl="1"/>
-            <a:endParaRPr lang="en-GB" dirty="0"/>
-          </a:p>
-        </p:txBody>
-      </p:sp>
-      <p:sp>
-        <p:nvSpPr>
-          <p:cNvPr id="6" name="Title 5">
-            <a:extLst>
-              <a:ext uri="{FF2B5EF4-FFF2-40B4-BE49-F238E27FC236}">
-                <a16:creationId xmlns:a16="http://schemas.microsoft.com/office/drawing/2014/main" id="{A59BF89F-4028-453C-AC2E-567195DA93CB}"/>
-              </a:ext>
-            </a:extLst>
-          </p:cNvPr>
-          <p:cNvSpPr>
-            <a:spLocks noGrp="1"/>
-          </p:cNvSpPr>
-          <p:nvPr>
-            <p:ph type="title"/>
-          </p:nvPr>
-        </p:nvSpPr>
-        <p:spPr/>
-        <p:txBody>
-          <a:bodyPr/>
-          <a:lstStyle/>
-          <a:p>
-            <a:r>
-              <a:rPr lang="en-GB" dirty="0"/>
-              <a:t>Performant </a:t>
-            </a:r>
-            <a:r>
-              <a:rPr lang="en-GB" dirty="0">
-                <a:latin typeface="APL385 Unicode" panose="020B0709000202000203" pitchFamily="49" charset="0"/>
-              </a:rPr>
-              <a:t>Simulate</a:t>
-            </a:r>
-          </a:p>
-        </p:txBody>
-      </p:sp>
-      <p:sp>
-        <p:nvSpPr>
-          <p:cNvPr id="5" name="Content Placeholder 4">
-            <a:extLst>
-              <a:ext uri="{FF2B5EF4-FFF2-40B4-BE49-F238E27FC236}">
-                <a16:creationId xmlns:a16="http://schemas.microsoft.com/office/drawing/2014/main" id="{6A71AFEE-C0A1-4E08-A725-6A0A6888C16D}"/>
-              </a:ext>
-            </a:extLst>
-          </p:cNvPr>
-          <p:cNvSpPr>
-            <a:spLocks noGrp="1"/>
-          </p:cNvSpPr>
-          <p:nvPr>
-            <p:ph idx="10"/>
-          </p:nvPr>
-        </p:nvSpPr>
-        <p:spPr/>
-        <p:txBody>
-          <a:bodyPr/>
-          <a:lstStyle/>
-          <a:p>
-            <a:endParaRPr lang="en-US"/>
-          </a:p>
-        </p:txBody>
-      </p:sp>
-    </p:spTree>
-    <p:extLst>
-      <p:ext uri="{BB962C8B-B14F-4D97-AF65-F5344CB8AC3E}">
-        <p14:creationId xmlns:p14="http://schemas.microsoft.com/office/powerpoint/2010/main" val="1334894292"/>
-      </p:ext>
-    </p:extLst>
-  </p:cSld>
-  <p:clrMapOvr>
-    <a:masterClrMapping/>
-  </p:clrMapOvr>
-</p:sld>
-</file>
-
-<file path=ppt/slides/slide49.xml><?xml version="1.0" encoding="utf-8"?>
 <p:sld xmlns:a="http://schemas.openxmlformats.org/drawingml/2006/main" xmlns:r="http://schemas.openxmlformats.org/officeDocument/2006/relationships" xmlns:p="http://schemas.openxmlformats.org/presentationml/2006/main">
   <p:cSld>
     <p:spTree>
@@ -23869,6 +23657,72 @@
     <p:extLst>
       <p:ext uri="{BB962C8B-B14F-4D97-AF65-F5344CB8AC3E}">
         <p14:creationId xmlns:p14="http://schemas.microsoft.com/office/powerpoint/2010/main" val="1045207558"/>
+      </p:ext>
+    </p:extLst>
+  </p:cSld>
+  <p:clrMapOvr>
+    <a:masterClrMapping/>
+  </p:clrMapOvr>
+</p:sld>
+</file>
+
+<file path=ppt/slides/slide49.xml><?xml version="1.0" encoding="utf-8"?>
+<p:sld xmlns:a="http://schemas.openxmlformats.org/drawingml/2006/main" xmlns:r="http://schemas.openxmlformats.org/officeDocument/2006/relationships" xmlns:p="http://schemas.openxmlformats.org/presentationml/2006/main">
+  <p:cSld>
+    <p:spTree>
+      <p:nvGrpSpPr>
+        <p:cNvPr id="1" name=""/>
+        <p:cNvGrpSpPr/>
+        <p:nvPr/>
+      </p:nvGrpSpPr>
+      <p:grpSpPr>
+        <a:xfrm>
+          <a:off x="0" y="0"/>
+          <a:ext cx="0" cy="0"/>
+          <a:chOff x="0" y="0"/>
+          <a:chExt cx="0" cy="0"/>
+        </a:xfrm>
+      </p:grpSpPr>
+      <p:pic>
+        <p:nvPicPr>
+          <p:cNvPr id="4" name="Picture 3" descr="A picture containing arrow&#10;&#10;Description automatically generated">
+            <a:extLst>
+              <a:ext uri="{FF2B5EF4-FFF2-40B4-BE49-F238E27FC236}">
+                <a16:creationId xmlns:a16="http://schemas.microsoft.com/office/drawing/2014/main" id="{B683DE3C-BCC0-425A-BDE6-B078F0D60669}"/>
+              </a:ext>
+            </a:extLst>
+          </p:cNvPr>
+          <p:cNvPicPr>
+            <a:picLocks noChangeAspect="1"/>
+          </p:cNvPicPr>
+          <p:nvPr/>
+        </p:nvPicPr>
+        <p:blipFill>
+          <a:blip r:embed="rId2">
+            <a:extLst>
+              <a:ext uri="{28A0092B-C50C-407E-A947-70E740481C1C}">
+                <a14:useLocalDpi xmlns:a14="http://schemas.microsoft.com/office/drawing/2010/main" val="0"/>
+              </a:ext>
+            </a:extLst>
+          </a:blip>
+          <a:stretch>
+            <a:fillRect/>
+          </a:stretch>
+        </p:blipFill>
+        <p:spPr>
+          <a:xfrm>
+            <a:off x="1842706" y="795089"/>
+            <a:ext cx="5458587" cy="3553321"/>
+          </a:xfrm>
+          <a:prstGeom prst="rect">
+            <a:avLst/>
+          </a:prstGeom>
+        </p:spPr>
+      </p:pic>
+    </p:spTree>
+    <p:extLst>
+      <p:ext uri="{BB962C8B-B14F-4D97-AF65-F5344CB8AC3E}">
+        <p14:creationId xmlns:p14="http://schemas.microsoft.com/office/powerpoint/2010/main" val="3200508148"/>
       </p:ext>
     </p:extLst>
   </p:cSld>
@@ -24936,72 +24790,6 @@
           <a:chExt cx="0" cy="0"/>
         </a:xfrm>
       </p:grpSpPr>
-      <p:pic>
-        <p:nvPicPr>
-          <p:cNvPr id="4" name="Picture 3" descr="A picture containing arrow&#10;&#10;Description automatically generated">
-            <a:extLst>
-              <a:ext uri="{FF2B5EF4-FFF2-40B4-BE49-F238E27FC236}">
-                <a16:creationId xmlns:a16="http://schemas.microsoft.com/office/drawing/2014/main" id="{B683DE3C-BCC0-425A-BDE6-B078F0D60669}"/>
-              </a:ext>
-            </a:extLst>
-          </p:cNvPr>
-          <p:cNvPicPr>
-            <a:picLocks noChangeAspect="1"/>
-          </p:cNvPicPr>
-          <p:nvPr/>
-        </p:nvPicPr>
-        <p:blipFill>
-          <a:blip r:embed="rId2">
-            <a:extLst>
-              <a:ext uri="{28A0092B-C50C-407E-A947-70E740481C1C}">
-                <a14:useLocalDpi xmlns:a14="http://schemas.microsoft.com/office/drawing/2010/main" val="0"/>
-              </a:ext>
-            </a:extLst>
-          </a:blip>
-          <a:stretch>
-            <a:fillRect/>
-          </a:stretch>
-        </p:blipFill>
-        <p:spPr>
-          <a:xfrm>
-            <a:off x="1842706" y="795089"/>
-            <a:ext cx="5458587" cy="3553321"/>
-          </a:xfrm>
-          <a:prstGeom prst="rect">
-            <a:avLst/>
-          </a:prstGeom>
-        </p:spPr>
-      </p:pic>
-    </p:spTree>
-    <p:extLst>
-      <p:ext uri="{BB962C8B-B14F-4D97-AF65-F5344CB8AC3E}">
-        <p14:creationId xmlns:p14="http://schemas.microsoft.com/office/powerpoint/2010/main" val="3200508148"/>
-      </p:ext>
-    </p:extLst>
-  </p:cSld>
-  <p:clrMapOvr>
-    <a:masterClrMapping/>
-  </p:clrMapOvr>
-</p:sld>
-</file>
-
-<file path=ppt/slides/slide51.xml><?xml version="1.0" encoding="utf-8"?>
-<p:sld xmlns:a="http://schemas.openxmlformats.org/drawingml/2006/main" xmlns:r="http://schemas.openxmlformats.org/officeDocument/2006/relationships" xmlns:p="http://schemas.openxmlformats.org/presentationml/2006/main">
-  <p:cSld>
-    <p:spTree>
-      <p:nvGrpSpPr>
-        <p:cNvPr id="1" name=""/>
-        <p:cNvGrpSpPr/>
-        <p:nvPr/>
-      </p:nvGrpSpPr>
-      <p:grpSpPr>
-        <a:xfrm>
-          <a:off x="0" y="0"/>
-          <a:ext cx="0" cy="0"/>
-          <a:chOff x="0" y="0"/>
-          <a:chExt cx="0" cy="0"/>
-        </a:xfrm>
-      </p:grpSpPr>
       <p:sp>
         <p:nvSpPr>
           <p:cNvPr id="3" name="Content Placeholder 2">
@@ -25120,7 +24908,7 @@
 </p:sld>
 </file>
 
-<file path=ppt/slides/slide52.xml><?xml version="1.0" encoding="utf-8"?>
+<file path=ppt/slides/slide51.xml><?xml version="1.0" encoding="utf-8"?>
 <p:sld xmlns:a="http://schemas.openxmlformats.org/drawingml/2006/main" xmlns:r="http://schemas.openxmlformats.org/officeDocument/2006/relationships" xmlns:p="http://schemas.openxmlformats.org/presentationml/2006/main">
   <p:cSld>
     <p:spTree>
@@ -25186,7 +24974,7 @@
 </p:sld>
 </file>
 
-<file path=ppt/slides/slide53.xml><?xml version="1.0" encoding="utf-8"?>
+<file path=ppt/slides/slide52.xml><?xml version="1.0" encoding="utf-8"?>
 <p:sld xmlns:a="http://schemas.openxmlformats.org/drawingml/2006/main" xmlns:r="http://schemas.openxmlformats.org/officeDocument/2006/relationships" xmlns:p="http://schemas.openxmlformats.org/presentationml/2006/main">
   <p:cSld>
     <p:spTree>
@@ -25252,7 +25040,7 @@
 </p:sld>
 </file>
 
-<file path=ppt/slides/slide54.xml><?xml version="1.0" encoding="utf-8"?>
+<file path=ppt/slides/slide53.xml><?xml version="1.0" encoding="utf-8"?>
 <p:sld xmlns:a="http://schemas.openxmlformats.org/drawingml/2006/main" xmlns:r="http://schemas.openxmlformats.org/officeDocument/2006/relationships" xmlns:p="http://schemas.openxmlformats.org/presentationml/2006/main">
   <p:cSld>
     <p:spTree>
@@ -25373,7 +25161,7 @@
 </p:sld>
 </file>
 
-<file path=ppt/slides/slide55.xml><?xml version="1.0" encoding="utf-8"?>
+<file path=ppt/slides/slide54.xml><?xml version="1.0" encoding="utf-8"?>
 <p:sld xmlns:a="http://schemas.openxmlformats.org/drawingml/2006/main" xmlns:r="http://schemas.openxmlformats.org/officeDocument/2006/relationships" xmlns:p="http://schemas.openxmlformats.org/presentationml/2006/main">
   <p:cSld>
     <p:spTree>
@@ -25544,7 +25332,7 @@
 </p:sld>
 </file>
 
-<file path=ppt/slides/slide56.xml><?xml version="1.0" encoding="utf-8"?>
+<file path=ppt/slides/slide55.xml><?xml version="1.0" encoding="utf-8"?>
 <p:sld xmlns:a="http://schemas.openxmlformats.org/drawingml/2006/main" xmlns:r="http://schemas.openxmlformats.org/officeDocument/2006/relationships" xmlns:p="http://schemas.openxmlformats.org/presentationml/2006/main">
   <p:cSld>
     <p:spTree>
